--- a/chart-01.pptx
+++ b/chart-01.pptx
@@ -15,6 +15,7 @@
     <p:sldId r:id="rId14" id="263"/>
     <p:sldId r:id="rId15" id="264"/>
     <p:sldId r:id="rId16" id="265"/>
+    <p:sldId r:id="rId17" id="266"/>
   </p:sldIdLst>
   <p:sldSz cx="9144000" cy="6858000" type="screen4x3"/>
   <p:notesSz cx="6858000" cy="9144000"/>
@@ -3424,6 +3425,72 @@
       </p:sp>
       <p:pic>
         <p:nvPicPr>
+          <p:cNvPr id="3" name="Picture 2" descr="Capture4.PNG"/>
+          <p:cNvPicPr>
+            <a:picLocks noChangeAspect="1"/>
+          </p:cNvPicPr>
+          <p:nvPr/>
+        </p:nvPicPr>
+        <p:blipFill>
+          <a:blip r:embed="rId2"/>
+          <a:stretch>
+            <a:fillRect/>
+          </a:stretch>
+        </p:blipFill>
+        <p:spPr>
+          <a:xfrm>
+            <a:off x="9144" y="68580"/>
+            <a:ext cx="9144000" cy="6894142"/>
+          </a:xfrm>
+          <a:prstGeom prst="rect">
+            <a:avLst/>
+          </a:prstGeom>
+        </p:spPr>
+      </p:pic>
+    </p:spTree>
+  </p:cSld>
+  <p:clrMapOvr>
+    <a:masterClrMapping/>
+  </p:clrMapOvr>
+</p:sld>
+</file>
+
+<file path=ppt/slides/slide11.xml><?xml version="1.0" encoding="utf-8"?>
+<p:sld xmlns:a="http://schemas.openxmlformats.org/drawingml/2006/main" xmlns:p="http://schemas.openxmlformats.org/presentationml/2006/main" xmlns:r="http://schemas.openxmlformats.org/officeDocument/2006/relationships">
+  <p:cSld>
+    <p:spTree>
+      <p:nvGrpSpPr>
+        <p:cNvPr id="1" name=""/>
+        <p:cNvGrpSpPr/>
+        <p:nvPr/>
+      </p:nvGrpSpPr>
+      <p:grpSpPr/>
+      <p:sp>
+        <p:nvSpPr>
+          <p:cNvPr id="2" name="TextBox 1"/>
+          <p:cNvSpPr txBox="1"/>
+          <p:nvPr/>
+        </p:nvSpPr>
+        <p:spPr>
+          <a:xfrm>
+            <a:off x="0" y="0"/>
+            <a:ext cx="9144000" cy="34290"/>
+          </a:xfrm>
+          <a:prstGeom prst="rect">
+            <a:avLst/>
+          </a:prstGeom>
+          <a:noFill/>
+        </p:spPr>
+        <p:txBody>
+          <a:bodyPr wrap="none">
+            <a:spAutoFit/>
+          </a:bodyPr>
+          <a:lstStyle/>
+          <a:p/>
+        </p:txBody>
+      </p:sp>
+      <p:pic>
+        <p:nvPicPr>
           <p:cNvPr id="3" name="Picture 2" descr="Capture5.PNG"/>
           <p:cNvPicPr>
             <a:picLocks noChangeAspect="1"/>
@@ -3480,10 +3547,10 @@
           <a:lstStyle/>
           <a:p>
             <a:r>
-              <a:rPr sz="2000" b="1">
+              <a:rPr sz="1500" b="1">
                 <a:latin typeface="Verdana"/>
               </a:rPr>
-              <a:t>Detailed Metrics - KRIs </a:t>
+              <a:t>Executive Summary – Infrastructure Risk Overview </a:t>
             </a:r>
           </a:p>
         </p:txBody>
@@ -3514,8 +3581,8 @@
           <p:nvPr/>
         </p:nvGraphicFramePr>
         <p:xfrm>
-          <a:off x="457200" y="1005840"/>
-          <a:ext cx="8229600" cy="27432"/>
+          <a:off x="457200" y="640080"/>
+          <a:ext cx="8229600" cy="18288"/>
         </p:xfrm>
         <a:graphic>
           <a:graphicData uri="http://schemas.openxmlformats.org/drawingml/2006/table">
@@ -3531,19 +3598,19 @@
                 <a:gridCol w="914400"/>
                 <a:gridCol w="914400"/>
               </a:tblGrid>
-              <a:tr h="1959">
-                <a:tc>
-                  <a:txBody>
-                    <a:bodyPr/>
-                    <a:lstStyle/>
-                    <a:p>
-                      <a:r>
-                        <a:rPr b="1" sz="1000">
-                          <a:solidFill>
-                            <a:srgbClr val="000000"/>
-                          </a:solidFill>
-                        </a:rPr>
-                        <a:t>Category of KRI </a:t>
+              <a:tr h="1075">
+                <a:tc>
+                  <a:txBody>
+                    <a:bodyPr/>
+                    <a:lstStyle/>
+                    <a:p>
+                      <a:r>
+                        <a:rPr b="1" sz="900">
+                          <a:solidFill>
+                            <a:srgbClr val="000000"/>
+                          </a:solidFill>
+                        </a:rPr>
+                        <a:t>ID</a:t>
                       </a:r>
                     </a:p>
                   </a:txBody>
@@ -3631,12 +3698,12 @@
                     <a:lstStyle/>
                     <a:p>
                       <a:r>
-                        <a:rPr sz="1000">
-                          <a:solidFill>
-                            <a:srgbClr val="000000"/>
-                          </a:solidFill>
-                        </a:rPr>
-                        <a:t>Defintion</a:t>
+                        <a:rPr sz="900">
+                          <a:solidFill>
+                            <a:srgbClr val="000000"/>
+                          </a:solidFill>
+                        </a:rPr>
+                        <a:t>Category</a:t>
                       </a:r>
                     </a:p>
                   </a:txBody>
@@ -3688,12 +3755,12 @@
                     <a:lstStyle/>
                     <a:p>
                       <a:r>
-                        <a:rPr sz="1000">
-                          <a:solidFill>
-                            <a:srgbClr val="000000"/>
-                          </a:solidFill>
-                        </a:rPr>
-                        <a:t>Measure</a:t>
+                        <a:rPr sz="900">
+                          <a:solidFill>
+                            <a:srgbClr val="000000"/>
+                          </a:solidFill>
+                        </a:rPr>
+                        <a:t>Highlights</a:t>
                       </a:r>
                     </a:p>
                   </a:txBody>
@@ -3745,12 +3812,12 @@
                     <a:lstStyle/>
                     <a:p>
                       <a:r>
-                        <a:rPr sz="1000">
-                          <a:solidFill>
-                            <a:srgbClr val="000000"/>
-                          </a:solidFill>
-                        </a:rPr>
-                        <a:t>Previous Score</a:t>
+                        <a:rPr sz="900">
+                          <a:solidFill>
+                            <a:srgbClr val="000000"/>
+                          </a:solidFill>
+                        </a:rPr>
+                        <a:t> </a:t>
                       </a:r>
                     </a:p>
                   </a:txBody>
@@ -3802,12 +3869,12 @@
                     <a:lstStyle/>
                     <a:p>
                       <a:r>
-                        <a:rPr sz="1000">
-                          <a:solidFill>
-                            <a:srgbClr val="000000"/>
-                          </a:solidFill>
-                        </a:rPr>
-                        <a:t>Current Score</a:t>
+                        <a:rPr sz="900">
+                          <a:solidFill>
+                            <a:srgbClr val="000000"/>
+                          </a:solidFill>
+                        </a:rPr>
+                        <a:t> </a:t>
                       </a:r>
                     </a:p>
                   </a:txBody>
@@ -3859,12 +3926,12 @@
                     <a:lstStyle/>
                     <a:p>
                       <a:r>
-                        <a:rPr sz="1000">
-                          <a:solidFill>
-                            <a:srgbClr val="000000"/>
-                          </a:solidFill>
-                        </a:rPr>
-                        <a:t>Risk Trend</a:t>
+                        <a:rPr sz="900">
+                          <a:solidFill>
+                            <a:srgbClr val="000000"/>
+                          </a:solidFill>
+                        </a:rPr>
+                        <a:t>Trend</a:t>
                       </a:r>
                     </a:p>
                   </a:txBody>
@@ -3911,77 +3978,73 @@
                   </a:tcPr>
                 </a:tc>
               </a:tr>
-              <a:tr h="1959">
-                <a:tc>
-                  <a:txBody>
-                    <a:bodyPr/>
-                    <a:lstStyle/>
-                    <a:p>
-                      <a:r>
-                        <a:rPr b="1" sz="1000">
-                          <a:solidFill>
-                            <a:srgbClr val="000000"/>
-                          </a:solidFill>
-                        </a:rPr>
-                        <a:t>Inventory</a:t>
-                      </a:r>
-                    </a:p>
-                  </a:txBody>
-                  <a:tcPr>
-                    <a:solidFill>
-                      <a:srgbClr val="9ACD32"/>
-                    </a:solidFill>
-                  </a:tcPr>
-                </a:tc>
-                <a:tc>
-                  <a:txBody>
-                    <a:bodyPr/>
-                    <a:lstStyle/>
-                    <a:p>
-                      <a:r>
-                        <a:rPr b="1" sz="1000">
-                          <a:solidFill>
-                            <a:srgbClr val="000000"/>
-                          </a:solidFill>
-                        </a:rPr>
-                        <a:t>Accuracy and completeness of asset information</a:t>
-                      </a:r>
-                    </a:p>
-                  </a:txBody>
-                  <a:tcPr>
-                    <a:solidFill>
-                      <a:srgbClr val="D3D3D3"/>
-                    </a:solidFill>
-                  </a:tcPr>
-                </a:tc>
-                <a:tc>
-                  <a:txBody>
-                    <a:bodyPr/>
-                    <a:lstStyle/>
-                    <a:p>
-                      <a:r>
-                        <a:rPr sz="1000">
-                          <a:solidFill>
-                            <a:srgbClr val="000000"/>
-                          </a:solidFill>
-                        </a:rPr>
-                        <a:t> % of inventory completion (Owner / IT Custodian must be filled to be considered a complete inventory item.)</a:t>
-                      </a:r>
-                    </a:p>
-                  </a:txBody>
-                  <a:tcPr>
-                    <a:solidFill>
-                      <a:srgbClr val="DCDCDC"/>
-                    </a:solidFill>
-                  </a:tcPr>
-                </a:tc>
-                <a:tc>
-                  <a:txBody>
-                    <a:bodyPr/>
-                    <a:lstStyle/>
-                    <a:p>
-                      <a:r>
-                        <a:rPr sz="1000">
+              <a:tr h="1075">
+                <a:tc>
+                  <a:txBody>
+                    <a:bodyPr/>
+                    <a:lstStyle/>
+                    <a:p>
+                      <a:r>
+                        <a:rPr sz="900">
+                          <a:solidFill>
+                            <a:srgbClr val="000000"/>
+                          </a:solidFill>
+                        </a:rPr>
+                        <a:t>INV</a:t>
+                      </a:r>
+                    </a:p>
+                  </a:txBody>
+                  <a:tcPr/>
+                </a:tc>
+                <a:tc>
+                  <a:txBody>
+                    <a:bodyPr/>
+                    <a:lstStyle/>
+                    <a:p>
+                      <a:r>
+                        <a:rPr sz="900">
+                          <a:solidFill>
+                            <a:srgbClr val="000000"/>
+                          </a:solidFill>
+                        </a:rPr>
+                        <a:t>Asset Inventory</a:t>
+                      </a:r>
+                    </a:p>
+                  </a:txBody>
+                  <a:tcPr/>
+                </a:tc>
+                <a:tc>
+                  <a:txBody>
+                    <a:bodyPr/>
+                    <a:lstStyle/>
+                    <a:p/>
+                  </a:txBody>
+                  <a:tcPr/>
+                </a:tc>
+                <a:tc>
+                  <a:txBody>
+                    <a:bodyPr/>
+                    <a:lstStyle/>
+                    <a:p>
+                      <a:r>
+                        <a:rPr sz="900">
+                          <a:solidFill>
+                            <a:srgbClr val="000000"/>
+                          </a:solidFill>
+                        </a:rPr>
+                        <a:t>Networks</a:t>
+                      </a:r>
+                    </a:p>
+                  </a:txBody>
+                  <a:tcPr/>
+                </a:tc>
+                <a:tc>
+                  <a:txBody>
+                    <a:bodyPr/>
+                    <a:lstStyle/>
+                    <a:p>
+                      <a:r>
+                        <a:rPr sz="900">
                           <a:solidFill>
                             <a:srgbClr val="000000"/>
                           </a:solidFill>
@@ -3990,19 +4053,15 @@
                       </a:r>
                     </a:p>
                   </a:txBody>
-                  <a:tcPr>
-                    <a:solidFill>
-                      <a:srgbClr val="DCDCDC"/>
-                    </a:solidFill>
-                  </a:tcPr>
-                </a:tc>
-                <a:tc>
-                  <a:txBody>
-                    <a:bodyPr/>
-                    <a:lstStyle/>
-                    <a:p>
-                      <a:r>
-                        <a:rPr sz="1000">
+                  <a:tcPr/>
+                </a:tc>
+                <a:tc>
+                  <a:txBody>
+                    <a:bodyPr/>
+                    <a:lstStyle/>
+                    <a:p>
+                      <a:r>
+                        <a:rPr sz="900">
                           <a:solidFill>
                             <a:srgbClr val="000000"/>
                           </a:solidFill>
@@ -4011,66 +4070,286 @@
                       </a:r>
                     </a:p>
                   </a:txBody>
-                  <a:tcPr>
-                    <a:solidFill>
-                      <a:srgbClr val="DCDCDC"/>
-                    </a:solidFill>
-                  </a:tcPr>
-                </a:tc>
-                <a:tc>
-                  <a:txBody>
-                    <a:bodyPr/>
-                    <a:lstStyle/>
-                    <a:p>
-                      <a:r>
-                        <a:rPr sz="1000">
-                          <a:solidFill>
-                            <a:srgbClr val="000000"/>
-                          </a:solidFill>
-                        </a:rPr>
-                        <a:t> </a:t>
-                      </a:r>
-                    </a:p>
-                  </a:txBody>
-                  <a:tcPr>
-                    <a:solidFill>
-                      <a:srgbClr val="DCDCDC"/>
-                    </a:solidFill>
-                  </a:tcPr>
+                  <a:tcPr/>
                 </a:tc>
               </a:tr>
-              <a:tr h="1959">
-                <a:tc>
-                  <a:txBody>
-                    <a:bodyPr/>
-                    <a:lstStyle/>
-                    <a:p/>
-                  </a:txBody>
-                  <a:tcPr>
-                    <a:solidFill>
-                      <a:srgbClr val="9ACD32"/>
-                    </a:solidFill>
-                  </a:tcPr>
-                </a:tc>
-                <a:tc>
-                  <a:txBody>
-                    <a:bodyPr/>
-                    <a:lstStyle/>
-                    <a:p/>
-                  </a:txBody>
-                  <a:tcPr>
-                    <a:solidFill>
-                      <a:srgbClr val="D3D3D3"/>
-                    </a:solidFill>
-                  </a:tcPr>
-                </a:tc>
-                <a:tc>
-                  <a:txBody>
-                    <a:bodyPr/>
-                    <a:lstStyle/>
-                    <a:p>
-                      <a:r>
-                        <a:rPr sz="1000">
+              <a:tr h="1075">
+                <a:tc>
+                  <a:txBody>
+                    <a:bodyPr/>
+                    <a:lstStyle/>
+                    <a:p/>
+                  </a:txBody>
+                  <a:tcPr/>
+                </a:tc>
+                <a:tc>
+                  <a:txBody>
+                    <a:bodyPr/>
+                    <a:lstStyle/>
+                    <a:p/>
+                  </a:txBody>
+                  <a:tcPr/>
+                </a:tc>
+                <a:tc>
+                  <a:txBody>
+                    <a:bodyPr/>
+                    <a:lstStyle/>
+                    <a:p/>
+                  </a:txBody>
+                  <a:tcPr/>
+                </a:tc>
+                <a:tc>
+                  <a:txBody>
+                    <a:bodyPr/>
+                    <a:lstStyle/>
+                    <a:p>
+                      <a:r>
+                        <a:rPr sz="900">
+                          <a:solidFill>
+                            <a:srgbClr val="000000"/>
+                          </a:solidFill>
+                        </a:rPr>
+                        <a:t>Servers </a:t>
+                      </a:r>
+                    </a:p>
+                  </a:txBody>
+                  <a:tcPr/>
+                </a:tc>
+                <a:tc>
+                  <a:txBody>
+                    <a:bodyPr/>
+                    <a:lstStyle/>
+                    <a:p/>
+                  </a:txBody>
+                  <a:tcPr/>
+                </a:tc>
+                <a:tc>
+                  <a:txBody>
+                    <a:bodyPr/>
+                    <a:lstStyle/>
+                    <a:p/>
+                  </a:txBody>
+                  <a:tcPr/>
+                </a:tc>
+              </a:tr>
+              <a:tr h="1075">
+                <a:tc>
+                  <a:txBody>
+                    <a:bodyPr/>
+                    <a:lstStyle/>
+                    <a:p/>
+                  </a:txBody>
+                  <a:tcPr/>
+                </a:tc>
+                <a:tc>
+                  <a:txBody>
+                    <a:bodyPr/>
+                    <a:lstStyle/>
+                    <a:p/>
+                  </a:txBody>
+                  <a:tcPr/>
+                </a:tc>
+                <a:tc>
+                  <a:txBody>
+                    <a:bodyPr/>
+                    <a:lstStyle/>
+                    <a:p/>
+                  </a:txBody>
+                  <a:tcPr/>
+                </a:tc>
+                <a:tc>
+                  <a:txBody>
+                    <a:bodyPr/>
+                    <a:lstStyle/>
+                    <a:p>
+                      <a:r>
+                        <a:rPr sz="900">
+                          <a:solidFill>
+                            <a:srgbClr val="000000"/>
+                          </a:solidFill>
+                        </a:rPr>
+                        <a:t>Endpoints</a:t>
+                      </a:r>
+                    </a:p>
+                  </a:txBody>
+                  <a:tcPr/>
+                </a:tc>
+                <a:tc>
+                  <a:txBody>
+                    <a:bodyPr/>
+                    <a:lstStyle/>
+                    <a:p/>
+                  </a:txBody>
+                  <a:tcPr/>
+                </a:tc>
+                <a:tc>
+                  <a:txBody>
+                    <a:bodyPr/>
+                    <a:lstStyle/>
+                    <a:p/>
+                  </a:txBody>
+                  <a:tcPr/>
+                </a:tc>
+              </a:tr>
+              <a:tr h="1075">
+                <a:tc>
+                  <a:txBody>
+                    <a:bodyPr/>
+                    <a:lstStyle/>
+                    <a:p/>
+                  </a:txBody>
+                  <a:tcPr/>
+                </a:tc>
+                <a:tc>
+                  <a:txBody>
+                    <a:bodyPr/>
+                    <a:lstStyle/>
+                    <a:p/>
+                  </a:txBody>
+                  <a:tcPr/>
+                </a:tc>
+                <a:tc>
+                  <a:txBody>
+                    <a:bodyPr/>
+                    <a:lstStyle/>
+                    <a:p/>
+                  </a:txBody>
+                  <a:tcPr/>
+                </a:tc>
+                <a:tc>
+                  <a:txBody>
+                    <a:bodyPr/>
+                    <a:lstStyle/>
+                    <a:p>
+                      <a:r>
+                        <a:rPr sz="900">
+                          <a:solidFill>
+                            <a:srgbClr val="000000"/>
+                          </a:solidFill>
+                        </a:rPr>
+                        <a:t>Database</a:t>
+                      </a:r>
+                    </a:p>
+                  </a:txBody>
+                  <a:tcPr/>
+                </a:tc>
+                <a:tc>
+                  <a:txBody>
+                    <a:bodyPr/>
+                    <a:lstStyle/>
+                    <a:p/>
+                  </a:txBody>
+                  <a:tcPr/>
+                </a:tc>
+                <a:tc>
+                  <a:txBody>
+                    <a:bodyPr/>
+                    <a:lstStyle/>
+                    <a:p/>
+                  </a:txBody>
+                  <a:tcPr/>
+                </a:tc>
+              </a:tr>
+              <a:tr h="1075">
+                <a:tc>
+                  <a:txBody>
+                    <a:bodyPr/>
+                    <a:lstStyle/>
+                    <a:p/>
+                  </a:txBody>
+                  <a:tcPr/>
+                </a:tc>
+                <a:tc>
+                  <a:txBody>
+                    <a:bodyPr/>
+                    <a:lstStyle/>
+                    <a:p/>
+                  </a:txBody>
+                  <a:tcPr/>
+                </a:tc>
+                <a:tc>
+                  <a:txBody>
+                    <a:bodyPr/>
+                    <a:lstStyle/>
+                    <a:p/>
+                  </a:txBody>
+                  <a:tcPr/>
+                </a:tc>
+                <a:tc>
+                  <a:txBody>
+                    <a:bodyPr/>
+                    <a:lstStyle/>
+                    <a:p>
+                      <a:r>
+                        <a:rPr sz="900">
+                          <a:solidFill>
+                            <a:srgbClr val="000000"/>
+                          </a:solidFill>
+                        </a:rPr>
+                        <a:t>Applications</a:t>
+                      </a:r>
+                    </a:p>
+                  </a:txBody>
+                  <a:tcPr/>
+                </a:tc>
+                <a:tc>
+                  <a:txBody>
+                    <a:bodyPr/>
+                    <a:lstStyle/>
+                    <a:p/>
+                  </a:txBody>
+                  <a:tcPr/>
+                </a:tc>
+                <a:tc>
+                  <a:txBody>
+                    <a:bodyPr/>
+                    <a:lstStyle/>
+                    <a:p/>
+                  </a:txBody>
+                  <a:tcPr/>
+                </a:tc>
+              </a:tr>
+              <a:tr h="1075">
+                <a:tc>
+                  <a:txBody>
+                    <a:bodyPr/>
+                    <a:lstStyle/>
+                    <a:p>
+                      <a:r>
+                        <a:rPr sz="900">
+                          <a:solidFill>
+                            <a:srgbClr val="000000"/>
+                          </a:solidFill>
+                        </a:rPr>
+                        <a:t>SEB</a:t>
+                      </a:r>
+                    </a:p>
+                  </a:txBody>
+                  <a:tcPr/>
+                </a:tc>
+                <a:tc>
+                  <a:txBody>
+                    <a:bodyPr/>
+                    <a:lstStyle/>
+                    <a:p/>
+                  </a:txBody>
+                  <a:tcPr/>
+                </a:tc>
+                <a:tc>
+                  <a:txBody>
+                    <a:bodyPr/>
+                    <a:lstStyle/>
+                    <a:p/>
+                  </a:txBody>
+                  <a:tcPr/>
+                </a:tc>
+                <a:tc>
+                  <a:txBody>
+                    <a:bodyPr/>
+                    <a:lstStyle/>
+                    <a:p>
+                      <a:r>
+                        <a:rPr sz="900">
                           <a:solidFill>
                             <a:srgbClr val="000000"/>
                           </a:solidFill>
@@ -4079,53 +4358,15 @@
                       </a:r>
                     </a:p>
                   </a:txBody>
-                  <a:tcPr>
-                    <a:solidFill>
-                      <a:srgbClr val="DCDCDC"/>
-                    </a:solidFill>
-                  </a:tcPr>
-                </a:tc>
-                <a:tc>
-                  <a:txBody>
-                    <a:bodyPr/>
-                    <a:lstStyle/>
-                    <a:p>
-                      <a:r>
-                        <a:rPr sz="1000">
-                          <a:solidFill>
-                            <a:srgbClr val="000000"/>
-                          </a:solidFill>
-                        </a:rPr>
-                        <a:t>44%</a:t>
-                      </a:r>
-                    </a:p>
-                  </a:txBody>
-                  <a:tcPr>
-                    <a:solidFill>
-                      <a:srgbClr val="FE0005"/>
-                    </a:solidFill>
-                  </a:tcPr>
-                </a:tc>
-                <a:tc>
-                  <a:txBody>
-                    <a:bodyPr/>
-                    <a:lstStyle/>
-                    <a:p>
-                      <a:r>
-                        <a:rPr sz="1000">
-                          <a:solidFill>
-                            <a:srgbClr val="000000"/>
-                          </a:solidFill>
-                        </a:rPr>
-                        <a:t>34%</a:t>
-                      </a:r>
-                    </a:p>
-                  </a:txBody>
-                  <a:tcPr>
-                    <a:solidFill>
-                      <a:srgbClr val="FE0005"/>
-                    </a:solidFill>
-                  </a:tcPr>
+                  <a:tcPr/>
+                </a:tc>
+                <a:tc>
+                  <a:txBody>
+                    <a:bodyPr/>
+                    <a:lstStyle/>
+                    <a:p/>
+                  </a:txBody>
+                  <a:tcPr/>
                 </a:tc>
                 <a:tc>
                   <a:txBody>
@@ -4136,93 +4377,55 @@
                   <a:tcPr/>
                 </a:tc>
               </a:tr>
-              <a:tr h="1959">
-                <a:tc>
-                  <a:txBody>
-                    <a:bodyPr/>
-                    <a:lstStyle/>
-                    <a:p/>
-                  </a:txBody>
-                  <a:tcPr>
-                    <a:solidFill>
-                      <a:srgbClr val="9ACD32"/>
-                    </a:solidFill>
-                  </a:tcPr>
-                </a:tc>
-                <a:tc>
-                  <a:txBody>
-                    <a:bodyPr/>
-                    <a:lstStyle/>
-                    <a:p/>
-                  </a:txBody>
-                  <a:tcPr>
-                    <a:solidFill>
-                      <a:srgbClr val="D3D3D3"/>
-                    </a:solidFill>
-                  </a:tcPr>
-                </a:tc>
-                <a:tc>
-                  <a:txBody>
-                    <a:bodyPr/>
-                    <a:lstStyle/>
-                    <a:p>
-                      <a:r>
-                        <a:rPr sz="1000">
-                          <a:solidFill>
-                            <a:srgbClr val="000000"/>
-                          </a:solidFill>
-                        </a:rPr>
-                        <a:t>Servers</a:t>
-                      </a:r>
-                    </a:p>
-                  </a:txBody>
-                  <a:tcPr>
-                    <a:solidFill>
-                      <a:srgbClr val="DCDCDC"/>
-                    </a:solidFill>
-                  </a:tcPr>
-                </a:tc>
-                <a:tc>
-                  <a:txBody>
-                    <a:bodyPr/>
-                    <a:lstStyle/>
-                    <a:p>
-                      <a:r>
-                        <a:rPr sz="1000">
-                          <a:solidFill>
-                            <a:srgbClr val="000000"/>
-                          </a:solidFill>
-                        </a:rPr>
-                        <a:t>45%</a:t>
-                      </a:r>
-                    </a:p>
-                  </a:txBody>
-                  <a:tcPr>
-                    <a:solidFill>
-                      <a:srgbClr val="FE0005"/>
-                    </a:solidFill>
-                  </a:tcPr>
-                </a:tc>
-                <a:tc>
-                  <a:txBody>
-                    <a:bodyPr/>
-                    <a:lstStyle/>
-                    <a:p>
-                      <a:r>
-                        <a:rPr sz="1000">
-                          <a:solidFill>
-                            <a:srgbClr val="000000"/>
-                          </a:solidFill>
-                        </a:rPr>
-                        <a:t>64%</a:t>
-                      </a:r>
-                    </a:p>
-                  </a:txBody>
-                  <a:tcPr>
-                    <a:solidFill>
-                      <a:srgbClr val="FE0005"/>
-                    </a:solidFill>
-                  </a:tcPr>
+              <a:tr h="1075">
+                <a:tc>
+                  <a:txBody>
+                    <a:bodyPr/>
+                    <a:lstStyle/>
+                    <a:p/>
+                  </a:txBody>
+                  <a:tcPr/>
+                </a:tc>
+                <a:tc>
+                  <a:txBody>
+                    <a:bodyPr/>
+                    <a:lstStyle/>
+                    <a:p/>
+                  </a:txBody>
+                  <a:tcPr/>
+                </a:tc>
+                <a:tc>
+                  <a:txBody>
+                    <a:bodyPr/>
+                    <a:lstStyle/>
+                    <a:p/>
+                  </a:txBody>
+                  <a:tcPr/>
+                </a:tc>
+                <a:tc>
+                  <a:txBody>
+                    <a:bodyPr/>
+                    <a:lstStyle/>
+                    <a:p>
+                      <a:r>
+                        <a:rPr sz="900">
+                          <a:solidFill>
+                            <a:srgbClr val="000000"/>
+                          </a:solidFill>
+                        </a:rPr>
+                        <a:t>Servers </a:t>
+                      </a:r>
+                    </a:p>
+                  </a:txBody>
+                  <a:tcPr/>
+                </a:tc>
+                <a:tc>
+                  <a:txBody>
+                    <a:bodyPr/>
+                    <a:lstStyle/>
+                    <a:p/>
+                  </a:txBody>
+                  <a:tcPr/>
                 </a:tc>
                 <a:tc>
                   <a:txBody>
@@ -4233,38 +4436,38 @@
                   <a:tcPr/>
                 </a:tc>
               </a:tr>
-              <a:tr h="1959">
-                <a:tc>
-                  <a:txBody>
-                    <a:bodyPr/>
-                    <a:lstStyle/>
-                    <a:p/>
-                  </a:txBody>
-                  <a:tcPr>
-                    <a:solidFill>
-                      <a:srgbClr val="9ACD32"/>
-                    </a:solidFill>
-                  </a:tcPr>
-                </a:tc>
-                <a:tc>
-                  <a:txBody>
-                    <a:bodyPr/>
-                    <a:lstStyle/>
-                    <a:p/>
-                  </a:txBody>
-                  <a:tcPr>
-                    <a:solidFill>
-                      <a:srgbClr val="D3D3D3"/>
-                    </a:solidFill>
-                  </a:tcPr>
-                </a:tc>
-                <a:tc>
-                  <a:txBody>
-                    <a:bodyPr/>
-                    <a:lstStyle/>
-                    <a:p>
-                      <a:r>
-                        <a:rPr sz="1000">
+              <a:tr h="1075">
+                <a:tc>
+                  <a:txBody>
+                    <a:bodyPr/>
+                    <a:lstStyle/>
+                    <a:p/>
+                  </a:txBody>
+                  <a:tcPr/>
+                </a:tc>
+                <a:tc>
+                  <a:txBody>
+                    <a:bodyPr/>
+                    <a:lstStyle/>
+                    <a:p/>
+                  </a:txBody>
+                  <a:tcPr/>
+                </a:tc>
+                <a:tc>
+                  <a:txBody>
+                    <a:bodyPr/>
+                    <a:lstStyle/>
+                    <a:p/>
+                  </a:txBody>
+                  <a:tcPr/>
+                </a:tc>
+                <a:tc>
+                  <a:txBody>
+                    <a:bodyPr/>
+                    <a:lstStyle/>
+                    <a:p>
+                      <a:r>
+                        <a:rPr sz="900">
                           <a:solidFill>
                             <a:srgbClr val="000000"/>
                           </a:solidFill>
@@ -4273,53 +4476,15 @@
                       </a:r>
                     </a:p>
                   </a:txBody>
-                  <a:tcPr>
-                    <a:solidFill>
-                      <a:srgbClr val="DCDCDC"/>
-                    </a:solidFill>
-                  </a:tcPr>
-                </a:tc>
-                <a:tc>
-                  <a:txBody>
-                    <a:bodyPr/>
-                    <a:lstStyle/>
-                    <a:p>
-                      <a:r>
-                        <a:rPr sz="1000">
-                          <a:solidFill>
-                            <a:srgbClr val="000000"/>
-                          </a:solidFill>
-                        </a:rPr>
-                        <a:t>12%</a:t>
-                      </a:r>
-                    </a:p>
-                  </a:txBody>
-                  <a:tcPr>
-                    <a:solidFill>
-                      <a:srgbClr val="FE0005"/>
-                    </a:solidFill>
-                  </a:tcPr>
-                </a:tc>
-                <a:tc>
-                  <a:txBody>
-                    <a:bodyPr/>
-                    <a:lstStyle/>
-                    <a:p>
-                      <a:r>
-                        <a:rPr sz="1000">
-                          <a:solidFill>
-                            <a:srgbClr val="000000"/>
-                          </a:solidFill>
-                        </a:rPr>
-                        <a:t>34%</a:t>
-                      </a:r>
-                    </a:p>
-                  </a:txBody>
-                  <a:tcPr>
-                    <a:solidFill>
-                      <a:srgbClr val="FE0005"/>
-                    </a:solidFill>
-                  </a:tcPr>
+                  <a:tcPr/>
+                </a:tc>
+                <a:tc>
+                  <a:txBody>
+                    <a:bodyPr/>
+                    <a:lstStyle/>
+                    <a:p/>
+                  </a:txBody>
+                  <a:tcPr/>
                 </a:tc>
                 <a:tc>
                   <a:txBody>
@@ -4330,38 +4495,38 @@
                   <a:tcPr/>
                 </a:tc>
               </a:tr>
-              <a:tr h="1959">
-                <a:tc>
-                  <a:txBody>
-                    <a:bodyPr/>
-                    <a:lstStyle/>
-                    <a:p/>
-                  </a:txBody>
-                  <a:tcPr>
-                    <a:solidFill>
-                      <a:srgbClr val="9ACD32"/>
-                    </a:solidFill>
-                  </a:tcPr>
-                </a:tc>
-                <a:tc>
-                  <a:txBody>
-                    <a:bodyPr/>
-                    <a:lstStyle/>
-                    <a:p/>
-                  </a:txBody>
-                  <a:tcPr>
-                    <a:solidFill>
-                      <a:srgbClr val="D3D3D3"/>
-                    </a:solidFill>
-                  </a:tcPr>
-                </a:tc>
-                <a:tc>
-                  <a:txBody>
-                    <a:bodyPr/>
-                    <a:lstStyle/>
-                    <a:p>
-                      <a:r>
-                        <a:rPr sz="1000">
+              <a:tr h="1075">
+                <a:tc>
+                  <a:txBody>
+                    <a:bodyPr/>
+                    <a:lstStyle/>
+                    <a:p/>
+                  </a:txBody>
+                  <a:tcPr/>
+                </a:tc>
+                <a:tc>
+                  <a:txBody>
+                    <a:bodyPr/>
+                    <a:lstStyle/>
+                    <a:p/>
+                  </a:txBody>
+                  <a:tcPr/>
+                </a:tc>
+                <a:tc>
+                  <a:txBody>
+                    <a:bodyPr/>
+                    <a:lstStyle/>
+                    <a:p/>
+                  </a:txBody>
+                  <a:tcPr/>
+                </a:tc>
+                <a:tc>
+                  <a:txBody>
+                    <a:bodyPr/>
+                    <a:lstStyle/>
+                    <a:p>
+                      <a:r>
+                        <a:rPr sz="900">
                           <a:solidFill>
                             <a:srgbClr val="000000"/>
                           </a:solidFill>
@@ -4370,53 +4535,15 @@
                       </a:r>
                     </a:p>
                   </a:txBody>
-                  <a:tcPr>
-                    <a:solidFill>
-                      <a:srgbClr val="DCDCDC"/>
-                    </a:solidFill>
-                  </a:tcPr>
-                </a:tc>
-                <a:tc>
-                  <a:txBody>
-                    <a:bodyPr/>
-                    <a:lstStyle/>
-                    <a:p>
-                      <a:r>
-                        <a:rPr sz="1000">
-                          <a:solidFill>
-                            <a:srgbClr val="000000"/>
-                          </a:solidFill>
-                        </a:rPr>
-                        <a:t>65%</a:t>
-                      </a:r>
-                    </a:p>
-                  </a:txBody>
-                  <a:tcPr>
-                    <a:solidFill>
-                      <a:srgbClr val="FE0005"/>
-                    </a:solidFill>
-                  </a:tcPr>
-                </a:tc>
-                <a:tc>
-                  <a:txBody>
-                    <a:bodyPr/>
-                    <a:lstStyle/>
-                    <a:p>
-                      <a:r>
-                        <a:rPr sz="1000">
-                          <a:solidFill>
-                            <a:srgbClr val="000000"/>
-                          </a:solidFill>
-                        </a:rPr>
-                        <a:t>53%</a:t>
-                      </a:r>
-                    </a:p>
-                  </a:txBody>
-                  <a:tcPr>
-                    <a:solidFill>
-                      <a:srgbClr val="FE0005"/>
-                    </a:solidFill>
-                  </a:tcPr>
+                  <a:tcPr/>
+                </a:tc>
+                <a:tc>
+                  <a:txBody>
+                    <a:bodyPr/>
+                    <a:lstStyle/>
+                    <a:p/>
+                  </a:txBody>
+                  <a:tcPr/>
                 </a:tc>
                 <a:tc>
                   <a:txBody>
@@ -4427,38 +4554,283 @@
                   <a:tcPr/>
                 </a:tc>
               </a:tr>
-              <a:tr h="1959">
-                <a:tc>
-                  <a:txBody>
-                    <a:bodyPr/>
-                    <a:lstStyle/>
-                    <a:p/>
-                  </a:txBody>
-                  <a:tcPr>
-                    <a:solidFill>
-                      <a:srgbClr val="9ACD32"/>
-                    </a:solidFill>
-                  </a:tcPr>
-                </a:tc>
-                <a:tc>
-                  <a:txBody>
-                    <a:bodyPr/>
-                    <a:lstStyle/>
-                    <a:p/>
-                  </a:txBody>
-                  <a:tcPr>
-                    <a:solidFill>
-                      <a:srgbClr val="D3D3D3"/>
-                    </a:solidFill>
-                  </a:tcPr>
-                </a:tc>
-                <a:tc>
-                  <a:txBody>
-                    <a:bodyPr/>
-                    <a:lstStyle/>
-                    <a:p>
-                      <a:r>
-                        <a:rPr sz="1000">
+              <a:tr h="1075">
+                <a:tc>
+                  <a:txBody>
+                    <a:bodyPr/>
+                    <a:lstStyle/>
+                    <a:p>
+                      <a:r>
+                        <a:rPr sz="900">
+                          <a:solidFill>
+                            <a:srgbClr val="000000"/>
+                          </a:solidFill>
+                        </a:rPr>
+                        <a:t>VLL</a:t>
+                      </a:r>
+                    </a:p>
+                  </a:txBody>
+                  <a:tcPr/>
+                </a:tc>
+                <a:tc>
+                  <a:txBody>
+                    <a:bodyPr/>
+                    <a:lstStyle/>
+                    <a:p/>
+                  </a:txBody>
+                  <a:tcPr/>
+                </a:tc>
+                <a:tc>
+                  <a:txBody>
+                    <a:bodyPr/>
+                    <a:lstStyle/>
+                    <a:p/>
+                  </a:txBody>
+                  <a:tcPr/>
+                </a:tc>
+                <a:tc>
+                  <a:txBody>
+                    <a:bodyPr/>
+                    <a:lstStyle/>
+                    <a:p>
+                      <a:r>
+                        <a:rPr sz="900">
+                          <a:solidFill>
+                            <a:srgbClr val="000000"/>
+                          </a:solidFill>
+                        </a:rPr>
+                        <a:t>Networks</a:t>
+                      </a:r>
+                    </a:p>
+                  </a:txBody>
+                  <a:tcPr/>
+                </a:tc>
+                <a:tc>
+                  <a:txBody>
+                    <a:bodyPr/>
+                    <a:lstStyle/>
+                    <a:p/>
+                  </a:txBody>
+                  <a:tcPr/>
+                </a:tc>
+                <a:tc>
+                  <a:txBody>
+                    <a:bodyPr/>
+                    <a:lstStyle/>
+                    <a:p/>
+                  </a:txBody>
+                  <a:tcPr/>
+                </a:tc>
+              </a:tr>
+              <a:tr h="1075">
+                <a:tc>
+                  <a:txBody>
+                    <a:bodyPr/>
+                    <a:lstStyle/>
+                    <a:p/>
+                  </a:txBody>
+                  <a:tcPr/>
+                </a:tc>
+                <a:tc>
+                  <a:txBody>
+                    <a:bodyPr/>
+                    <a:lstStyle/>
+                    <a:p/>
+                  </a:txBody>
+                  <a:tcPr/>
+                </a:tc>
+                <a:tc>
+                  <a:txBody>
+                    <a:bodyPr/>
+                    <a:lstStyle/>
+                    <a:p/>
+                  </a:txBody>
+                  <a:tcPr/>
+                </a:tc>
+                <a:tc>
+                  <a:txBody>
+                    <a:bodyPr/>
+                    <a:lstStyle/>
+                    <a:p>
+                      <a:r>
+                        <a:rPr sz="900">
+                          <a:solidFill>
+                            <a:srgbClr val="000000"/>
+                          </a:solidFill>
+                        </a:rPr>
+                        <a:t>Servers </a:t>
+                      </a:r>
+                    </a:p>
+                  </a:txBody>
+                  <a:tcPr/>
+                </a:tc>
+                <a:tc>
+                  <a:txBody>
+                    <a:bodyPr/>
+                    <a:lstStyle/>
+                    <a:p/>
+                  </a:txBody>
+                  <a:tcPr/>
+                </a:tc>
+                <a:tc>
+                  <a:txBody>
+                    <a:bodyPr/>
+                    <a:lstStyle/>
+                    <a:p/>
+                  </a:txBody>
+                  <a:tcPr/>
+                </a:tc>
+              </a:tr>
+              <a:tr h="1075">
+                <a:tc>
+                  <a:txBody>
+                    <a:bodyPr/>
+                    <a:lstStyle/>
+                    <a:p/>
+                  </a:txBody>
+                  <a:tcPr/>
+                </a:tc>
+                <a:tc>
+                  <a:txBody>
+                    <a:bodyPr/>
+                    <a:lstStyle/>
+                    <a:p/>
+                  </a:txBody>
+                  <a:tcPr/>
+                </a:tc>
+                <a:tc>
+                  <a:txBody>
+                    <a:bodyPr/>
+                    <a:lstStyle/>
+                    <a:p/>
+                  </a:txBody>
+                  <a:tcPr/>
+                </a:tc>
+                <a:tc>
+                  <a:txBody>
+                    <a:bodyPr/>
+                    <a:lstStyle/>
+                    <a:p>
+                      <a:r>
+                        <a:rPr sz="900">
+                          <a:solidFill>
+                            <a:srgbClr val="000000"/>
+                          </a:solidFill>
+                        </a:rPr>
+                        <a:t>Endpoints</a:t>
+                      </a:r>
+                    </a:p>
+                  </a:txBody>
+                  <a:tcPr/>
+                </a:tc>
+                <a:tc>
+                  <a:txBody>
+                    <a:bodyPr/>
+                    <a:lstStyle/>
+                    <a:p/>
+                  </a:txBody>
+                  <a:tcPr/>
+                </a:tc>
+                <a:tc>
+                  <a:txBody>
+                    <a:bodyPr/>
+                    <a:lstStyle/>
+                    <a:p/>
+                  </a:txBody>
+                  <a:tcPr/>
+                </a:tc>
+              </a:tr>
+              <a:tr h="1075">
+                <a:tc>
+                  <a:txBody>
+                    <a:bodyPr/>
+                    <a:lstStyle/>
+                    <a:p/>
+                  </a:txBody>
+                  <a:tcPr/>
+                </a:tc>
+                <a:tc>
+                  <a:txBody>
+                    <a:bodyPr/>
+                    <a:lstStyle/>
+                    <a:p/>
+                  </a:txBody>
+                  <a:tcPr/>
+                </a:tc>
+                <a:tc>
+                  <a:txBody>
+                    <a:bodyPr/>
+                    <a:lstStyle/>
+                    <a:p/>
+                  </a:txBody>
+                  <a:tcPr/>
+                </a:tc>
+                <a:tc>
+                  <a:txBody>
+                    <a:bodyPr/>
+                    <a:lstStyle/>
+                    <a:p>
+                      <a:r>
+                        <a:rPr sz="900">
+                          <a:solidFill>
+                            <a:srgbClr val="000000"/>
+                          </a:solidFill>
+                        </a:rPr>
+                        <a:t>Database</a:t>
+                      </a:r>
+                    </a:p>
+                  </a:txBody>
+                  <a:tcPr/>
+                </a:tc>
+                <a:tc>
+                  <a:txBody>
+                    <a:bodyPr/>
+                    <a:lstStyle/>
+                    <a:p/>
+                  </a:txBody>
+                  <a:tcPr/>
+                </a:tc>
+                <a:tc>
+                  <a:txBody>
+                    <a:bodyPr/>
+                    <a:lstStyle/>
+                    <a:p/>
+                  </a:txBody>
+                  <a:tcPr/>
+                </a:tc>
+              </a:tr>
+              <a:tr h="1075">
+                <a:tc>
+                  <a:txBody>
+                    <a:bodyPr/>
+                    <a:lstStyle/>
+                    <a:p/>
+                  </a:txBody>
+                  <a:tcPr/>
+                </a:tc>
+                <a:tc>
+                  <a:txBody>
+                    <a:bodyPr/>
+                    <a:lstStyle/>
+                    <a:p/>
+                  </a:txBody>
+                  <a:tcPr/>
+                </a:tc>
+                <a:tc>
+                  <a:txBody>
+                    <a:bodyPr/>
+                    <a:lstStyle/>
+                    <a:p/>
+                  </a:txBody>
+                  <a:tcPr/>
+                </a:tc>
+                <a:tc>
+                  <a:txBody>
+                    <a:bodyPr/>
+                    <a:lstStyle/>
+                    <a:p>
+                      <a:r>
+                        <a:rPr sz="900">
                           <a:solidFill>
                             <a:srgbClr val="000000"/>
                           </a:solidFill>
@@ -4467,53 +4839,15 @@
                       </a:r>
                     </a:p>
                   </a:txBody>
-                  <a:tcPr>
-                    <a:solidFill>
-                      <a:srgbClr val="DCDCDC"/>
-                    </a:solidFill>
-                  </a:tcPr>
-                </a:tc>
-                <a:tc>
-                  <a:txBody>
-                    <a:bodyPr/>
-                    <a:lstStyle/>
-                    <a:p>
-                      <a:r>
-                        <a:rPr sz="1000">
-                          <a:solidFill>
-                            <a:srgbClr val="000000"/>
-                          </a:solidFill>
-                        </a:rPr>
-                        <a:t>87%</a:t>
-                      </a:r>
-                    </a:p>
-                  </a:txBody>
-                  <a:tcPr>
-                    <a:solidFill>
-                      <a:srgbClr val="FFBF00"/>
-                    </a:solidFill>
-                  </a:tcPr>
-                </a:tc>
-                <a:tc>
-                  <a:txBody>
-                    <a:bodyPr/>
-                    <a:lstStyle/>
-                    <a:p>
-                      <a:r>
-                        <a:rPr sz="1000">
-                          <a:solidFill>
-                            <a:srgbClr val="000000"/>
-                          </a:solidFill>
-                        </a:rPr>
-                        <a:t>12%</a:t>
-                      </a:r>
-                    </a:p>
-                  </a:txBody>
-                  <a:tcPr>
-                    <a:solidFill>
-                      <a:srgbClr val="FE0005"/>
-                    </a:solidFill>
-                  </a:tcPr>
+                  <a:tcPr/>
+                </a:tc>
+                <a:tc>
+                  <a:txBody>
+                    <a:bodyPr/>
+                    <a:lstStyle/>
+                    <a:p/>
+                  </a:txBody>
+                  <a:tcPr/>
                 </a:tc>
                 <a:tc>
                   <a:txBody>
@@ -4524,83 +4858,62 @@
                   <a:tcPr/>
                 </a:tc>
               </a:tr>
-              <a:tr h="1959">
-                <a:tc>
-                  <a:txBody>
-                    <a:bodyPr/>
-                    <a:lstStyle/>
-                    <a:p/>
-                  </a:txBody>
-                  <a:tcPr>
-                    <a:solidFill>
-                      <a:srgbClr val="9ACD32"/>
-                    </a:solidFill>
-                  </a:tcPr>
-                </a:tc>
-                <a:tc>
-                  <a:txBody>
-                    <a:bodyPr/>
-                    <a:lstStyle/>
-                    <a:p/>
-                  </a:txBody>
-                  <a:tcPr>
-                    <a:solidFill>
-                      <a:srgbClr val="D3D3D3"/>
-                    </a:solidFill>
-                  </a:tcPr>
-                </a:tc>
-                <a:tc>
-                  <a:txBody>
-                    <a:bodyPr/>
-                    <a:lstStyle/>
-                    <a:p>
-                      <a:r>
-                        <a:rPr sz="1000">
-                          <a:solidFill>
-                            <a:srgbClr val="000000"/>
-                          </a:solidFill>
-                        </a:rPr>
-                        <a:t># of unknown Assets (Those which are discovered but not found in the “source of truth” probably CMDB)</a:t>
-                      </a:r>
-                    </a:p>
-                  </a:txBody>
-                  <a:tcPr>
-                    <a:solidFill>
-                      <a:srgbClr val="DCDCDC"/>
-                    </a:solidFill>
-                  </a:tcPr>
-                </a:tc>
-                <a:tc>
-                  <a:txBody>
-                    <a:bodyPr/>
-                    <a:lstStyle/>
-                    <a:p>
-                      <a:r>
-                        <a:rPr sz="1000">
-                          <a:solidFill>
-                            <a:srgbClr val="000000"/>
-                          </a:solidFill>
-                        </a:rPr>
-                        <a:t>5777</a:t>
-                      </a:r>
-                    </a:p>
-                  </a:txBody>
-                  <a:tcPr/>
-                </a:tc>
-                <a:tc>
-                  <a:txBody>
-                    <a:bodyPr/>
-                    <a:lstStyle/>
-                    <a:p>
-                      <a:r>
-                        <a:rPr sz="1000">
-                          <a:solidFill>
-                            <a:srgbClr val="000000"/>
-                          </a:solidFill>
-                        </a:rPr>
-                        <a:t>6543</a:t>
-                      </a:r>
-                    </a:p>
+              <a:tr h="1075">
+                <a:tc>
+                  <a:txBody>
+                    <a:bodyPr/>
+                    <a:lstStyle/>
+                    <a:p>
+                      <a:r>
+                        <a:rPr sz="900">
+                          <a:solidFill>
+                            <a:srgbClr val="000000"/>
+                          </a:solidFill>
+                        </a:rPr>
+                        <a:t>MON</a:t>
+                      </a:r>
+                    </a:p>
+                  </a:txBody>
+                  <a:tcPr/>
+                </a:tc>
+                <a:tc>
+                  <a:txBody>
+                    <a:bodyPr/>
+                    <a:lstStyle/>
+                    <a:p/>
+                  </a:txBody>
+                  <a:tcPr/>
+                </a:tc>
+                <a:tc>
+                  <a:txBody>
+                    <a:bodyPr/>
+                    <a:lstStyle/>
+                    <a:p/>
+                  </a:txBody>
+                  <a:tcPr/>
+                </a:tc>
+                <a:tc>
+                  <a:txBody>
+                    <a:bodyPr/>
+                    <a:lstStyle/>
+                    <a:p>
+                      <a:r>
+                        <a:rPr sz="900">
+                          <a:solidFill>
+                            <a:srgbClr val="000000"/>
+                          </a:solidFill>
+                        </a:rPr>
+                        <a:t>Overall</a:t>
+                      </a:r>
+                    </a:p>
+                  </a:txBody>
+                  <a:tcPr/>
+                </a:tc>
+                <a:tc>
+                  <a:txBody>
+                    <a:bodyPr/>
+                    <a:lstStyle/>
+                    <a:p/>
                   </a:txBody>
                   <a:tcPr/>
                 </a:tc>
@@ -4613,594 +4926,72 @@
                   <a:tcPr/>
                 </a:tc>
               </a:tr>
-              <a:tr h="1959">
-                <a:tc>
-                  <a:txBody>
-                    <a:bodyPr/>
-                    <a:lstStyle/>
-                    <a:p>
-                      <a:r>
-                        <a:rPr b="1" sz="1000">
-                          <a:solidFill>
-                            <a:srgbClr val="000000"/>
-                          </a:solidFill>
-                        </a:rPr>
-                        <a:t>Security Baseline</a:t>
-                      </a:r>
-                    </a:p>
-                  </a:txBody>
-                  <a:tcPr>
-                    <a:solidFill>
-                      <a:srgbClr val="9ACD32"/>
-                    </a:solidFill>
-                  </a:tcPr>
-                </a:tc>
-                <a:tc>
-                  <a:txBody>
-                    <a:bodyPr/>
-                    <a:lstStyle/>
-                    <a:p>
-                      <a:r>
-                        <a:rPr b="1" sz="1000">
-                          <a:solidFill>
-                            <a:srgbClr val="000000"/>
-                          </a:solidFill>
-                        </a:rPr>
-                        <a:t>Alignment with industry best practices</a:t>
-                      </a:r>
-                    </a:p>
-                  </a:txBody>
-                  <a:tcPr>
-                    <a:solidFill>
-                      <a:srgbClr val="D3D3D3"/>
-                    </a:solidFill>
-                  </a:tcPr>
-                </a:tc>
-                <a:tc>
-                  <a:txBody>
-                    <a:bodyPr/>
-                    <a:lstStyle/>
-                    <a:p>
-                      <a:r>
-                        <a:rPr sz="1000">
-                          <a:solidFill>
-                            <a:srgbClr val="000000"/>
-                          </a:solidFill>
-                        </a:rPr>
-                        <a:t>% of assets with security baseline (# of assets as a factor of whole estate, for which the baseline is Agreed. (Coverage)</a:t>
-                      </a:r>
-                    </a:p>
-                  </a:txBody>
-                  <a:tcPr>
-                    <a:solidFill>
-                      <a:srgbClr val="DCDCDC"/>
-                    </a:solidFill>
-                  </a:tcPr>
-                </a:tc>
-                <a:tc>
-                  <a:txBody>
-                    <a:bodyPr/>
-                    <a:lstStyle/>
-                    <a:p>
-                      <a:r>
-                        <a:rPr sz="1000">
-                          <a:solidFill>
-                            <a:srgbClr val="000000"/>
-                          </a:solidFill>
-                        </a:rPr>
-                        <a:t> </a:t>
-                      </a:r>
-                    </a:p>
-                  </a:txBody>
-                  <a:tcPr>
-                    <a:solidFill>
-                      <a:srgbClr val="DCDCDC"/>
-                    </a:solidFill>
-                  </a:tcPr>
-                </a:tc>
-                <a:tc>
-                  <a:txBody>
-                    <a:bodyPr/>
-                    <a:lstStyle/>
-                    <a:p>
-                      <a:r>
-                        <a:rPr sz="1000">
-                          <a:solidFill>
-                            <a:srgbClr val="000000"/>
-                          </a:solidFill>
-                        </a:rPr>
-                        <a:t> </a:t>
-                      </a:r>
-                    </a:p>
-                  </a:txBody>
-                  <a:tcPr>
-                    <a:solidFill>
-                      <a:srgbClr val="DCDCDC"/>
-                    </a:solidFill>
-                  </a:tcPr>
-                </a:tc>
-                <a:tc>
-                  <a:txBody>
-                    <a:bodyPr/>
-                    <a:lstStyle/>
-                    <a:p/>
-                  </a:txBody>
-                  <a:tcPr>
-                    <a:solidFill>
-                      <a:srgbClr val="DCDCDC"/>
-                    </a:solidFill>
-                  </a:tcPr>
-                </a:tc>
-              </a:tr>
-              <a:tr h="1959">
-                <a:tc>
-                  <a:txBody>
-                    <a:bodyPr/>
-                    <a:lstStyle/>
-                    <a:p/>
-                  </a:txBody>
-                  <a:tcPr>
-                    <a:solidFill>
-                      <a:srgbClr val="9ACD32"/>
-                    </a:solidFill>
-                  </a:tcPr>
-                </a:tc>
-                <a:tc>
-                  <a:txBody>
-                    <a:bodyPr/>
-                    <a:lstStyle/>
-                    <a:p/>
-                  </a:txBody>
-                  <a:tcPr>
-                    <a:solidFill>
-                      <a:srgbClr val="D3D3D3"/>
-                    </a:solidFill>
-                  </a:tcPr>
-                </a:tc>
-                <a:tc>
-                  <a:txBody>
-                    <a:bodyPr/>
-                    <a:lstStyle/>
-                    <a:p>
-                      <a:r>
-                        <a:rPr sz="1000">
-                          <a:solidFill>
-                            <a:srgbClr val="000000"/>
-                          </a:solidFill>
-                        </a:rPr>
-                        <a:t>Networks</a:t>
-                      </a:r>
-                    </a:p>
-                  </a:txBody>
-                  <a:tcPr>
-                    <a:solidFill>
-                      <a:srgbClr val="DCDCDC"/>
-                    </a:solidFill>
-                  </a:tcPr>
-                </a:tc>
-                <a:tc>
-                  <a:txBody>
-                    <a:bodyPr/>
-                    <a:lstStyle/>
-                    <a:p>
-                      <a:r>
-                        <a:rPr sz="1000">
-                          <a:solidFill>
-                            <a:srgbClr val="000000"/>
-                          </a:solidFill>
-                        </a:rPr>
-                        <a:t>78%</a:t>
-                      </a:r>
-                    </a:p>
-                  </a:txBody>
-                  <a:tcPr>
-                    <a:solidFill>
-                      <a:srgbClr val="FFBF00"/>
-                    </a:solidFill>
-                  </a:tcPr>
-                </a:tc>
-                <a:tc>
-                  <a:txBody>
-                    <a:bodyPr/>
-                    <a:lstStyle/>
-                    <a:p>
-                      <a:r>
-                        <a:rPr sz="1000">
-                          <a:solidFill>
-                            <a:srgbClr val="000000"/>
-                          </a:solidFill>
-                        </a:rPr>
-                        <a:t>54%</a:t>
-                      </a:r>
-                    </a:p>
-                  </a:txBody>
-                  <a:tcPr>
-                    <a:solidFill>
-                      <a:srgbClr val="FE0005"/>
-                    </a:solidFill>
-                  </a:tcPr>
-                </a:tc>
-                <a:tc>
-                  <a:txBody>
-                    <a:bodyPr/>
-                    <a:lstStyle/>
-                    <a:p/>
-                  </a:txBody>
-                  <a:tcPr/>
-                </a:tc>
-              </a:tr>
-              <a:tr h="1959">
-                <a:tc>
-                  <a:txBody>
-                    <a:bodyPr/>
-                    <a:lstStyle/>
-                    <a:p/>
-                  </a:txBody>
-                  <a:tcPr>
-                    <a:solidFill>
-                      <a:srgbClr val="9ACD32"/>
-                    </a:solidFill>
-                  </a:tcPr>
-                </a:tc>
-                <a:tc>
-                  <a:txBody>
-                    <a:bodyPr/>
-                    <a:lstStyle/>
-                    <a:p/>
-                  </a:txBody>
-                  <a:tcPr>
-                    <a:solidFill>
-                      <a:srgbClr val="D3D3D3"/>
-                    </a:solidFill>
-                  </a:tcPr>
-                </a:tc>
-                <a:tc>
-                  <a:txBody>
-                    <a:bodyPr/>
-                    <a:lstStyle/>
-                    <a:p>
-                      <a:r>
-                        <a:rPr sz="1000">
-                          <a:solidFill>
-                            <a:srgbClr val="000000"/>
-                          </a:solidFill>
-                        </a:rPr>
-                        <a:t>Servers</a:t>
-                      </a:r>
-                    </a:p>
-                  </a:txBody>
-                  <a:tcPr>
-                    <a:solidFill>
-                      <a:srgbClr val="DCDCDC"/>
-                    </a:solidFill>
-                  </a:tcPr>
-                </a:tc>
-                <a:tc>
-                  <a:txBody>
-                    <a:bodyPr/>
-                    <a:lstStyle/>
-                    <a:p>
-                      <a:r>
-                        <a:rPr sz="1000">
-                          <a:solidFill>
-                            <a:srgbClr val="000000"/>
-                          </a:solidFill>
-                        </a:rPr>
-                        <a:t>89%</a:t>
-                      </a:r>
-                    </a:p>
-                  </a:txBody>
-                  <a:tcPr>
-                    <a:solidFill>
-                      <a:srgbClr val="9ACD32"/>
-                    </a:solidFill>
-                  </a:tcPr>
-                </a:tc>
-                <a:tc>
-                  <a:txBody>
-                    <a:bodyPr/>
-                    <a:lstStyle/>
-                    <a:p>
-                      <a:r>
-                        <a:rPr sz="1000">
-                          <a:solidFill>
-                            <a:srgbClr val="000000"/>
-                          </a:solidFill>
-                        </a:rPr>
-                        <a:t>12%</a:t>
-                      </a:r>
-                    </a:p>
-                  </a:txBody>
-                  <a:tcPr>
-                    <a:solidFill>
-                      <a:srgbClr val="FE0005"/>
-                    </a:solidFill>
-                  </a:tcPr>
-                </a:tc>
-                <a:tc>
-                  <a:txBody>
-                    <a:bodyPr/>
-                    <a:lstStyle/>
-                    <a:p/>
-                  </a:txBody>
-                  <a:tcPr/>
-                </a:tc>
-              </a:tr>
-              <a:tr h="1959">
-                <a:tc>
-                  <a:txBody>
-                    <a:bodyPr/>
-                    <a:lstStyle/>
-                    <a:p/>
-                  </a:txBody>
-                  <a:tcPr>
-                    <a:solidFill>
-                      <a:srgbClr val="9ACD32"/>
-                    </a:solidFill>
-                  </a:tcPr>
-                </a:tc>
-                <a:tc>
-                  <a:txBody>
-                    <a:bodyPr/>
-                    <a:lstStyle/>
-                    <a:p/>
-                  </a:txBody>
-                  <a:tcPr>
-                    <a:solidFill>
-                      <a:srgbClr val="D3D3D3"/>
-                    </a:solidFill>
-                  </a:tcPr>
-                </a:tc>
-                <a:tc>
-                  <a:txBody>
-                    <a:bodyPr/>
-                    <a:lstStyle/>
-                    <a:p>
-                      <a:r>
-                        <a:rPr sz="1000">
-                          <a:solidFill>
-                            <a:srgbClr val="000000"/>
-                          </a:solidFill>
-                        </a:rPr>
-                        <a:t>Endpoints</a:t>
-                      </a:r>
-                    </a:p>
-                  </a:txBody>
-                  <a:tcPr>
-                    <a:solidFill>
-                      <a:srgbClr val="DCDCDC"/>
-                    </a:solidFill>
-                  </a:tcPr>
-                </a:tc>
-                <a:tc>
-                  <a:txBody>
-                    <a:bodyPr/>
-                    <a:lstStyle/>
-                    <a:p>
-                      <a:r>
-                        <a:rPr sz="1000">
-                          <a:solidFill>
-                            <a:srgbClr val="000000"/>
-                          </a:solidFill>
-                        </a:rPr>
-                        <a:t>9%</a:t>
-                      </a:r>
-                    </a:p>
-                  </a:txBody>
-                  <a:tcPr>
-                    <a:solidFill>
-                      <a:srgbClr val="FE0005"/>
-                    </a:solidFill>
-                  </a:tcPr>
-                </a:tc>
-                <a:tc>
-                  <a:txBody>
-                    <a:bodyPr/>
-                    <a:lstStyle/>
-                    <a:p>
-                      <a:r>
-                        <a:rPr sz="1000">
-                          <a:solidFill>
-                            <a:srgbClr val="000000"/>
-                          </a:solidFill>
-                        </a:rPr>
-                        <a:t>87%</a:t>
-                      </a:r>
-                    </a:p>
-                  </a:txBody>
-                  <a:tcPr>
-                    <a:solidFill>
-                      <a:srgbClr val="9ACD32"/>
-                    </a:solidFill>
-                  </a:tcPr>
-                </a:tc>
-                <a:tc>
-                  <a:txBody>
-                    <a:bodyPr/>
-                    <a:lstStyle/>
-                    <a:p/>
-                  </a:txBody>
-                  <a:tcPr/>
-                </a:tc>
-              </a:tr>
-              <a:tr h="1959">
-                <a:tc>
-                  <a:txBody>
-                    <a:bodyPr/>
-                    <a:lstStyle/>
-                    <a:p/>
-                  </a:txBody>
-                  <a:tcPr>
-                    <a:solidFill>
-                      <a:srgbClr val="9ACD32"/>
-                    </a:solidFill>
-                  </a:tcPr>
-                </a:tc>
-                <a:tc>
-                  <a:txBody>
-                    <a:bodyPr/>
-                    <a:lstStyle/>
-                    <a:p/>
-                  </a:txBody>
-                  <a:tcPr>
-                    <a:solidFill>
-                      <a:srgbClr val="D3D3D3"/>
-                    </a:solidFill>
-                  </a:tcPr>
-                </a:tc>
-                <a:tc>
-                  <a:txBody>
-                    <a:bodyPr/>
-                    <a:lstStyle/>
-                    <a:p>
-                      <a:r>
-                        <a:rPr sz="1000">
-                          <a:solidFill>
-                            <a:srgbClr val="000000"/>
-                          </a:solidFill>
-                        </a:rPr>
-                        <a:t>Database</a:t>
-                      </a:r>
-                    </a:p>
-                  </a:txBody>
-                  <a:tcPr>
-                    <a:solidFill>
-                      <a:srgbClr val="DCDCDC"/>
-                    </a:solidFill>
-                  </a:tcPr>
-                </a:tc>
-                <a:tc>
-                  <a:txBody>
-                    <a:bodyPr/>
-                    <a:lstStyle/>
-                    <a:p>
-                      <a:r>
-                        <a:rPr sz="1000">
-                          <a:solidFill>
-                            <a:srgbClr val="000000"/>
-                          </a:solidFill>
-                        </a:rPr>
-                        <a:t>67%</a:t>
-                      </a:r>
-                    </a:p>
-                  </a:txBody>
-                  <a:tcPr>
-                    <a:solidFill>
-                      <a:srgbClr val="FFBF00"/>
-                    </a:solidFill>
-                  </a:tcPr>
-                </a:tc>
-                <a:tc>
-                  <a:txBody>
-                    <a:bodyPr/>
-                    <a:lstStyle/>
-                    <a:p>
-                      <a:r>
-                        <a:rPr sz="1000">
-                          <a:solidFill>
-                            <a:srgbClr val="000000"/>
-                          </a:solidFill>
-                        </a:rPr>
-                        <a:t>98%</a:t>
-                      </a:r>
-                    </a:p>
-                  </a:txBody>
-                  <a:tcPr>
-                    <a:solidFill>
-                      <a:srgbClr val="9ACD32"/>
-                    </a:solidFill>
-                  </a:tcPr>
-                </a:tc>
-                <a:tc>
-                  <a:txBody>
-                    <a:bodyPr/>
-                    <a:lstStyle/>
-                    <a:p/>
-                  </a:txBody>
-                  <a:tcPr/>
-                </a:tc>
-              </a:tr>
-              <a:tr h="1965">
-                <a:tc>
-                  <a:txBody>
-                    <a:bodyPr/>
-                    <a:lstStyle/>
-                    <a:p/>
-                  </a:txBody>
-                  <a:tcPr>
-                    <a:solidFill>
-                      <a:srgbClr val="9ACD32"/>
-                    </a:solidFill>
-                  </a:tcPr>
-                </a:tc>
-                <a:tc>
-                  <a:txBody>
-                    <a:bodyPr/>
-                    <a:lstStyle/>
-                    <a:p/>
-                  </a:txBody>
-                  <a:tcPr>
-                    <a:solidFill>
-                      <a:srgbClr val="D3D3D3"/>
-                    </a:solidFill>
-                  </a:tcPr>
-                </a:tc>
-                <a:tc>
-                  <a:txBody>
-                    <a:bodyPr/>
-                    <a:lstStyle/>
-                    <a:p>
-                      <a:r>
-                        <a:rPr sz="1000">
-                          <a:solidFill>
-                            <a:srgbClr val="000000"/>
-                          </a:solidFill>
-                        </a:rPr>
-                        <a:t> </a:t>
-                      </a:r>
-                    </a:p>
-                  </a:txBody>
-                  <a:tcPr>
-                    <a:solidFill>
-                      <a:srgbClr val="DCDCDC"/>
-                    </a:solidFill>
-                  </a:tcPr>
-                </a:tc>
-                <a:tc>
-                  <a:txBody>
-                    <a:bodyPr/>
-                    <a:lstStyle/>
-                    <a:p/>
-                  </a:txBody>
-                  <a:tcPr>
-                    <a:solidFill>
-                      <a:srgbClr val="DCDCDC"/>
-                    </a:solidFill>
-                  </a:tcPr>
-                </a:tc>
-                <a:tc>
-                  <a:txBody>
-                    <a:bodyPr/>
-                    <a:lstStyle/>
-                    <a:p/>
-                  </a:txBody>
-                  <a:tcPr>
-                    <a:solidFill>
-                      <a:srgbClr val="DCDCDC"/>
-                    </a:solidFill>
-                  </a:tcPr>
-                </a:tc>
-                <a:tc>
-                  <a:txBody>
-                    <a:bodyPr/>
-                    <a:lstStyle/>
-                    <a:p/>
-                  </a:txBody>
-                  <a:tcPr>
-                    <a:solidFill>
-                      <a:srgbClr val="DCDCDC"/>
-                    </a:solidFill>
-                  </a:tcPr>
+              <a:tr h="1088">
+                <a:tc>
+                  <a:txBody>
+                    <a:bodyPr/>
+                    <a:lstStyle/>
+                    <a:p>
+                      <a:r>
+                        <a:rPr sz="900">
+                          <a:solidFill>
+                            <a:srgbClr val="000000"/>
+                          </a:solidFill>
+                        </a:rPr>
+                        <a:t>IAM</a:t>
+                      </a:r>
+                    </a:p>
+                  </a:txBody>
+                  <a:tcPr/>
+                </a:tc>
+                <a:tc>
+                  <a:txBody>
+                    <a:bodyPr/>
+                    <a:lstStyle/>
+                    <a:p/>
+                  </a:txBody>
+                  <a:tcPr/>
+                </a:tc>
+                <a:tc>
+                  <a:txBody>
+                    <a:bodyPr/>
+                    <a:lstStyle/>
+                    <a:p/>
+                  </a:txBody>
+                  <a:tcPr/>
+                </a:tc>
+                <a:tc>
+                  <a:txBody>
+                    <a:bodyPr/>
+                    <a:lstStyle/>
+                    <a:p>
+                      <a:r>
+                        <a:rPr sz="900">
+                          <a:solidFill>
+                            <a:srgbClr val="000000"/>
+                          </a:solidFill>
+                        </a:rPr>
+                        <a:t>Overall</a:t>
+                      </a:r>
+                    </a:p>
+                  </a:txBody>
+                  <a:tcPr/>
+                </a:tc>
+                <a:tc>
+                  <a:txBody>
+                    <a:bodyPr/>
+                    <a:lstStyle/>
+                    <a:p/>
+                  </a:txBody>
+                  <a:tcPr/>
+                </a:tc>
+                <a:tc>
+                  <a:txBody>
+                    <a:bodyPr/>
+                    <a:lstStyle/>
+                    <a:p/>
+                  </a:txBody>
+                  <a:tcPr/>
                 </a:tc>
               </a:tr>
             </a:tbl>
@@ -5684,13 +5475,13 @@
                             <a:srgbClr val="000000"/>
                           </a:solidFill>
                         </a:rPr>
-                        <a:t>Security Baseline</a:t>
-                      </a:r>
-                    </a:p>
-                  </a:txBody>
-                  <a:tcPr>
-                    <a:solidFill>
-                      <a:srgbClr val="FFBF00"/>
+                        <a:t>Inventory</a:t>
+                      </a:r>
+                    </a:p>
+                  </a:txBody>
+                  <a:tcPr>
+                    <a:solidFill>
+                      <a:srgbClr val="9ACD32"/>
                     </a:solidFill>
                   </a:tcPr>
                 </a:tc>
@@ -5705,7 +5496,7 @@
                             <a:srgbClr val="000000"/>
                           </a:solidFill>
                         </a:rPr>
-                        <a:t>Alignment with industry best practices</a:t>
+                        <a:t>Accuracy and completeness of asset information</a:t>
                       </a:r>
                     </a:p>
                   </a:txBody>
@@ -5726,7 +5517,7 @@
                             <a:srgbClr val="000000"/>
                           </a:solidFill>
                         </a:rPr>
-                        <a:t>Networks</a:t>
+                        <a:t> % of inventory completion (Owner / IT Custodian must be filled to be considered a complete inventory item.)</a:t>
                       </a:r>
                     </a:p>
                   </a:txBody>
@@ -5747,53 +5538,57 @@
                             <a:srgbClr val="000000"/>
                           </a:solidFill>
                         </a:rPr>
-                        <a:t>45%</a:t>
-                      </a:r>
-                    </a:p>
-                  </a:txBody>
-                  <a:tcPr>
-                    <a:solidFill>
-                      <a:srgbClr val="FE0005"/>
-                    </a:solidFill>
-                  </a:tcPr>
-                </a:tc>
-                <a:tc>
-                  <a:txBody>
-                    <a:bodyPr/>
-                    <a:lstStyle/>
-                    <a:p>
-                      <a:r>
-                        <a:rPr sz="1000">
-                          <a:solidFill>
-                            <a:srgbClr val="000000"/>
-                          </a:solidFill>
-                        </a:rPr>
-                        <a:t>67%</a:t>
-                      </a:r>
-                    </a:p>
-                  </a:txBody>
-                  <a:tcPr>
-                    <a:solidFill>
-                      <a:srgbClr val="FFBF00"/>
-                    </a:solidFill>
-                  </a:tcPr>
-                </a:tc>
-                <a:tc>
-                  <a:txBody>
-                    <a:bodyPr/>
-                    <a:lstStyle/>
-                    <a:p>
-                      <a:r>
-                        <a:rPr sz="1000">
-                          <a:solidFill>
-                            <a:srgbClr val="000000"/>
-                          </a:solidFill>
-                        </a:rPr>
                         <a:t> </a:t>
                       </a:r>
                     </a:p>
                   </a:txBody>
-                  <a:tcPr/>
+                  <a:tcPr>
+                    <a:solidFill>
+                      <a:srgbClr val="DCDCDC"/>
+                    </a:solidFill>
+                  </a:tcPr>
+                </a:tc>
+                <a:tc>
+                  <a:txBody>
+                    <a:bodyPr/>
+                    <a:lstStyle/>
+                    <a:p>
+                      <a:r>
+                        <a:rPr sz="1000">
+                          <a:solidFill>
+                            <a:srgbClr val="000000"/>
+                          </a:solidFill>
+                        </a:rPr>
+                        <a:t> </a:t>
+                      </a:r>
+                    </a:p>
+                  </a:txBody>
+                  <a:tcPr>
+                    <a:solidFill>
+                      <a:srgbClr val="DCDCDC"/>
+                    </a:solidFill>
+                  </a:tcPr>
+                </a:tc>
+                <a:tc>
+                  <a:txBody>
+                    <a:bodyPr/>
+                    <a:lstStyle/>
+                    <a:p>
+                      <a:r>
+                        <a:rPr sz="1000">
+                          <a:solidFill>
+                            <a:srgbClr val="000000"/>
+                          </a:solidFill>
+                        </a:rPr>
+                        <a:t> </a:t>
+                      </a:r>
+                    </a:p>
+                  </a:txBody>
+                  <a:tcPr>
+                    <a:solidFill>
+                      <a:srgbClr val="DCDCDC"/>
+                    </a:solidFill>
+                  </a:tcPr>
                 </a:tc>
               </a:tr>
               <a:tr h="1959">
@@ -5805,7 +5600,7 @@
                   </a:txBody>
                   <a:tcPr>
                     <a:solidFill>
-                      <a:srgbClr val="FFBF00"/>
+                      <a:srgbClr val="9ACD32"/>
                     </a:solidFill>
                   </a:tcPr>
                 </a:tc>
@@ -5832,7 +5627,7 @@
                             <a:srgbClr val="000000"/>
                           </a:solidFill>
                         </a:rPr>
-                        <a:t>Servers</a:t>
+                        <a:t>Networks</a:t>
                       </a:r>
                     </a:p>
                   </a:txBody>
@@ -5853,28 +5648,28 @@
                             <a:srgbClr val="000000"/>
                           </a:solidFill>
                         </a:rPr>
-                        <a:t>88%</a:t>
-                      </a:r>
-                    </a:p>
-                  </a:txBody>
-                  <a:tcPr>
-                    <a:solidFill>
-                      <a:srgbClr val="9ACD32"/>
-                    </a:solidFill>
-                  </a:tcPr>
-                </a:tc>
-                <a:tc>
-                  <a:txBody>
-                    <a:bodyPr/>
-                    <a:lstStyle/>
-                    <a:p>
-                      <a:r>
-                        <a:rPr sz="1000">
-                          <a:solidFill>
-                            <a:srgbClr val="000000"/>
-                          </a:solidFill>
-                        </a:rPr>
-                        <a:t>35%</a:t>
+                        <a:t>44%</a:t>
+                      </a:r>
+                    </a:p>
+                  </a:txBody>
+                  <a:tcPr>
+                    <a:solidFill>
+                      <a:srgbClr val="FE0005"/>
+                    </a:solidFill>
+                  </a:tcPr>
+                </a:tc>
+                <a:tc>
+                  <a:txBody>
+                    <a:bodyPr/>
+                    <a:lstStyle/>
+                    <a:p>
+                      <a:r>
+                        <a:rPr sz="1000">
+                          <a:solidFill>
+                            <a:srgbClr val="000000"/>
+                          </a:solidFill>
+                        </a:rPr>
+                        <a:t>34%</a:t>
                       </a:r>
                     </a:p>
                   </a:txBody>
@@ -5902,7 +5697,7 @@
                   </a:txBody>
                   <a:tcPr>
                     <a:solidFill>
-                      <a:srgbClr val="FFBF00"/>
+                      <a:srgbClr val="9ACD32"/>
                     </a:solidFill>
                   </a:tcPr>
                 </a:tc>
@@ -5929,7 +5724,7 @@
                             <a:srgbClr val="000000"/>
                           </a:solidFill>
                         </a:rPr>
-                        <a:t>Endpoints</a:t>
+                        <a:t>Servers</a:t>
                       </a:r>
                     </a:p>
                   </a:txBody>
@@ -5950,28 +5745,28 @@
                             <a:srgbClr val="000000"/>
                           </a:solidFill>
                         </a:rPr>
-                        <a:t>99%</a:t>
-                      </a:r>
-                    </a:p>
-                  </a:txBody>
-                  <a:tcPr>
-                    <a:solidFill>
-                      <a:srgbClr val="9ACD32"/>
-                    </a:solidFill>
-                  </a:tcPr>
-                </a:tc>
-                <a:tc>
-                  <a:txBody>
-                    <a:bodyPr/>
-                    <a:lstStyle/>
-                    <a:p>
-                      <a:r>
-                        <a:rPr sz="1000">
-                          <a:solidFill>
-                            <a:srgbClr val="000000"/>
-                          </a:solidFill>
-                        </a:rPr>
-                        <a:t>23%</a:t>
+                        <a:t>45%</a:t>
+                      </a:r>
+                    </a:p>
+                  </a:txBody>
+                  <a:tcPr>
+                    <a:solidFill>
+                      <a:srgbClr val="FE0005"/>
+                    </a:solidFill>
+                  </a:tcPr>
+                </a:tc>
+                <a:tc>
+                  <a:txBody>
+                    <a:bodyPr/>
+                    <a:lstStyle/>
+                    <a:p>
+                      <a:r>
+                        <a:rPr sz="1000">
+                          <a:solidFill>
+                            <a:srgbClr val="000000"/>
+                          </a:solidFill>
+                        </a:rPr>
+                        <a:t>64%</a:t>
                       </a:r>
                     </a:p>
                   </a:txBody>
@@ -5999,7 +5794,7 @@
                   </a:txBody>
                   <a:tcPr>
                     <a:solidFill>
-                      <a:srgbClr val="FFBF00"/>
+                      <a:srgbClr val="9ACD32"/>
                     </a:solidFill>
                   </a:tcPr>
                 </a:tc>
@@ -6026,7 +5821,7 @@
                             <a:srgbClr val="000000"/>
                           </a:solidFill>
                         </a:rPr>
-                        <a:t>Database</a:t>
+                        <a:t>Endpoints</a:t>
                       </a:r>
                     </a:p>
                   </a:txBody>
@@ -6047,28 +5842,28 @@
                             <a:srgbClr val="000000"/>
                           </a:solidFill>
                         </a:rPr>
-                        <a:t>67%</a:t>
-                      </a:r>
-                    </a:p>
-                  </a:txBody>
-                  <a:tcPr>
-                    <a:solidFill>
-                      <a:srgbClr val="FFBF00"/>
-                    </a:solidFill>
-                  </a:tcPr>
-                </a:tc>
-                <a:tc>
-                  <a:txBody>
-                    <a:bodyPr/>
-                    <a:lstStyle/>
-                    <a:p>
-                      <a:r>
-                        <a:rPr sz="1000">
-                          <a:solidFill>
-                            <a:srgbClr val="000000"/>
-                          </a:solidFill>
-                        </a:rPr>
                         <a:t>12%</a:t>
+                      </a:r>
+                    </a:p>
+                  </a:txBody>
+                  <a:tcPr>
+                    <a:solidFill>
+                      <a:srgbClr val="FE0005"/>
+                    </a:solidFill>
+                  </a:tcPr>
+                </a:tc>
+                <a:tc>
+                  <a:txBody>
+                    <a:bodyPr/>
+                    <a:lstStyle/>
+                    <a:p>
+                      <a:r>
+                        <a:rPr sz="1000">
+                          <a:solidFill>
+                            <a:srgbClr val="000000"/>
+                          </a:solidFill>
+                        </a:rPr>
+                        <a:t>34%</a:t>
                       </a:r>
                     </a:p>
                   </a:txBody>
@@ -6092,37 +5887,19 @@
                   <a:txBody>
                     <a:bodyPr/>
                     <a:lstStyle/>
-                    <a:p>
-                      <a:r>
-                        <a:rPr b="1" sz="1000">
-                          <a:solidFill>
-                            <a:srgbClr val="000000"/>
-                          </a:solidFill>
-                        </a:rPr>
-                        <a:t>Identity and Access Management</a:t>
-                      </a:r>
-                    </a:p>
-                  </a:txBody>
-                  <a:tcPr>
-                    <a:solidFill>
-                      <a:srgbClr val="FFBF00"/>
-                    </a:solidFill>
-                  </a:tcPr>
-                </a:tc>
-                <a:tc>
-                  <a:txBody>
-                    <a:bodyPr/>
-                    <a:lstStyle/>
-                    <a:p>
-                      <a:r>
-                        <a:rPr b="1" sz="1000">
-                          <a:solidFill>
-                            <a:srgbClr val="000000"/>
-                          </a:solidFill>
-                        </a:rPr>
-                        <a:t>Measure of Privileged accounts</a:t>
-                      </a:r>
-                    </a:p>
+                    <a:p/>
+                  </a:txBody>
+                  <a:tcPr>
+                    <a:solidFill>
+                      <a:srgbClr val="9ACD32"/>
+                    </a:solidFill>
+                  </a:tcPr>
+                </a:tc>
+                <a:tc>
+                  <a:txBody>
+                    <a:bodyPr/>
+                    <a:lstStyle/>
+                    <a:p/>
                   </a:txBody>
                   <a:tcPr>
                     <a:solidFill>
@@ -6141,7 +5918,7 @@
                             <a:srgbClr val="000000"/>
                           </a:solidFill>
                         </a:rPr>
-                        <a:t>Total # of Admin accounts</a:t>
+                        <a:t>Database</a:t>
                       </a:r>
                     </a:p>
                   </a:txBody>
@@ -6162,28 +5939,36 @@
                             <a:srgbClr val="000000"/>
                           </a:solidFill>
                         </a:rPr>
-                        <a:t>78</a:t>
-                      </a:r>
-                    </a:p>
-                  </a:txBody>
-                  <a:tcPr/>
-                </a:tc>
-                <a:tc>
-                  <a:txBody>
-                    <a:bodyPr/>
-                    <a:lstStyle/>
-                    <a:p>
-                      <a:r>
-                        <a:rPr sz="1000">
-                          <a:solidFill>
-                            <a:srgbClr val="000000"/>
-                          </a:solidFill>
-                        </a:rPr>
-                        <a:t>43</a:t>
-                      </a:r>
-                    </a:p>
-                  </a:txBody>
-                  <a:tcPr/>
+                        <a:t>65%</a:t>
+                      </a:r>
+                    </a:p>
+                  </a:txBody>
+                  <a:tcPr>
+                    <a:solidFill>
+                      <a:srgbClr val="FE0005"/>
+                    </a:solidFill>
+                  </a:tcPr>
+                </a:tc>
+                <a:tc>
+                  <a:txBody>
+                    <a:bodyPr/>
+                    <a:lstStyle/>
+                    <a:p>
+                      <a:r>
+                        <a:rPr sz="1000">
+                          <a:solidFill>
+                            <a:srgbClr val="000000"/>
+                          </a:solidFill>
+                        </a:rPr>
+                        <a:t>53%</a:t>
+                      </a:r>
+                    </a:p>
+                  </a:txBody>
+                  <a:tcPr>
+                    <a:solidFill>
+                      <a:srgbClr val="FE0005"/>
+                    </a:solidFill>
+                  </a:tcPr>
                 </a:tc>
                 <a:tc>
                   <a:txBody>
@@ -6203,6 +5988,60 @@
                   </a:txBody>
                   <a:tcPr>
                     <a:solidFill>
+                      <a:srgbClr val="9ACD32"/>
+                    </a:solidFill>
+                  </a:tcPr>
+                </a:tc>
+                <a:tc>
+                  <a:txBody>
+                    <a:bodyPr/>
+                    <a:lstStyle/>
+                    <a:p/>
+                  </a:txBody>
+                  <a:tcPr>
+                    <a:solidFill>
+                      <a:srgbClr val="D3D3D3"/>
+                    </a:solidFill>
+                  </a:tcPr>
+                </a:tc>
+                <a:tc>
+                  <a:txBody>
+                    <a:bodyPr/>
+                    <a:lstStyle/>
+                    <a:p>
+                      <a:r>
+                        <a:rPr sz="1000">
+                          <a:solidFill>
+                            <a:srgbClr val="000000"/>
+                          </a:solidFill>
+                        </a:rPr>
+                        <a:t>Applications</a:t>
+                      </a:r>
+                    </a:p>
+                  </a:txBody>
+                  <a:tcPr>
+                    <a:solidFill>
+                      <a:srgbClr val="DCDCDC"/>
+                    </a:solidFill>
+                  </a:tcPr>
+                </a:tc>
+                <a:tc>
+                  <a:txBody>
+                    <a:bodyPr/>
+                    <a:lstStyle/>
+                    <a:p>
+                      <a:r>
+                        <a:rPr sz="1000">
+                          <a:solidFill>
+                            <a:srgbClr val="000000"/>
+                          </a:solidFill>
+                        </a:rPr>
+                        <a:t>87%</a:t>
+                      </a:r>
+                    </a:p>
+                  </a:txBody>
+                  <a:tcPr>
+                    <a:solidFill>
                       <a:srgbClr val="FFBF00"/>
                     </a:solidFill>
                   </a:tcPr>
@@ -6211,68 +6050,22 @@
                   <a:txBody>
                     <a:bodyPr/>
                     <a:lstStyle/>
-                    <a:p/>
-                  </a:txBody>
-                  <a:tcPr>
-                    <a:solidFill>
-                      <a:srgbClr val="D3D3D3"/>
-                    </a:solidFill>
-                  </a:tcPr>
-                </a:tc>
-                <a:tc>
-                  <a:txBody>
-                    <a:bodyPr/>
-                    <a:lstStyle/>
-                    <a:p>
-                      <a:r>
-                        <a:rPr sz="1000">
-                          <a:solidFill>
-                            <a:srgbClr val="000000"/>
-                          </a:solidFill>
-                        </a:rPr>
-                        <a:t># of 2FA Admin accounts </a:t>
-                      </a:r>
-                    </a:p>
-                  </a:txBody>
-                  <a:tcPr>
-                    <a:solidFill>
-                      <a:srgbClr val="DCDCDC"/>
-                    </a:solidFill>
-                  </a:tcPr>
-                </a:tc>
-                <a:tc>
-                  <a:txBody>
-                    <a:bodyPr/>
-                    <a:lstStyle/>
-                    <a:p>
-                      <a:r>
-                        <a:rPr sz="1000">
-                          <a:solidFill>
-                            <a:srgbClr val="000000"/>
-                          </a:solidFill>
-                        </a:rPr>
-                        <a:t>98</a:t>
-                      </a:r>
-                    </a:p>
-                  </a:txBody>
-                  <a:tcPr/>
-                </a:tc>
-                <a:tc>
-                  <a:txBody>
-                    <a:bodyPr/>
-                    <a:lstStyle/>
-                    <a:p>
-                      <a:r>
-                        <a:rPr sz="1000">
-                          <a:solidFill>
-                            <a:srgbClr val="000000"/>
-                          </a:solidFill>
-                        </a:rPr>
-                        <a:t>54</a:t>
-                      </a:r>
-                    </a:p>
-                  </a:txBody>
-                  <a:tcPr/>
+                    <a:p>
+                      <a:r>
+                        <a:rPr sz="1000">
+                          <a:solidFill>
+                            <a:srgbClr val="000000"/>
+                          </a:solidFill>
+                        </a:rPr>
+                        <a:t>12%</a:t>
+                      </a:r>
+                    </a:p>
+                  </a:txBody>
+                  <a:tcPr>
+                    <a:solidFill>
+                      <a:srgbClr val="FE0005"/>
+                    </a:solidFill>
+                  </a:tcPr>
                 </a:tc>
                 <a:tc>
                   <a:txBody>
@@ -6292,7 +6085,7 @@
                   </a:txBody>
                   <a:tcPr>
                     <a:solidFill>
-                      <a:srgbClr val="FFBF00"/>
+                      <a:srgbClr val="9ACD32"/>
                     </a:solidFill>
                   </a:tcPr>
                 </a:tc>
@@ -6319,7 +6112,7 @@
                             <a:srgbClr val="000000"/>
                           </a:solidFill>
                         </a:rPr>
-                        <a:t># of Generic Admin accounts without owner</a:t>
+                        <a:t># of unknown Assets (Those which are discovered but not found in the “source of truth” probably CMDB)</a:t>
                       </a:r>
                     </a:p>
                   </a:txBody>
@@ -6340,24 +6133,24 @@
                             <a:srgbClr val="000000"/>
                           </a:solidFill>
                         </a:rPr>
-                        <a:t>90</a:t>
-                      </a:r>
-                    </a:p>
-                  </a:txBody>
-                  <a:tcPr/>
-                </a:tc>
-                <a:tc>
-                  <a:txBody>
-                    <a:bodyPr/>
-                    <a:lstStyle/>
-                    <a:p>
-                      <a:r>
-                        <a:rPr sz="1000">
-                          <a:solidFill>
-                            <a:srgbClr val="000000"/>
-                          </a:solidFill>
-                        </a:rPr>
-                        <a:t>74</a:t>
+                        <a:t>5777</a:t>
+                      </a:r>
+                    </a:p>
+                  </a:txBody>
+                  <a:tcPr/>
+                </a:tc>
+                <a:tc>
+                  <a:txBody>
+                    <a:bodyPr/>
+                    <a:lstStyle/>
+                    <a:p>
+                      <a:r>
+                        <a:rPr sz="1000">
+                          <a:solidFill>
+                            <a:srgbClr val="000000"/>
+                          </a:solidFill>
+                        </a:rPr>
+                        <a:t>6543</a:t>
                       </a:r>
                     </a:p>
                   </a:txBody>
@@ -6384,13 +6177,13 @@
                             <a:srgbClr val="000000"/>
                           </a:solidFill>
                         </a:rPr>
-                        <a:t>Vulnerability Landscape</a:t>
-                      </a:r>
-                    </a:p>
-                  </a:txBody>
-                  <a:tcPr>
-                    <a:solidFill>
-                      <a:srgbClr val="FFBF00"/>
+                        <a:t>Security Baseline</a:t>
+                      </a:r>
+                    </a:p>
+                  </a:txBody>
+                  <a:tcPr>
+                    <a:solidFill>
+                      <a:srgbClr val="9ACD32"/>
                     </a:solidFill>
                   </a:tcPr>
                 </a:tc>
@@ -6405,7 +6198,7 @@
                             <a:srgbClr val="000000"/>
                           </a:solidFill>
                         </a:rPr>
-                        <a:t>Measure of Vulnerabilities in infrastructure </a:t>
+                        <a:t>Alignment with industry best practices</a:t>
                       </a:r>
                     </a:p>
                   </a:txBody>
@@ -6426,7 +6219,7 @@
                             <a:srgbClr val="000000"/>
                           </a:solidFill>
                         </a:rPr>
-                        <a:t>% of assets with High and critical (4&amp;5) vulnerabilities</a:t>
+                        <a:t>% of assets with security baseline (# of assets as a factor of whole estate, for which the baseline is Agreed. (Coverage)</a:t>
                       </a:r>
                     </a:p>
                   </a:txBody>
@@ -6482,16 +6275,7 @@
                   <a:txBody>
                     <a:bodyPr/>
                     <a:lstStyle/>
-                    <a:p>
-                      <a:r>
-                        <a:rPr sz="1000">
-                          <a:solidFill>
-                            <a:srgbClr val="000000"/>
-                          </a:solidFill>
-                        </a:rPr>
-                        <a:t> </a:t>
-                      </a:r>
-                    </a:p>
+                    <a:p/>
                   </a:txBody>
                   <a:tcPr>
                     <a:solidFill>
@@ -6509,6 +6293,60 @@
                   </a:txBody>
                   <a:tcPr>
                     <a:solidFill>
+                      <a:srgbClr val="9ACD32"/>
+                    </a:solidFill>
+                  </a:tcPr>
+                </a:tc>
+                <a:tc>
+                  <a:txBody>
+                    <a:bodyPr/>
+                    <a:lstStyle/>
+                    <a:p/>
+                  </a:txBody>
+                  <a:tcPr>
+                    <a:solidFill>
+                      <a:srgbClr val="D3D3D3"/>
+                    </a:solidFill>
+                  </a:tcPr>
+                </a:tc>
+                <a:tc>
+                  <a:txBody>
+                    <a:bodyPr/>
+                    <a:lstStyle/>
+                    <a:p>
+                      <a:r>
+                        <a:rPr sz="1000">
+                          <a:solidFill>
+                            <a:srgbClr val="000000"/>
+                          </a:solidFill>
+                        </a:rPr>
+                        <a:t>Networks</a:t>
+                      </a:r>
+                    </a:p>
+                  </a:txBody>
+                  <a:tcPr>
+                    <a:solidFill>
+                      <a:srgbClr val="DCDCDC"/>
+                    </a:solidFill>
+                  </a:tcPr>
+                </a:tc>
+                <a:tc>
+                  <a:txBody>
+                    <a:bodyPr/>
+                    <a:lstStyle/>
+                    <a:p>
+                      <a:r>
+                        <a:rPr sz="1000">
+                          <a:solidFill>
+                            <a:srgbClr val="000000"/>
+                          </a:solidFill>
+                        </a:rPr>
+                        <a:t>78%</a:t>
+                      </a:r>
+                    </a:p>
+                  </a:txBody>
+                  <a:tcPr>
+                    <a:solidFill>
                       <a:srgbClr val="FFBF00"/>
                     </a:solidFill>
                   </a:tcPr>
@@ -6517,68 +6355,14 @@
                   <a:txBody>
                     <a:bodyPr/>
                     <a:lstStyle/>
-                    <a:p/>
-                  </a:txBody>
-                  <a:tcPr>
-                    <a:solidFill>
-                      <a:srgbClr val="D3D3D3"/>
-                    </a:solidFill>
-                  </a:tcPr>
-                </a:tc>
-                <a:tc>
-                  <a:txBody>
-                    <a:bodyPr/>
-                    <a:lstStyle/>
-                    <a:p>
-                      <a:r>
-                        <a:rPr sz="1000">
-                          <a:solidFill>
-                            <a:srgbClr val="000000"/>
-                          </a:solidFill>
-                        </a:rPr>
-                        <a:t>Networks</a:t>
-                      </a:r>
-                    </a:p>
-                  </a:txBody>
-                  <a:tcPr>
-                    <a:solidFill>
-                      <a:srgbClr val="DCDCDC"/>
-                    </a:solidFill>
-                  </a:tcPr>
-                </a:tc>
-                <a:tc>
-                  <a:txBody>
-                    <a:bodyPr/>
-                    <a:lstStyle/>
-                    <a:p>
-                      <a:r>
-                        <a:rPr sz="1000">
-                          <a:solidFill>
-                            <a:srgbClr val="000000"/>
-                          </a:solidFill>
-                        </a:rPr>
-                        <a:t>56%</a:t>
-                      </a:r>
-                    </a:p>
-                  </a:txBody>
-                  <a:tcPr>
-                    <a:solidFill>
-                      <a:srgbClr val="FE0005"/>
-                    </a:solidFill>
-                  </a:tcPr>
-                </a:tc>
-                <a:tc>
-                  <a:txBody>
-                    <a:bodyPr/>
-                    <a:lstStyle/>
-                    <a:p>
-                      <a:r>
-                        <a:rPr sz="1000">
-                          <a:solidFill>
-                            <a:srgbClr val="000000"/>
-                          </a:solidFill>
-                        </a:rPr>
-                        <a:t>26%</a:t>
+                    <a:p>
+                      <a:r>
+                        <a:rPr sz="1000">
+                          <a:solidFill>
+                            <a:srgbClr val="000000"/>
+                          </a:solidFill>
+                        </a:rPr>
+                        <a:t>54%</a:t>
                       </a:r>
                     </a:p>
                   </a:txBody>
@@ -6606,7 +6390,7 @@
                   </a:txBody>
                   <a:tcPr>
                     <a:solidFill>
-                      <a:srgbClr val="FFBF00"/>
+                      <a:srgbClr val="9ACD32"/>
                     </a:solidFill>
                   </a:tcPr>
                 </a:tc>
@@ -6660,22 +6444,22 @@
                   </a:txBody>
                   <a:tcPr>
                     <a:solidFill>
-                      <a:srgbClr val="FE0005"/>
-                    </a:solidFill>
-                  </a:tcPr>
-                </a:tc>
-                <a:tc>
-                  <a:txBody>
-                    <a:bodyPr/>
-                    <a:lstStyle/>
-                    <a:p>
-                      <a:r>
-                        <a:rPr sz="1000">
-                          <a:solidFill>
-                            <a:srgbClr val="000000"/>
-                          </a:solidFill>
-                        </a:rPr>
-                        <a:t>85%</a:t>
+                      <a:srgbClr val="9ACD32"/>
+                    </a:solidFill>
+                  </a:tcPr>
+                </a:tc>
+                <a:tc>
+                  <a:txBody>
+                    <a:bodyPr/>
+                    <a:lstStyle/>
+                    <a:p>
+                      <a:r>
+                        <a:rPr sz="1000">
+                          <a:solidFill>
+                            <a:srgbClr val="000000"/>
+                          </a:solidFill>
+                        </a:rPr>
+                        <a:t>12%</a:t>
                       </a:r>
                     </a:p>
                   </a:txBody>
@@ -6703,7 +6487,7 @@
                   </a:txBody>
                   <a:tcPr>
                     <a:solidFill>
-                      <a:srgbClr val="FFBF00"/>
+                      <a:srgbClr val="9ACD32"/>
                     </a:solidFill>
                   </a:tcPr>
                 </a:tc>
@@ -6751,7 +6535,7 @@
                             <a:srgbClr val="000000"/>
                           </a:solidFill>
                         </a:rPr>
-                        <a:t>89%</a:t>
+                        <a:t>9%</a:t>
                       </a:r>
                     </a:p>
                   </a:txBody>
@@ -6772,13 +6556,13 @@
                             <a:srgbClr val="000000"/>
                           </a:solidFill>
                         </a:rPr>
-                        <a:t>23%</a:t>
-                      </a:r>
-                    </a:p>
-                  </a:txBody>
-                  <a:tcPr>
-                    <a:solidFill>
-                      <a:srgbClr val="FE0005"/>
+                        <a:t>87%</a:t>
+                      </a:r>
+                    </a:p>
+                  </a:txBody>
+                  <a:tcPr>
+                    <a:solidFill>
+                      <a:srgbClr val="9ACD32"/>
                     </a:solidFill>
                   </a:tcPr>
                 </a:tc>
@@ -6800,6 +6584,60 @@
                   </a:txBody>
                   <a:tcPr>
                     <a:solidFill>
+                      <a:srgbClr val="9ACD32"/>
+                    </a:solidFill>
+                  </a:tcPr>
+                </a:tc>
+                <a:tc>
+                  <a:txBody>
+                    <a:bodyPr/>
+                    <a:lstStyle/>
+                    <a:p/>
+                  </a:txBody>
+                  <a:tcPr>
+                    <a:solidFill>
+                      <a:srgbClr val="D3D3D3"/>
+                    </a:solidFill>
+                  </a:tcPr>
+                </a:tc>
+                <a:tc>
+                  <a:txBody>
+                    <a:bodyPr/>
+                    <a:lstStyle/>
+                    <a:p>
+                      <a:r>
+                        <a:rPr sz="1000">
+                          <a:solidFill>
+                            <a:srgbClr val="000000"/>
+                          </a:solidFill>
+                        </a:rPr>
+                        <a:t>Database</a:t>
+                      </a:r>
+                    </a:p>
+                  </a:txBody>
+                  <a:tcPr>
+                    <a:solidFill>
+                      <a:srgbClr val="DCDCDC"/>
+                    </a:solidFill>
+                  </a:tcPr>
+                </a:tc>
+                <a:tc>
+                  <a:txBody>
+                    <a:bodyPr/>
+                    <a:lstStyle/>
+                    <a:p>
+                      <a:r>
+                        <a:rPr sz="1000">
+                          <a:solidFill>
+                            <a:srgbClr val="000000"/>
+                          </a:solidFill>
+                        </a:rPr>
+                        <a:t>67%</a:t>
+                      </a:r>
+                    </a:p>
+                  </a:txBody>
+                  <a:tcPr>
+                    <a:solidFill>
                       <a:srgbClr val="FFBF00"/>
                     </a:solidFill>
                   </a:tcPr>
@@ -6808,39 +6646,6 @@
                   <a:txBody>
                     <a:bodyPr/>
                     <a:lstStyle/>
-                    <a:p/>
-                  </a:txBody>
-                  <a:tcPr>
-                    <a:solidFill>
-                      <a:srgbClr val="D3D3D3"/>
-                    </a:solidFill>
-                  </a:tcPr>
-                </a:tc>
-                <a:tc>
-                  <a:txBody>
-                    <a:bodyPr/>
-                    <a:lstStyle/>
-                    <a:p>
-                      <a:r>
-                        <a:rPr sz="1000">
-                          <a:solidFill>
-                            <a:srgbClr val="000000"/>
-                          </a:solidFill>
-                        </a:rPr>
-                        <a:t>Database</a:t>
-                      </a:r>
-                    </a:p>
-                  </a:txBody>
-                  <a:tcPr>
-                    <a:solidFill>
-                      <a:srgbClr val="DCDCDC"/>
-                    </a:solidFill>
-                  </a:tcPr>
-                </a:tc>
-                <a:tc>
-                  <a:txBody>
-                    <a:bodyPr/>
-                    <a:lstStyle/>
                     <a:p>
                       <a:r>
                         <a:rPr sz="1000">
@@ -6854,28 +6659,7 @@
                   </a:txBody>
                   <a:tcPr>
                     <a:solidFill>
-                      <a:srgbClr val="FE0005"/>
-                    </a:solidFill>
-                  </a:tcPr>
-                </a:tc>
-                <a:tc>
-                  <a:txBody>
-                    <a:bodyPr/>
-                    <a:lstStyle/>
-                    <a:p>
-                      <a:r>
-                        <a:rPr sz="1000">
-                          <a:solidFill>
-                            <a:srgbClr val="000000"/>
-                          </a:solidFill>
-                        </a:rPr>
-                        <a:t>84%</a:t>
-                      </a:r>
-                    </a:p>
-                  </a:txBody>
-                  <a:tcPr>
-                    <a:solidFill>
-                      <a:srgbClr val="FE0005"/>
+                      <a:srgbClr val="9ACD32"/>
                     </a:solidFill>
                   </a:tcPr>
                 </a:tc>
@@ -6897,7 +6681,7 @@
                   </a:txBody>
                   <a:tcPr>
                     <a:solidFill>
-                      <a:srgbClr val="FFBF00"/>
+                      <a:srgbClr val="9ACD32"/>
                     </a:solidFill>
                   </a:tcPr>
                 </a:tc>
@@ -6924,7 +6708,7 @@
                             <a:srgbClr val="000000"/>
                           </a:solidFill>
                         </a:rPr>
-                        <a:t>Applications</a:t>
+                        <a:t> </a:t>
                       </a:r>
                     </a:p>
                   </a:txBody>
@@ -6938,51 +6722,37 @@
                   <a:txBody>
                     <a:bodyPr/>
                     <a:lstStyle/>
-                    <a:p>
-                      <a:r>
-                        <a:rPr sz="1000">
-                          <a:solidFill>
-                            <a:srgbClr val="000000"/>
-                          </a:solidFill>
-                        </a:rPr>
-                        <a:t>34%</a:t>
-                      </a:r>
-                    </a:p>
-                  </a:txBody>
-                  <a:tcPr>
-                    <a:solidFill>
-                      <a:srgbClr val="FE0005"/>
-                    </a:solidFill>
-                  </a:tcPr>
-                </a:tc>
-                <a:tc>
-                  <a:txBody>
-                    <a:bodyPr/>
-                    <a:lstStyle/>
-                    <a:p>
-                      <a:r>
-                        <a:rPr sz="1000">
-                          <a:solidFill>
-                            <a:srgbClr val="000000"/>
-                          </a:solidFill>
-                        </a:rPr>
-                        <a:t>25%</a:t>
-                      </a:r>
-                    </a:p>
-                  </a:txBody>
-                  <a:tcPr>
-                    <a:solidFill>
-                      <a:srgbClr val="FE0005"/>
-                    </a:solidFill>
-                  </a:tcPr>
-                </a:tc>
-                <a:tc>
-                  <a:txBody>
-                    <a:bodyPr/>
-                    <a:lstStyle/>
-                    <a:p/>
-                  </a:txBody>
-                  <a:tcPr/>
+                    <a:p/>
+                  </a:txBody>
+                  <a:tcPr>
+                    <a:solidFill>
+                      <a:srgbClr val="DCDCDC"/>
+                    </a:solidFill>
+                  </a:tcPr>
+                </a:tc>
+                <a:tc>
+                  <a:txBody>
+                    <a:bodyPr/>
+                    <a:lstStyle/>
+                    <a:p/>
+                  </a:txBody>
+                  <a:tcPr>
+                    <a:solidFill>
+                      <a:srgbClr val="DCDCDC"/>
+                    </a:solidFill>
+                  </a:tcPr>
+                </a:tc>
+                <a:tc>
+                  <a:txBody>
+                    <a:bodyPr/>
+                    <a:lstStyle/>
+                    <a:p/>
+                  </a:txBody>
+                  <a:tcPr>
+                    <a:solidFill>
+                      <a:srgbClr val="DCDCDC"/>
+                    </a:solidFill>
+                  </a:tcPr>
                 </a:tc>
               </a:tr>
             </a:tbl>
@@ -7074,7 +6844,7 @@
                 <a:gridCol w="914400"/>
                 <a:gridCol w="914400"/>
               </a:tblGrid>
-              <a:tr h="1828">
+              <a:tr h="1959">
                 <a:tc>
                   <a:txBody>
                     <a:bodyPr/>
@@ -7454,7 +7224,7 @@
                   </a:tcPr>
                 </a:tc>
               </a:tr>
-              <a:tr h="1828">
+              <a:tr h="1959">
                 <a:tc>
                   <a:txBody>
                     <a:bodyPr/>
@@ -7466,12 +7236,885 @@
                             <a:srgbClr val="000000"/>
                           </a:solidFill>
                         </a:rPr>
+                        <a:t>Security Baseline</a:t>
+                      </a:r>
+                    </a:p>
+                  </a:txBody>
+                  <a:tcPr>
+                    <a:solidFill>
+                      <a:srgbClr val="FFBF00"/>
+                    </a:solidFill>
+                  </a:tcPr>
+                </a:tc>
+                <a:tc>
+                  <a:txBody>
+                    <a:bodyPr/>
+                    <a:lstStyle/>
+                    <a:p>
+                      <a:r>
+                        <a:rPr b="1" sz="1000">
+                          <a:solidFill>
+                            <a:srgbClr val="000000"/>
+                          </a:solidFill>
+                        </a:rPr>
+                        <a:t>Alignment with industry best practices</a:t>
+                      </a:r>
+                    </a:p>
+                  </a:txBody>
+                  <a:tcPr>
+                    <a:solidFill>
+                      <a:srgbClr val="D3D3D3"/>
+                    </a:solidFill>
+                  </a:tcPr>
+                </a:tc>
+                <a:tc>
+                  <a:txBody>
+                    <a:bodyPr/>
+                    <a:lstStyle/>
+                    <a:p>
+                      <a:r>
+                        <a:rPr sz="1000">
+                          <a:solidFill>
+                            <a:srgbClr val="000000"/>
+                          </a:solidFill>
+                        </a:rPr>
+                        <a:t>Networks</a:t>
+                      </a:r>
+                    </a:p>
+                  </a:txBody>
+                  <a:tcPr>
+                    <a:solidFill>
+                      <a:srgbClr val="DCDCDC"/>
+                    </a:solidFill>
+                  </a:tcPr>
+                </a:tc>
+                <a:tc>
+                  <a:txBody>
+                    <a:bodyPr/>
+                    <a:lstStyle/>
+                    <a:p>
+                      <a:r>
+                        <a:rPr sz="1000">
+                          <a:solidFill>
+                            <a:srgbClr val="000000"/>
+                          </a:solidFill>
+                        </a:rPr>
+                        <a:t>45%</a:t>
+                      </a:r>
+                    </a:p>
+                  </a:txBody>
+                  <a:tcPr>
+                    <a:solidFill>
+                      <a:srgbClr val="FE0005"/>
+                    </a:solidFill>
+                  </a:tcPr>
+                </a:tc>
+                <a:tc>
+                  <a:txBody>
+                    <a:bodyPr/>
+                    <a:lstStyle/>
+                    <a:p>
+                      <a:r>
+                        <a:rPr sz="1000">
+                          <a:solidFill>
+                            <a:srgbClr val="000000"/>
+                          </a:solidFill>
+                        </a:rPr>
+                        <a:t>67%</a:t>
+                      </a:r>
+                    </a:p>
+                  </a:txBody>
+                  <a:tcPr>
+                    <a:solidFill>
+                      <a:srgbClr val="FFBF00"/>
+                    </a:solidFill>
+                  </a:tcPr>
+                </a:tc>
+                <a:tc>
+                  <a:txBody>
+                    <a:bodyPr/>
+                    <a:lstStyle/>
+                    <a:p>
+                      <a:r>
+                        <a:rPr sz="1000">
+                          <a:solidFill>
+                            <a:srgbClr val="000000"/>
+                          </a:solidFill>
+                        </a:rPr>
+                        <a:t> </a:t>
+                      </a:r>
+                    </a:p>
+                  </a:txBody>
+                  <a:tcPr/>
+                </a:tc>
+              </a:tr>
+              <a:tr h="1959">
+                <a:tc>
+                  <a:txBody>
+                    <a:bodyPr/>
+                    <a:lstStyle/>
+                    <a:p/>
+                  </a:txBody>
+                  <a:tcPr>
+                    <a:solidFill>
+                      <a:srgbClr val="FFBF00"/>
+                    </a:solidFill>
+                  </a:tcPr>
+                </a:tc>
+                <a:tc>
+                  <a:txBody>
+                    <a:bodyPr/>
+                    <a:lstStyle/>
+                    <a:p/>
+                  </a:txBody>
+                  <a:tcPr>
+                    <a:solidFill>
+                      <a:srgbClr val="D3D3D3"/>
+                    </a:solidFill>
+                  </a:tcPr>
+                </a:tc>
+                <a:tc>
+                  <a:txBody>
+                    <a:bodyPr/>
+                    <a:lstStyle/>
+                    <a:p>
+                      <a:r>
+                        <a:rPr sz="1000">
+                          <a:solidFill>
+                            <a:srgbClr val="000000"/>
+                          </a:solidFill>
+                        </a:rPr>
+                        <a:t>Servers</a:t>
+                      </a:r>
+                    </a:p>
+                  </a:txBody>
+                  <a:tcPr>
+                    <a:solidFill>
+                      <a:srgbClr val="DCDCDC"/>
+                    </a:solidFill>
+                  </a:tcPr>
+                </a:tc>
+                <a:tc>
+                  <a:txBody>
+                    <a:bodyPr/>
+                    <a:lstStyle/>
+                    <a:p>
+                      <a:r>
+                        <a:rPr sz="1000">
+                          <a:solidFill>
+                            <a:srgbClr val="000000"/>
+                          </a:solidFill>
+                        </a:rPr>
+                        <a:t>88%</a:t>
+                      </a:r>
+                    </a:p>
+                  </a:txBody>
+                  <a:tcPr>
+                    <a:solidFill>
+                      <a:srgbClr val="9ACD32"/>
+                    </a:solidFill>
+                  </a:tcPr>
+                </a:tc>
+                <a:tc>
+                  <a:txBody>
+                    <a:bodyPr/>
+                    <a:lstStyle/>
+                    <a:p>
+                      <a:r>
+                        <a:rPr sz="1000">
+                          <a:solidFill>
+                            <a:srgbClr val="000000"/>
+                          </a:solidFill>
+                        </a:rPr>
+                        <a:t>35%</a:t>
+                      </a:r>
+                    </a:p>
+                  </a:txBody>
+                  <a:tcPr>
+                    <a:solidFill>
+                      <a:srgbClr val="FE0005"/>
+                    </a:solidFill>
+                  </a:tcPr>
+                </a:tc>
+                <a:tc>
+                  <a:txBody>
+                    <a:bodyPr/>
+                    <a:lstStyle/>
+                    <a:p/>
+                  </a:txBody>
+                  <a:tcPr/>
+                </a:tc>
+              </a:tr>
+              <a:tr h="1959">
+                <a:tc>
+                  <a:txBody>
+                    <a:bodyPr/>
+                    <a:lstStyle/>
+                    <a:p/>
+                  </a:txBody>
+                  <a:tcPr>
+                    <a:solidFill>
+                      <a:srgbClr val="FFBF00"/>
+                    </a:solidFill>
+                  </a:tcPr>
+                </a:tc>
+                <a:tc>
+                  <a:txBody>
+                    <a:bodyPr/>
+                    <a:lstStyle/>
+                    <a:p/>
+                  </a:txBody>
+                  <a:tcPr>
+                    <a:solidFill>
+                      <a:srgbClr val="D3D3D3"/>
+                    </a:solidFill>
+                  </a:tcPr>
+                </a:tc>
+                <a:tc>
+                  <a:txBody>
+                    <a:bodyPr/>
+                    <a:lstStyle/>
+                    <a:p>
+                      <a:r>
+                        <a:rPr sz="1000">
+                          <a:solidFill>
+                            <a:srgbClr val="000000"/>
+                          </a:solidFill>
+                        </a:rPr>
+                        <a:t>Endpoints</a:t>
+                      </a:r>
+                    </a:p>
+                  </a:txBody>
+                  <a:tcPr>
+                    <a:solidFill>
+                      <a:srgbClr val="DCDCDC"/>
+                    </a:solidFill>
+                  </a:tcPr>
+                </a:tc>
+                <a:tc>
+                  <a:txBody>
+                    <a:bodyPr/>
+                    <a:lstStyle/>
+                    <a:p>
+                      <a:r>
+                        <a:rPr sz="1000">
+                          <a:solidFill>
+                            <a:srgbClr val="000000"/>
+                          </a:solidFill>
+                        </a:rPr>
+                        <a:t>99%</a:t>
+                      </a:r>
+                    </a:p>
+                  </a:txBody>
+                  <a:tcPr>
+                    <a:solidFill>
+                      <a:srgbClr val="9ACD32"/>
+                    </a:solidFill>
+                  </a:tcPr>
+                </a:tc>
+                <a:tc>
+                  <a:txBody>
+                    <a:bodyPr/>
+                    <a:lstStyle/>
+                    <a:p>
+                      <a:r>
+                        <a:rPr sz="1000">
+                          <a:solidFill>
+                            <a:srgbClr val="000000"/>
+                          </a:solidFill>
+                        </a:rPr>
+                        <a:t>23%</a:t>
+                      </a:r>
+                    </a:p>
+                  </a:txBody>
+                  <a:tcPr>
+                    <a:solidFill>
+                      <a:srgbClr val="FE0005"/>
+                    </a:solidFill>
+                  </a:tcPr>
+                </a:tc>
+                <a:tc>
+                  <a:txBody>
+                    <a:bodyPr/>
+                    <a:lstStyle/>
+                    <a:p/>
+                  </a:txBody>
+                  <a:tcPr/>
+                </a:tc>
+              </a:tr>
+              <a:tr h="1959">
+                <a:tc>
+                  <a:txBody>
+                    <a:bodyPr/>
+                    <a:lstStyle/>
+                    <a:p/>
+                  </a:txBody>
+                  <a:tcPr>
+                    <a:solidFill>
+                      <a:srgbClr val="FFBF00"/>
+                    </a:solidFill>
+                  </a:tcPr>
+                </a:tc>
+                <a:tc>
+                  <a:txBody>
+                    <a:bodyPr/>
+                    <a:lstStyle/>
+                    <a:p/>
+                  </a:txBody>
+                  <a:tcPr>
+                    <a:solidFill>
+                      <a:srgbClr val="D3D3D3"/>
+                    </a:solidFill>
+                  </a:tcPr>
+                </a:tc>
+                <a:tc>
+                  <a:txBody>
+                    <a:bodyPr/>
+                    <a:lstStyle/>
+                    <a:p>
+                      <a:r>
+                        <a:rPr sz="1000">
+                          <a:solidFill>
+                            <a:srgbClr val="000000"/>
+                          </a:solidFill>
+                        </a:rPr>
+                        <a:t>Database</a:t>
+                      </a:r>
+                    </a:p>
+                  </a:txBody>
+                  <a:tcPr>
+                    <a:solidFill>
+                      <a:srgbClr val="DCDCDC"/>
+                    </a:solidFill>
+                  </a:tcPr>
+                </a:tc>
+                <a:tc>
+                  <a:txBody>
+                    <a:bodyPr/>
+                    <a:lstStyle/>
+                    <a:p>
+                      <a:r>
+                        <a:rPr sz="1000">
+                          <a:solidFill>
+                            <a:srgbClr val="000000"/>
+                          </a:solidFill>
+                        </a:rPr>
+                        <a:t>67%</a:t>
+                      </a:r>
+                    </a:p>
+                  </a:txBody>
+                  <a:tcPr>
+                    <a:solidFill>
+                      <a:srgbClr val="FFBF00"/>
+                    </a:solidFill>
+                  </a:tcPr>
+                </a:tc>
+                <a:tc>
+                  <a:txBody>
+                    <a:bodyPr/>
+                    <a:lstStyle/>
+                    <a:p>
+                      <a:r>
+                        <a:rPr sz="1000">
+                          <a:solidFill>
+                            <a:srgbClr val="000000"/>
+                          </a:solidFill>
+                        </a:rPr>
+                        <a:t>12%</a:t>
+                      </a:r>
+                    </a:p>
+                  </a:txBody>
+                  <a:tcPr>
+                    <a:solidFill>
+                      <a:srgbClr val="FE0005"/>
+                    </a:solidFill>
+                  </a:tcPr>
+                </a:tc>
+                <a:tc>
+                  <a:txBody>
+                    <a:bodyPr/>
+                    <a:lstStyle/>
+                    <a:p/>
+                  </a:txBody>
+                  <a:tcPr/>
+                </a:tc>
+              </a:tr>
+              <a:tr h="1959">
+                <a:tc>
+                  <a:txBody>
+                    <a:bodyPr/>
+                    <a:lstStyle/>
+                    <a:p>
+                      <a:r>
+                        <a:rPr b="1" sz="1000">
+                          <a:solidFill>
+                            <a:srgbClr val="000000"/>
+                          </a:solidFill>
+                        </a:rPr>
+                        <a:t>Identity and Access Management</a:t>
+                      </a:r>
+                    </a:p>
+                  </a:txBody>
+                  <a:tcPr>
+                    <a:solidFill>
+                      <a:srgbClr val="FFBF00"/>
+                    </a:solidFill>
+                  </a:tcPr>
+                </a:tc>
+                <a:tc>
+                  <a:txBody>
+                    <a:bodyPr/>
+                    <a:lstStyle/>
+                    <a:p>
+                      <a:r>
+                        <a:rPr b="1" sz="1000">
+                          <a:solidFill>
+                            <a:srgbClr val="000000"/>
+                          </a:solidFill>
+                        </a:rPr>
+                        <a:t>Measure of Privileged accounts</a:t>
+                      </a:r>
+                    </a:p>
+                  </a:txBody>
+                  <a:tcPr>
+                    <a:solidFill>
+                      <a:srgbClr val="D3D3D3"/>
+                    </a:solidFill>
+                  </a:tcPr>
+                </a:tc>
+                <a:tc>
+                  <a:txBody>
+                    <a:bodyPr/>
+                    <a:lstStyle/>
+                    <a:p>
+                      <a:r>
+                        <a:rPr sz="1000">
+                          <a:solidFill>
+                            <a:srgbClr val="000000"/>
+                          </a:solidFill>
+                        </a:rPr>
+                        <a:t>Total # of Admin accounts</a:t>
+                      </a:r>
+                    </a:p>
+                  </a:txBody>
+                  <a:tcPr>
+                    <a:solidFill>
+                      <a:srgbClr val="DCDCDC"/>
+                    </a:solidFill>
+                  </a:tcPr>
+                </a:tc>
+                <a:tc>
+                  <a:txBody>
+                    <a:bodyPr/>
+                    <a:lstStyle/>
+                    <a:p>
+                      <a:r>
+                        <a:rPr sz="1000">
+                          <a:solidFill>
+                            <a:srgbClr val="000000"/>
+                          </a:solidFill>
+                        </a:rPr>
+                        <a:t>78</a:t>
+                      </a:r>
+                    </a:p>
+                  </a:txBody>
+                  <a:tcPr/>
+                </a:tc>
+                <a:tc>
+                  <a:txBody>
+                    <a:bodyPr/>
+                    <a:lstStyle/>
+                    <a:p>
+                      <a:r>
+                        <a:rPr sz="1000">
+                          <a:solidFill>
+                            <a:srgbClr val="000000"/>
+                          </a:solidFill>
+                        </a:rPr>
+                        <a:t>43</a:t>
+                      </a:r>
+                    </a:p>
+                  </a:txBody>
+                  <a:tcPr/>
+                </a:tc>
+                <a:tc>
+                  <a:txBody>
+                    <a:bodyPr/>
+                    <a:lstStyle/>
+                    <a:p/>
+                  </a:txBody>
+                  <a:tcPr/>
+                </a:tc>
+              </a:tr>
+              <a:tr h="1959">
+                <a:tc>
+                  <a:txBody>
+                    <a:bodyPr/>
+                    <a:lstStyle/>
+                    <a:p/>
+                  </a:txBody>
+                  <a:tcPr>
+                    <a:solidFill>
+                      <a:srgbClr val="FFBF00"/>
+                    </a:solidFill>
+                  </a:tcPr>
+                </a:tc>
+                <a:tc>
+                  <a:txBody>
+                    <a:bodyPr/>
+                    <a:lstStyle/>
+                    <a:p/>
+                  </a:txBody>
+                  <a:tcPr>
+                    <a:solidFill>
+                      <a:srgbClr val="D3D3D3"/>
+                    </a:solidFill>
+                  </a:tcPr>
+                </a:tc>
+                <a:tc>
+                  <a:txBody>
+                    <a:bodyPr/>
+                    <a:lstStyle/>
+                    <a:p>
+                      <a:r>
+                        <a:rPr sz="1000">
+                          <a:solidFill>
+                            <a:srgbClr val="000000"/>
+                          </a:solidFill>
+                        </a:rPr>
+                        <a:t># of 2FA Admin accounts </a:t>
+                      </a:r>
+                    </a:p>
+                  </a:txBody>
+                  <a:tcPr>
+                    <a:solidFill>
+                      <a:srgbClr val="DCDCDC"/>
+                    </a:solidFill>
+                  </a:tcPr>
+                </a:tc>
+                <a:tc>
+                  <a:txBody>
+                    <a:bodyPr/>
+                    <a:lstStyle/>
+                    <a:p>
+                      <a:r>
+                        <a:rPr sz="1000">
+                          <a:solidFill>
+                            <a:srgbClr val="000000"/>
+                          </a:solidFill>
+                        </a:rPr>
+                        <a:t>98</a:t>
+                      </a:r>
+                    </a:p>
+                  </a:txBody>
+                  <a:tcPr/>
+                </a:tc>
+                <a:tc>
+                  <a:txBody>
+                    <a:bodyPr/>
+                    <a:lstStyle/>
+                    <a:p>
+                      <a:r>
+                        <a:rPr sz="1000">
+                          <a:solidFill>
+                            <a:srgbClr val="000000"/>
+                          </a:solidFill>
+                        </a:rPr>
+                        <a:t>54</a:t>
+                      </a:r>
+                    </a:p>
+                  </a:txBody>
+                  <a:tcPr/>
+                </a:tc>
+                <a:tc>
+                  <a:txBody>
+                    <a:bodyPr/>
+                    <a:lstStyle/>
+                    <a:p/>
+                  </a:txBody>
+                  <a:tcPr/>
+                </a:tc>
+              </a:tr>
+              <a:tr h="1959">
+                <a:tc>
+                  <a:txBody>
+                    <a:bodyPr/>
+                    <a:lstStyle/>
+                    <a:p/>
+                  </a:txBody>
+                  <a:tcPr>
+                    <a:solidFill>
+                      <a:srgbClr val="FFBF00"/>
+                    </a:solidFill>
+                  </a:tcPr>
+                </a:tc>
+                <a:tc>
+                  <a:txBody>
+                    <a:bodyPr/>
+                    <a:lstStyle/>
+                    <a:p/>
+                  </a:txBody>
+                  <a:tcPr>
+                    <a:solidFill>
+                      <a:srgbClr val="D3D3D3"/>
+                    </a:solidFill>
+                  </a:tcPr>
+                </a:tc>
+                <a:tc>
+                  <a:txBody>
+                    <a:bodyPr/>
+                    <a:lstStyle/>
+                    <a:p>
+                      <a:r>
+                        <a:rPr sz="1000">
+                          <a:solidFill>
+                            <a:srgbClr val="000000"/>
+                          </a:solidFill>
+                        </a:rPr>
+                        <a:t># of Generic Admin accounts without owner</a:t>
+                      </a:r>
+                    </a:p>
+                  </a:txBody>
+                  <a:tcPr>
+                    <a:solidFill>
+                      <a:srgbClr val="DCDCDC"/>
+                    </a:solidFill>
+                  </a:tcPr>
+                </a:tc>
+                <a:tc>
+                  <a:txBody>
+                    <a:bodyPr/>
+                    <a:lstStyle/>
+                    <a:p>
+                      <a:r>
+                        <a:rPr sz="1000">
+                          <a:solidFill>
+                            <a:srgbClr val="000000"/>
+                          </a:solidFill>
+                        </a:rPr>
+                        <a:t>90</a:t>
+                      </a:r>
+                    </a:p>
+                  </a:txBody>
+                  <a:tcPr/>
+                </a:tc>
+                <a:tc>
+                  <a:txBody>
+                    <a:bodyPr/>
+                    <a:lstStyle/>
+                    <a:p>
+                      <a:r>
+                        <a:rPr sz="1000">
+                          <a:solidFill>
+                            <a:srgbClr val="000000"/>
+                          </a:solidFill>
+                        </a:rPr>
+                        <a:t>74</a:t>
+                      </a:r>
+                    </a:p>
+                  </a:txBody>
+                  <a:tcPr/>
+                </a:tc>
+                <a:tc>
+                  <a:txBody>
+                    <a:bodyPr/>
+                    <a:lstStyle/>
+                    <a:p/>
+                  </a:txBody>
+                  <a:tcPr/>
+                </a:tc>
+              </a:tr>
+              <a:tr h="1959">
+                <a:tc>
+                  <a:txBody>
+                    <a:bodyPr/>
+                    <a:lstStyle/>
+                    <a:p>
+                      <a:r>
+                        <a:rPr b="1" sz="1000">
+                          <a:solidFill>
+                            <a:srgbClr val="000000"/>
+                          </a:solidFill>
+                        </a:rPr>
                         <a:t>Vulnerability Landscape</a:t>
                       </a:r>
                     </a:p>
                   </a:txBody>
                   <a:tcPr>
                     <a:solidFill>
+                      <a:srgbClr val="FFBF00"/>
+                    </a:solidFill>
+                  </a:tcPr>
+                </a:tc>
+                <a:tc>
+                  <a:txBody>
+                    <a:bodyPr/>
+                    <a:lstStyle/>
+                    <a:p>
+                      <a:r>
+                        <a:rPr b="1" sz="1000">
+                          <a:solidFill>
+                            <a:srgbClr val="000000"/>
+                          </a:solidFill>
+                        </a:rPr>
+                        <a:t>Measure of Vulnerabilities in infrastructure </a:t>
+                      </a:r>
+                    </a:p>
+                  </a:txBody>
+                  <a:tcPr>
+                    <a:solidFill>
+                      <a:srgbClr val="D3D3D3"/>
+                    </a:solidFill>
+                  </a:tcPr>
+                </a:tc>
+                <a:tc>
+                  <a:txBody>
+                    <a:bodyPr/>
+                    <a:lstStyle/>
+                    <a:p>
+                      <a:r>
+                        <a:rPr sz="1000">
+                          <a:solidFill>
+                            <a:srgbClr val="000000"/>
+                          </a:solidFill>
+                        </a:rPr>
+                        <a:t>% of assets with High and critical (4&amp;5) vulnerabilities</a:t>
+                      </a:r>
+                    </a:p>
+                  </a:txBody>
+                  <a:tcPr>
+                    <a:solidFill>
+                      <a:srgbClr val="DCDCDC"/>
+                    </a:solidFill>
+                  </a:tcPr>
+                </a:tc>
+                <a:tc>
+                  <a:txBody>
+                    <a:bodyPr/>
+                    <a:lstStyle/>
+                    <a:p>
+                      <a:r>
+                        <a:rPr sz="1000">
+                          <a:solidFill>
+                            <a:srgbClr val="000000"/>
+                          </a:solidFill>
+                        </a:rPr>
+                        <a:t> </a:t>
+                      </a:r>
+                    </a:p>
+                  </a:txBody>
+                  <a:tcPr>
+                    <a:solidFill>
+                      <a:srgbClr val="DCDCDC"/>
+                    </a:solidFill>
+                  </a:tcPr>
+                </a:tc>
+                <a:tc>
+                  <a:txBody>
+                    <a:bodyPr/>
+                    <a:lstStyle/>
+                    <a:p>
+                      <a:r>
+                        <a:rPr sz="1000">
+                          <a:solidFill>
+                            <a:srgbClr val="000000"/>
+                          </a:solidFill>
+                        </a:rPr>
+                        <a:t> </a:t>
+                      </a:r>
+                    </a:p>
+                  </a:txBody>
+                  <a:tcPr>
+                    <a:solidFill>
+                      <a:srgbClr val="DCDCDC"/>
+                    </a:solidFill>
+                  </a:tcPr>
+                </a:tc>
+                <a:tc>
+                  <a:txBody>
+                    <a:bodyPr/>
+                    <a:lstStyle/>
+                    <a:p>
+                      <a:r>
+                        <a:rPr sz="1000">
+                          <a:solidFill>
+                            <a:srgbClr val="000000"/>
+                          </a:solidFill>
+                        </a:rPr>
+                        <a:t> </a:t>
+                      </a:r>
+                    </a:p>
+                  </a:txBody>
+                  <a:tcPr>
+                    <a:solidFill>
+                      <a:srgbClr val="DCDCDC"/>
+                    </a:solidFill>
+                  </a:tcPr>
+                </a:tc>
+              </a:tr>
+              <a:tr h="1959">
+                <a:tc>
+                  <a:txBody>
+                    <a:bodyPr/>
+                    <a:lstStyle/>
+                    <a:p/>
+                  </a:txBody>
+                  <a:tcPr>
+                    <a:solidFill>
+                      <a:srgbClr val="FFBF00"/>
+                    </a:solidFill>
+                  </a:tcPr>
+                </a:tc>
+                <a:tc>
+                  <a:txBody>
+                    <a:bodyPr/>
+                    <a:lstStyle/>
+                    <a:p/>
+                  </a:txBody>
+                  <a:tcPr>
+                    <a:solidFill>
+                      <a:srgbClr val="D3D3D3"/>
+                    </a:solidFill>
+                  </a:tcPr>
+                </a:tc>
+                <a:tc>
+                  <a:txBody>
+                    <a:bodyPr/>
+                    <a:lstStyle/>
+                    <a:p>
+                      <a:r>
+                        <a:rPr sz="1000">
+                          <a:solidFill>
+                            <a:srgbClr val="000000"/>
+                          </a:solidFill>
+                        </a:rPr>
+                        <a:t>Networks</a:t>
+                      </a:r>
+                    </a:p>
+                  </a:txBody>
+                  <a:tcPr>
+                    <a:solidFill>
+                      <a:srgbClr val="DCDCDC"/>
+                    </a:solidFill>
+                  </a:tcPr>
+                </a:tc>
+                <a:tc>
+                  <a:txBody>
+                    <a:bodyPr/>
+                    <a:lstStyle/>
+                    <a:p>
+                      <a:r>
+                        <a:rPr sz="1000">
+                          <a:solidFill>
+                            <a:srgbClr val="000000"/>
+                          </a:solidFill>
+                        </a:rPr>
+                        <a:t>56%</a:t>
+                      </a:r>
+                    </a:p>
+                  </a:txBody>
+                  <a:tcPr>
+                    <a:solidFill>
                       <a:srgbClr val="FE0005"/>
                     </a:solidFill>
                   </a:tcPr>
@@ -7482,14 +8125,48 @@
                     <a:lstStyle/>
                     <a:p>
                       <a:r>
-                        <a:rPr b="1" sz="1000">
-                          <a:solidFill>
-                            <a:srgbClr val="000000"/>
-                          </a:solidFill>
-                        </a:rPr>
-                        <a:t>Are we in Control ?</a:t>
-                      </a:r>
-                    </a:p>
+                        <a:rPr sz="1000">
+                          <a:solidFill>
+                            <a:srgbClr val="000000"/>
+                          </a:solidFill>
+                        </a:rPr>
+                        <a:t>26%</a:t>
+                      </a:r>
+                    </a:p>
+                  </a:txBody>
+                  <a:tcPr>
+                    <a:solidFill>
+                      <a:srgbClr val="FE0005"/>
+                    </a:solidFill>
+                  </a:tcPr>
+                </a:tc>
+                <a:tc>
+                  <a:txBody>
+                    <a:bodyPr/>
+                    <a:lstStyle/>
+                    <a:p/>
+                  </a:txBody>
+                  <a:tcPr/>
+                </a:tc>
+              </a:tr>
+              <a:tr h="1959">
+                <a:tc>
+                  <a:txBody>
+                    <a:bodyPr/>
+                    <a:lstStyle/>
+                    <a:p/>
+                  </a:txBody>
+                  <a:tcPr>
+                    <a:solidFill>
+                      <a:srgbClr val="FFBF00"/>
+                    </a:solidFill>
+                  </a:tcPr>
+                </a:tc>
+                <a:tc>
+                  <a:txBody>
+                    <a:bodyPr/>
+                    <a:lstStyle/>
+                    <a:p/>
                   </a:txBody>
                   <a:tcPr>
                     <a:solidFill>
@@ -7508,7 +8185,7 @@
                             <a:srgbClr val="000000"/>
                           </a:solidFill>
                         </a:rPr>
-                        <a:t>Average Time to Remediate last cycle (in # of days)</a:t>
+                        <a:t>Servers</a:t>
                       </a:r>
                     </a:p>
                   </a:txBody>
@@ -7529,7 +8206,83 @@
                             <a:srgbClr val="000000"/>
                           </a:solidFill>
                         </a:rPr>
-                        <a:t> </a:t>
+                        <a:t>89%</a:t>
+                      </a:r>
+                    </a:p>
+                  </a:txBody>
+                  <a:tcPr>
+                    <a:solidFill>
+                      <a:srgbClr val="FE0005"/>
+                    </a:solidFill>
+                  </a:tcPr>
+                </a:tc>
+                <a:tc>
+                  <a:txBody>
+                    <a:bodyPr/>
+                    <a:lstStyle/>
+                    <a:p>
+                      <a:r>
+                        <a:rPr sz="1000">
+                          <a:solidFill>
+                            <a:srgbClr val="000000"/>
+                          </a:solidFill>
+                        </a:rPr>
+                        <a:t>85%</a:t>
+                      </a:r>
+                    </a:p>
+                  </a:txBody>
+                  <a:tcPr>
+                    <a:solidFill>
+                      <a:srgbClr val="FE0005"/>
+                    </a:solidFill>
+                  </a:tcPr>
+                </a:tc>
+                <a:tc>
+                  <a:txBody>
+                    <a:bodyPr/>
+                    <a:lstStyle/>
+                    <a:p/>
+                  </a:txBody>
+                  <a:tcPr/>
+                </a:tc>
+              </a:tr>
+              <a:tr h="1959">
+                <a:tc>
+                  <a:txBody>
+                    <a:bodyPr/>
+                    <a:lstStyle/>
+                    <a:p/>
+                  </a:txBody>
+                  <a:tcPr>
+                    <a:solidFill>
+                      <a:srgbClr val="FFBF00"/>
+                    </a:solidFill>
+                  </a:tcPr>
+                </a:tc>
+                <a:tc>
+                  <a:txBody>
+                    <a:bodyPr/>
+                    <a:lstStyle/>
+                    <a:p/>
+                  </a:txBody>
+                  <a:tcPr>
+                    <a:solidFill>
+                      <a:srgbClr val="D3D3D3"/>
+                    </a:solidFill>
+                  </a:tcPr>
+                </a:tc>
+                <a:tc>
+                  <a:txBody>
+                    <a:bodyPr/>
+                    <a:lstStyle/>
+                    <a:p>
+                      <a:r>
+                        <a:rPr sz="1000">
+                          <a:solidFill>
+                            <a:srgbClr val="000000"/>
+                          </a:solidFill>
+                        </a:rPr>
+                        <a:t>Endpoints</a:t>
                       </a:r>
                     </a:p>
                   </a:txBody>
@@ -7550,7 +8303,83 @@
                             <a:srgbClr val="000000"/>
                           </a:solidFill>
                         </a:rPr>
-                        <a:t> </a:t>
+                        <a:t>89%</a:t>
+                      </a:r>
+                    </a:p>
+                  </a:txBody>
+                  <a:tcPr>
+                    <a:solidFill>
+                      <a:srgbClr val="FE0005"/>
+                    </a:solidFill>
+                  </a:tcPr>
+                </a:tc>
+                <a:tc>
+                  <a:txBody>
+                    <a:bodyPr/>
+                    <a:lstStyle/>
+                    <a:p>
+                      <a:r>
+                        <a:rPr sz="1000">
+                          <a:solidFill>
+                            <a:srgbClr val="000000"/>
+                          </a:solidFill>
+                        </a:rPr>
+                        <a:t>23%</a:t>
+                      </a:r>
+                    </a:p>
+                  </a:txBody>
+                  <a:tcPr>
+                    <a:solidFill>
+                      <a:srgbClr val="FE0005"/>
+                    </a:solidFill>
+                  </a:tcPr>
+                </a:tc>
+                <a:tc>
+                  <a:txBody>
+                    <a:bodyPr/>
+                    <a:lstStyle/>
+                    <a:p/>
+                  </a:txBody>
+                  <a:tcPr/>
+                </a:tc>
+              </a:tr>
+              <a:tr h="1959">
+                <a:tc>
+                  <a:txBody>
+                    <a:bodyPr/>
+                    <a:lstStyle/>
+                    <a:p/>
+                  </a:txBody>
+                  <a:tcPr>
+                    <a:solidFill>
+                      <a:srgbClr val="FFBF00"/>
+                    </a:solidFill>
+                  </a:tcPr>
+                </a:tc>
+                <a:tc>
+                  <a:txBody>
+                    <a:bodyPr/>
+                    <a:lstStyle/>
+                    <a:p/>
+                  </a:txBody>
+                  <a:tcPr>
+                    <a:solidFill>
+                      <a:srgbClr val="D3D3D3"/>
+                    </a:solidFill>
+                  </a:tcPr>
+                </a:tc>
+                <a:tc>
+                  <a:txBody>
+                    <a:bodyPr/>
+                    <a:lstStyle/>
+                    <a:p>
+                      <a:r>
+                        <a:rPr sz="1000">
+                          <a:solidFill>
+                            <a:srgbClr val="000000"/>
+                          </a:solidFill>
+                        </a:rPr>
+                        <a:t>Database</a:t>
                       </a:r>
                     </a:p>
                   </a:txBody>
@@ -7571,7 +8400,83 @@
                             <a:srgbClr val="000000"/>
                           </a:solidFill>
                         </a:rPr>
-                        <a:t> </a:t>
+                        <a:t>98%</a:t>
+                      </a:r>
+                    </a:p>
+                  </a:txBody>
+                  <a:tcPr>
+                    <a:solidFill>
+                      <a:srgbClr val="FE0005"/>
+                    </a:solidFill>
+                  </a:tcPr>
+                </a:tc>
+                <a:tc>
+                  <a:txBody>
+                    <a:bodyPr/>
+                    <a:lstStyle/>
+                    <a:p>
+                      <a:r>
+                        <a:rPr sz="1000">
+                          <a:solidFill>
+                            <a:srgbClr val="000000"/>
+                          </a:solidFill>
+                        </a:rPr>
+                        <a:t>84%</a:t>
+                      </a:r>
+                    </a:p>
+                  </a:txBody>
+                  <a:tcPr>
+                    <a:solidFill>
+                      <a:srgbClr val="FE0005"/>
+                    </a:solidFill>
+                  </a:tcPr>
+                </a:tc>
+                <a:tc>
+                  <a:txBody>
+                    <a:bodyPr/>
+                    <a:lstStyle/>
+                    <a:p/>
+                  </a:txBody>
+                  <a:tcPr/>
+                </a:tc>
+              </a:tr>
+              <a:tr h="1965">
+                <a:tc>
+                  <a:txBody>
+                    <a:bodyPr/>
+                    <a:lstStyle/>
+                    <a:p/>
+                  </a:txBody>
+                  <a:tcPr>
+                    <a:solidFill>
+                      <a:srgbClr val="FFBF00"/>
+                    </a:solidFill>
+                  </a:tcPr>
+                </a:tc>
+                <a:tc>
+                  <a:txBody>
+                    <a:bodyPr/>
+                    <a:lstStyle/>
+                    <a:p/>
+                  </a:txBody>
+                  <a:tcPr>
+                    <a:solidFill>
+                      <a:srgbClr val="D3D3D3"/>
+                    </a:solidFill>
+                  </a:tcPr>
+                </a:tc>
+                <a:tc>
+                  <a:txBody>
+                    <a:bodyPr/>
+                    <a:lstStyle/>
+                    <a:p>
+                      <a:r>
+                        <a:rPr sz="1000">
+                          <a:solidFill>
+                            <a:srgbClr val="000000"/>
+                          </a:solidFill>
+                        </a:rPr>
+                        <a:t>Applications</a:t>
                       </a:r>
                     </a:p>
                   </a:txBody>
@@ -7581,13 +8486,20 @@
                     </a:solidFill>
                   </a:tcPr>
                 </a:tc>
-              </a:tr>
-              <a:tr h="1828">
-                <a:tc>
-                  <a:txBody>
-                    <a:bodyPr/>
-                    <a:lstStyle/>
-                    <a:p/>
+                <a:tc>
+                  <a:txBody>
+                    <a:bodyPr/>
+                    <a:lstStyle/>
+                    <a:p>
+                      <a:r>
+                        <a:rPr sz="1000">
+                          <a:solidFill>
+                            <a:srgbClr val="000000"/>
+                          </a:solidFill>
+                        </a:rPr>
+                        <a:t>34%</a:t>
+                      </a:r>
+                    </a:p>
                   </a:txBody>
                   <a:tcPr>
                     <a:solidFill>
@@ -7599,1258 +8511,14 @@
                   <a:txBody>
                     <a:bodyPr/>
                     <a:lstStyle/>
-                    <a:p/>
-                  </a:txBody>
-                  <a:tcPr>
-                    <a:solidFill>
-                      <a:srgbClr val="D3D3D3"/>
-                    </a:solidFill>
-                  </a:tcPr>
-                </a:tc>
-                <a:tc>
-                  <a:txBody>
-                    <a:bodyPr/>
-                    <a:lstStyle/>
-                    <a:p>
-                      <a:r>
-                        <a:rPr sz="1000">
-                          <a:solidFill>
-                            <a:srgbClr val="000000"/>
-                          </a:solidFill>
-                        </a:rPr>
-                        <a:t>Networks</a:t>
-                      </a:r>
-                    </a:p>
-                  </a:txBody>
-                  <a:tcPr>
-                    <a:solidFill>
-                      <a:srgbClr val="DCDCDC"/>
-                    </a:solidFill>
-                  </a:tcPr>
-                </a:tc>
-                <a:tc>
-                  <a:txBody>
-                    <a:bodyPr/>
-                    <a:lstStyle/>
-                    <a:p>
-                      <a:r>
-                        <a:rPr sz="1000">
-                          <a:solidFill>
-                            <a:srgbClr val="000000"/>
-                          </a:solidFill>
-                        </a:rPr>
-                        <a:t>45 days</a:t>
-                      </a:r>
-                    </a:p>
-                  </a:txBody>
-                  <a:tcPr>
-                    <a:solidFill>
-                      <a:srgbClr val="9ACD32"/>
-                    </a:solidFill>
-                  </a:tcPr>
-                </a:tc>
-                <a:tc>
-                  <a:txBody>
-                    <a:bodyPr/>
-                    <a:lstStyle/>
-                    <a:p>
-                      <a:r>
-                        <a:rPr sz="1000">
-                          <a:solidFill>
-                            <a:srgbClr val="000000"/>
-                          </a:solidFill>
-                        </a:rPr>
-                        <a:t>54 days</a:t>
-                      </a:r>
-                    </a:p>
-                  </a:txBody>
-                  <a:tcPr>
-                    <a:solidFill>
-                      <a:srgbClr val="9ACD32"/>
-                    </a:solidFill>
-                  </a:tcPr>
-                </a:tc>
-                <a:tc>
-                  <a:txBody>
-                    <a:bodyPr/>
-                    <a:lstStyle/>
-                    <a:p/>
-                  </a:txBody>
-                  <a:tcPr/>
-                </a:tc>
-              </a:tr>
-              <a:tr h="1828">
-                <a:tc>
-                  <a:txBody>
-                    <a:bodyPr/>
-                    <a:lstStyle/>
-                    <a:p/>
-                  </a:txBody>
-                  <a:tcPr>
-                    <a:solidFill>
-                      <a:srgbClr val="FE0005"/>
-                    </a:solidFill>
-                  </a:tcPr>
-                </a:tc>
-                <a:tc>
-                  <a:txBody>
-                    <a:bodyPr/>
-                    <a:lstStyle/>
-                    <a:p/>
-                  </a:txBody>
-                  <a:tcPr>
-                    <a:solidFill>
-                      <a:srgbClr val="D3D3D3"/>
-                    </a:solidFill>
-                  </a:tcPr>
-                </a:tc>
-                <a:tc>
-                  <a:txBody>
-                    <a:bodyPr/>
-                    <a:lstStyle/>
-                    <a:p>
-                      <a:r>
-                        <a:rPr sz="1000">
-                          <a:solidFill>
-                            <a:srgbClr val="000000"/>
-                          </a:solidFill>
-                        </a:rPr>
-                        <a:t>Servers</a:t>
-                      </a:r>
-                    </a:p>
-                  </a:txBody>
-                  <a:tcPr>
-                    <a:solidFill>
-                      <a:srgbClr val="DCDCDC"/>
-                    </a:solidFill>
-                  </a:tcPr>
-                </a:tc>
-                <a:tc>
-                  <a:txBody>
-                    <a:bodyPr/>
-                    <a:lstStyle/>
-                    <a:p>
-                      <a:r>
-                        <a:rPr sz="1000">
-                          <a:solidFill>
-                            <a:srgbClr val="000000"/>
-                          </a:solidFill>
-                        </a:rPr>
-                        <a:t>56 days</a:t>
-                      </a:r>
-                    </a:p>
-                  </a:txBody>
-                  <a:tcPr>
-                    <a:solidFill>
-                      <a:srgbClr val="9ACD32"/>
-                    </a:solidFill>
-                  </a:tcPr>
-                </a:tc>
-                <a:tc>
-                  <a:txBody>
-                    <a:bodyPr/>
-                    <a:lstStyle/>
-                    <a:p>
-                      <a:r>
-                        <a:rPr sz="1000">
-                          <a:solidFill>
-                            <a:srgbClr val="000000"/>
-                          </a:solidFill>
-                        </a:rPr>
-                        <a:t>25 days</a:t>
-                      </a:r>
-                    </a:p>
-                  </a:txBody>
-                  <a:tcPr>
-                    <a:solidFill>
-                      <a:srgbClr val="9ACD32"/>
-                    </a:solidFill>
-                  </a:tcPr>
-                </a:tc>
-                <a:tc>
-                  <a:txBody>
-                    <a:bodyPr/>
-                    <a:lstStyle/>
-                    <a:p/>
-                  </a:txBody>
-                  <a:tcPr/>
-                </a:tc>
-              </a:tr>
-              <a:tr h="1828">
-                <a:tc>
-                  <a:txBody>
-                    <a:bodyPr/>
-                    <a:lstStyle/>
-                    <a:p/>
-                  </a:txBody>
-                  <a:tcPr>
-                    <a:solidFill>
-                      <a:srgbClr val="FE0005"/>
-                    </a:solidFill>
-                  </a:tcPr>
-                </a:tc>
-                <a:tc>
-                  <a:txBody>
-                    <a:bodyPr/>
-                    <a:lstStyle/>
-                    <a:p/>
-                  </a:txBody>
-                  <a:tcPr>
-                    <a:solidFill>
-                      <a:srgbClr val="D3D3D3"/>
-                    </a:solidFill>
-                  </a:tcPr>
-                </a:tc>
-                <a:tc>
-                  <a:txBody>
-                    <a:bodyPr/>
-                    <a:lstStyle/>
-                    <a:p>
-                      <a:r>
-                        <a:rPr sz="1000">
-                          <a:solidFill>
-                            <a:srgbClr val="000000"/>
-                          </a:solidFill>
-                        </a:rPr>
-                        <a:t>Endpoints</a:t>
-                      </a:r>
-                    </a:p>
-                  </a:txBody>
-                  <a:tcPr>
-                    <a:solidFill>
-                      <a:srgbClr val="DCDCDC"/>
-                    </a:solidFill>
-                  </a:tcPr>
-                </a:tc>
-                <a:tc>
-                  <a:txBody>
-                    <a:bodyPr/>
-                    <a:lstStyle/>
-                    <a:p>
-                      <a:r>
-                        <a:rPr sz="1000">
-                          <a:solidFill>
-                            <a:srgbClr val="000000"/>
-                          </a:solidFill>
-                        </a:rPr>
-                        <a:t>76 days</a:t>
-                      </a:r>
-                    </a:p>
-                  </a:txBody>
-                  <a:tcPr>
-                    <a:solidFill>
-                      <a:srgbClr val="FFBF00"/>
-                    </a:solidFill>
-                  </a:tcPr>
-                </a:tc>
-                <a:tc>
-                  <a:txBody>
-                    <a:bodyPr/>
-                    <a:lstStyle/>
-                    <a:p>
-                      <a:r>
-                        <a:rPr sz="1000">
-                          <a:solidFill>
-                            <a:srgbClr val="000000"/>
-                          </a:solidFill>
-                        </a:rPr>
-                        <a:t>86 days</a:t>
-                      </a:r>
-                    </a:p>
-                  </a:txBody>
-                  <a:tcPr>
-                    <a:solidFill>
-                      <a:srgbClr val="FFBF00"/>
-                    </a:solidFill>
-                  </a:tcPr>
-                </a:tc>
-                <a:tc>
-                  <a:txBody>
-                    <a:bodyPr/>
-                    <a:lstStyle/>
-                    <a:p/>
-                  </a:txBody>
-                  <a:tcPr/>
-                </a:tc>
-              </a:tr>
-              <a:tr h="1828">
-                <a:tc>
-                  <a:txBody>
-                    <a:bodyPr/>
-                    <a:lstStyle/>
-                    <a:p/>
-                  </a:txBody>
-                  <a:tcPr>
-                    <a:solidFill>
-                      <a:srgbClr val="FE0005"/>
-                    </a:solidFill>
-                  </a:tcPr>
-                </a:tc>
-                <a:tc>
-                  <a:txBody>
-                    <a:bodyPr/>
-                    <a:lstStyle/>
-                    <a:p/>
-                  </a:txBody>
-                  <a:tcPr>
-                    <a:solidFill>
-                      <a:srgbClr val="D3D3D3"/>
-                    </a:solidFill>
-                  </a:tcPr>
-                </a:tc>
-                <a:tc>
-                  <a:txBody>
-                    <a:bodyPr/>
-                    <a:lstStyle/>
-                    <a:p>
-                      <a:r>
-                        <a:rPr sz="1000">
-                          <a:solidFill>
-                            <a:srgbClr val="000000"/>
-                          </a:solidFill>
-                        </a:rPr>
-                        <a:t>Database</a:t>
-                      </a:r>
-                    </a:p>
-                  </a:txBody>
-                  <a:tcPr>
-                    <a:solidFill>
-                      <a:srgbClr val="DCDCDC"/>
-                    </a:solidFill>
-                  </a:tcPr>
-                </a:tc>
-                <a:tc>
-                  <a:txBody>
-                    <a:bodyPr/>
-                    <a:lstStyle/>
-                    <a:p>
-                      <a:r>
-                        <a:rPr sz="1000">
-                          <a:solidFill>
-                            <a:srgbClr val="000000"/>
-                          </a:solidFill>
-                        </a:rPr>
-                        <a:t>65 days</a:t>
-                      </a:r>
-                    </a:p>
-                  </a:txBody>
-                  <a:tcPr>
-                    <a:solidFill>
-                      <a:srgbClr val="FFBF00"/>
-                    </a:solidFill>
-                  </a:tcPr>
-                </a:tc>
-                <a:tc>
-                  <a:txBody>
-                    <a:bodyPr/>
-                    <a:lstStyle/>
-                    <a:p>
-                      <a:r>
-                        <a:rPr sz="1000">
-                          <a:solidFill>
-                            <a:srgbClr val="000000"/>
-                          </a:solidFill>
-                        </a:rPr>
-                        <a:t>24 days</a:t>
-                      </a:r>
-                    </a:p>
-                  </a:txBody>
-                  <a:tcPr>
-                    <a:solidFill>
-                      <a:srgbClr val="9ACD32"/>
-                    </a:solidFill>
-                  </a:tcPr>
-                </a:tc>
-                <a:tc>
-                  <a:txBody>
-                    <a:bodyPr/>
-                    <a:lstStyle/>
-                    <a:p/>
-                  </a:txBody>
-                  <a:tcPr/>
-                </a:tc>
-              </a:tr>
-              <a:tr h="1828">
-                <a:tc>
-                  <a:txBody>
-                    <a:bodyPr/>
-                    <a:lstStyle/>
-                    <a:p/>
-                  </a:txBody>
-                  <a:tcPr>
-                    <a:solidFill>
-                      <a:srgbClr val="FE0005"/>
-                    </a:solidFill>
-                  </a:tcPr>
-                </a:tc>
-                <a:tc>
-                  <a:txBody>
-                    <a:bodyPr/>
-                    <a:lstStyle/>
-                    <a:p/>
-                  </a:txBody>
-                  <a:tcPr>
-                    <a:solidFill>
-                      <a:srgbClr val="D3D3D3"/>
-                    </a:solidFill>
-                  </a:tcPr>
-                </a:tc>
-                <a:tc>
-                  <a:txBody>
-                    <a:bodyPr/>
-                    <a:lstStyle/>
-                    <a:p>
-                      <a:r>
-                        <a:rPr sz="1000">
-                          <a:solidFill>
-                            <a:srgbClr val="000000"/>
-                          </a:solidFill>
-                        </a:rPr>
-                        <a:t>Applications</a:t>
-                      </a:r>
-                    </a:p>
-                  </a:txBody>
-                  <a:tcPr>
-                    <a:solidFill>
-                      <a:srgbClr val="DCDCDC"/>
-                    </a:solidFill>
-                  </a:tcPr>
-                </a:tc>
-                <a:tc>
-                  <a:txBody>
-                    <a:bodyPr/>
-                    <a:lstStyle/>
-                    <a:p>
-                      <a:r>
-                        <a:rPr sz="1000">
-                          <a:solidFill>
-                            <a:srgbClr val="000000"/>
-                          </a:solidFill>
-                        </a:rPr>
-                        <a:t>54 days</a:t>
-                      </a:r>
-                    </a:p>
-                  </a:txBody>
-                  <a:tcPr>
-                    <a:solidFill>
-                      <a:srgbClr val="9ACD32"/>
-                    </a:solidFill>
-                  </a:tcPr>
-                </a:tc>
-                <a:tc>
-                  <a:txBody>
-                    <a:bodyPr/>
-                    <a:lstStyle/>
-                    <a:p>
-                      <a:r>
-                        <a:rPr sz="1000">
-                          <a:solidFill>
-                            <a:srgbClr val="000000"/>
-                          </a:solidFill>
-                        </a:rPr>
-                        <a:t>86 days</a:t>
-                      </a:r>
-                    </a:p>
-                  </a:txBody>
-                  <a:tcPr>
-                    <a:solidFill>
-                      <a:srgbClr val="FFBF00"/>
-                    </a:solidFill>
-                  </a:tcPr>
-                </a:tc>
-                <a:tc>
-                  <a:txBody>
-                    <a:bodyPr/>
-                    <a:lstStyle/>
-                    <a:p/>
-                  </a:txBody>
-                  <a:tcPr/>
-                </a:tc>
-              </a:tr>
-              <a:tr h="1828">
-                <a:tc>
-                  <a:txBody>
-                    <a:bodyPr/>
-                    <a:lstStyle/>
-                    <a:p/>
-                  </a:txBody>
-                  <a:tcPr>
-                    <a:solidFill>
-                      <a:srgbClr val="FE0005"/>
-                    </a:solidFill>
-                  </a:tcPr>
-                </a:tc>
-                <a:tc>
-                  <a:txBody>
-                    <a:bodyPr/>
-                    <a:lstStyle/>
-                    <a:p>
-                      <a:r>
-                        <a:rPr b="1" sz="1000">
-                          <a:solidFill>
-                            <a:srgbClr val="000000"/>
-                          </a:solidFill>
-                        </a:rPr>
-                        <a:t>What is our Risk ?</a:t>
-                      </a:r>
-                    </a:p>
-                  </a:txBody>
-                  <a:tcPr>
-                    <a:solidFill>
-                      <a:srgbClr val="D3D3D3"/>
-                    </a:solidFill>
-                  </a:tcPr>
-                </a:tc>
-                <a:tc>
-                  <a:txBody>
-                    <a:bodyPr/>
-                    <a:lstStyle/>
-                    <a:p>
-                      <a:r>
-                        <a:rPr sz="1000">
-                          <a:solidFill>
-                            <a:srgbClr val="000000"/>
-                          </a:solidFill>
-                        </a:rPr>
-                        <a:t>Average Age of Open Vulnerabilities (in # of days)</a:t>
-                      </a:r>
-                    </a:p>
-                  </a:txBody>
-                  <a:tcPr>
-                    <a:solidFill>
-                      <a:srgbClr val="DCDCDC"/>
-                    </a:solidFill>
-                  </a:tcPr>
-                </a:tc>
-                <a:tc>
-                  <a:txBody>
-                    <a:bodyPr/>
-                    <a:lstStyle/>
-                    <a:p>
-                      <a:r>
-                        <a:rPr sz="1000">
-                          <a:solidFill>
-                            <a:srgbClr val="000000"/>
-                          </a:solidFill>
-                        </a:rPr>
-                        <a:t> </a:t>
-                      </a:r>
-                    </a:p>
-                  </a:txBody>
-                  <a:tcPr>
-                    <a:solidFill>
-                      <a:srgbClr val="DCDCDC"/>
-                    </a:solidFill>
-                  </a:tcPr>
-                </a:tc>
-                <a:tc>
-                  <a:txBody>
-                    <a:bodyPr/>
-                    <a:lstStyle/>
-                    <a:p>
-                      <a:r>
-                        <a:rPr sz="1000">
-                          <a:solidFill>
-                            <a:srgbClr val="000000"/>
-                          </a:solidFill>
-                        </a:rPr>
-                        <a:t> </a:t>
-                      </a:r>
-                    </a:p>
-                  </a:txBody>
-                  <a:tcPr>
-                    <a:solidFill>
-                      <a:srgbClr val="DCDCDC"/>
-                    </a:solidFill>
-                  </a:tcPr>
-                </a:tc>
-                <a:tc>
-                  <a:txBody>
-                    <a:bodyPr/>
-                    <a:lstStyle/>
-                    <a:p>
-                      <a:r>
-                        <a:rPr sz="1000">
-                          <a:solidFill>
-                            <a:srgbClr val="000000"/>
-                          </a:solidFill>
-                        </a:rPr>
-                        <a:t> </a:t>
-                      </a:r>
-                    </a:p>
-                  </a:txBody>
-                  <a:tcPr>
-                    <a:solidFill>
-                      <a:srgbClr val="DCDCDC"/>
-                    </a:solidFill>
-                  </a:tcPr>
-                </a:tc>
-              </a:tr>
-              <a:tr h="1828">
-                <a:tc>
-                  <a:txBody>
-                    <a:bodyPr/>
-                    <a:lstStyle/>
-                    <a:p/>
-                  </a:txBody>
-                  <a:tcPr>
-                    <a:solidFill>
-                      <a:srgbClr val="FE0005"/>
-                    </a:solidFill>
-                  </a:tcPr>
-                </a:tc>
-                <a:tc>
-                  <a:txBody>
-                    <a:bodyPr/>
-                    <a:lstStyle/>
-                    <a:p/>
-                  </a:txBody>
-                  <a:tcPr>
-                    <a:solidFill>
-                      <a:srgbClr val="D3D3D3"/>
-                    </a:solidFill>
-                  </a:tcPr>
-                </a:tc>
-                <a:tc>
-                  <a:txBody>
-                    <a:bodyPr/>
-                    <a:lstStyle/>
-                    <a:p>
-                      <a:r>
-                        <a:rPr sz="1000">
-                          <a:solidFill>
-                            <a:srgbClr val="000000"/>
-                          </a:solidFill>
-                        </a:rPr>
-                        <a:t>Networks</a:t>
-                      </a:r>
-                    </a:p>
-                  </a:txBody>
-                  <a:tcPr>
-                    <a:solidFill>
-                      <a:srgbClr val="DCDCDC"/>
-                    </a:solidFill>
-                  </a:tcPr>
-                </a:tc>
-                <a:tc>
-                  <a:txBody>
-                    <a:bodyPr/>
-                    <a:lstStyle/>
-                    <a:p>
-                      <a:r>
-                        <a:rPr sz="1000">
-                          <a:solidFill>
-                            <a:srgbClr val="000000"/>
-                          </a:solidFill>
-                        </a:rPr>
-                        <a:t>89 days</a:t>
-                      </a:r>
-                    </a:p>
-                  </a:txBody>
-                  <a:tcPr>
-                    <a:solidFill>
-                      <a:srgbClr val="9ACD32"/>
-                    </a:solidFill>
-                  </a:tcPr>
-                </a:tc>
-                <a:tc>
-                  <a:txBody>
-                    <a:bodyPr/>
-                    <a:lstStyle/>
-                    <a:p>
-                      <a:r>
-                        <a:rPr sz="1000">
-                          <a:solidFill>
-                            <a:srgbClr val="000000"/>
-                          </a:solidFill>
-                        </a:rPr>
-                        <a:t>24 days</a:t>
-                      </a:r>
-                    </a:p>
-                  </a:txBody>
-                  <a:tcPr>
-                    <a:solidFill>
-                      <a:srgbClr val="9ACD32"/>
-                    </a:solidFill>
-                  </a:tcPr>
-                </a:tc>
-                <a:tc>
-                  <a:txBody>
-                    <a:bodyPr/>
-                    <a:lstStyle/>
-                    <a:p/>
-                  </a:txBody>
-                  <a:tcPr/>
-                </a:tc>
-              </a:tr>
-              <a:tr h="1828">
-                <a:tc>
-                  <a:txBody>
-                    <a:bodyPr/>
-                    <a:lstStyle/>
-                    <a:p/>
-                  </a:txBody>
-                  <a:tcPr>
-                    <a:solidFill>
-                      <a:srgbClr val="FE0005"/>
-                    </a:solidFill>
-                  </a:tcPr>
-                </a:tc>
-                <a:tc>
-                  <a:txBody>
-                    <a:bodyPr/>
-                    <a:lstStyle/>
-                    <a:p/>
-                  </a:txBody>
-                  <a:tcPr>
-                    <a:solidFill>
-                      <a:srgbClr val="D3D3D3"/>
-                    </a:solidFill>
-                  </a:tcPr>
-                </a:tc>
-                <a:tc>
-                  <a:txBody>
-                    <a:bodyPr/>
-                    <a:lstStyle/>
-                    <a:p>
-                      <a:r>
-                        <a:rPr sz="1000">
-                          <a:solidFill>
-                            <a:srgbClr val="000000"/>
-                          </a:solidFill>
-                        </a:rPr>
-                        <a:t>Servers</a:t>
-                      </a:r>
-                    </a:p>
-                  </a:txBody>
-                  <a:tcPr>
-                    <a:solidFill>
-                      <a:srgbClr val="DCDCDC"/>
-                    </a:solidFill>
-                  </a:tcPr>
-                </a:tc>
-                <a:tc>
-                  <a:txBody>
-                    <a:bodyPr/>
-                    <a:lstStyle/>
-                    <a:p>
-                      <a:r>
-                        <a:rPr sz="1000">
-                          <a:solidFill>
-                            <a:srgbClr val="000000"/>
-                          </a:solidFill>
-                        </a:rPr>
-                        <a:t>77 days</a:t>
-                      </a:r>
-                    </a:p>
-                  </a:txBody>
-                  <a:tcPr>
-                    <a:solidFill>
-                      <a:srgbClr val="9ACD32"/>
-                    </a:solidFill>
-                  </a:tcPr>
-                </a:tc>
-                <a:tc>
-                  <a:txBody>
-                    <a:bodyPr/>
-                    <a:lstStyle/>
-                    <a:p>
-                      <a:r>
-                        <a:rPr sz="1000">
-                          <a:solidFill>
-                            <a:srgbClr val="000000"/>
-                          </a:solidFill>
-                        </a:rPr>
-                        <a:t>98 days</a:t>
-                      </a:r>
-                    </a:p>
-                  </a:txBody>
-                  <a:tcPr>
-                    <a:solidFill>
-                      <a:srgbClr val="FFBF00"/>
-                    </a:solidFill>
-                  </a:tcPr>
-                </a:tc>
-                <a:tc>
-                  <a:txBody>
-                    <a:bodyPr/>
-                    <a:lstStyle/>
-                    <a:p/>
-                  </a:txBody>
-                  <a:tcPr/>
-                </a:tc>
-              </a:tr>
-              <a:tr h="1828">
-                <a:tc>
-                  <a:txBody>
-                    <a:bodyPr/>
-                    <a:lstStyle/>
-                    <a:p/>
-                  </a:txBody>
-                  <a:tcPr>
-                    <a:solidFill>
-                      <a:srgbClr val="FE0005"/>
-                    </a:solidFill>
-                  </a:tcPr>
-                </a:tc>
-                <a:tc>
-                  <a:txBody>
-                    <a:bodyPr/>
-                    <a:lstStyle/>
-                    <a:p/>
-                  </a:txBody>
-                  <a:tcPr>
-                    <a:solidFill>
-                      <a:srgbClr val="D3D3D3"/>
-                    </a:solidFill>
-                  </a:tcPr>
-                </a:tc>
-                <a:tc>
-                  <a:txBody>
-                    <a:bodyPr/>
-                    <a:lstStyle/>
-                    <a:p>
-                      <a:r>
-                        <a:rPr sz="1000">
-                          <a:solidFill>
-                            <a:srgbClr val="000000"/>
-                          </a:solidFill>
-                        </a:rPr>
-                        <a:t>Endpoints</a:t>
-                      </a:r>
-                    </a:p>
-                  </a:txBody>
-                  <a:tcPr>
-                    <a:solidFill>
-                      <a:srgbClr val="DCDCDC"/>
-                    </a:solidFill>
-                  </a:tcPr>
-                </a:tc>
-                <a:tc>
-                  <a:txBody>
-                    <a:bodyPr/>
-                    <a:lstStyle/>
-                    <a:p>
-                      <a:r>
-                        <a:rPr sz="1000">
-                          <a:solidFill>
-                            <a:srgbClr val="000000"/>
-                          </a:solidFill>
-                        </a:rPr>
-                        <a:t>45 days</a:t>
-                      </a:r>
-                    </a:p>
-                  </a:txBody>
-                  <a:tcPr>
-                    <a:solidFill>
-                      <a:srgbClr val="9ACD32"/>
-                    </a:solidFill>
-                  </a:tcPr>
-                </a:tc>
-                <a:tc>
-                  <a:txBody>
-                    <a:bodyPr/>
-                    <a:lstStyle/>
-                    <a:p>
-                      <a:r>
-                        <a:rPr sz="1000">
-                          <a:solidFill>
-                            <a:srgbClr val="000000"/>
-                          </a:solidFill>
-                        </a:rPr>
-                        <a:t>86 days</a:t>
-                      </a:r>
-                    </a:p>
-                  </a:txBody>
-                  <a:tcPr>
-                    <a:solidFill>
-                      <a:srgbClr val="9ACD32"/>
-                    </a:solidFill>
-                  </a:tcPr>
-                </a:tc>
-                <a:tc>
-                  <a:txBody>
-                    <a:bodyPr/>
-                    <a:lstStyle/>
-                    <a:p/>
-                  </a:txBody>
-                  <a:tcPr/>
-                </a:tc>
-              </a:tr>
-              <a:tr h="1828">
-                <a:tc>
-                  <a:txBody>
-                    <a:bodyPr/>
-                    <a:lstStyle/>
-                    <a:p/>
-                  </a:txBody>
-                  <a:tcPr>
-                    <a:solidFill>
-                      <a:srgbClr val="FE0005"/>
-                    </a:solidFill>
-                  </a:tcPr>
-                </a:tc>
-                <a:tc>
-                  <a:txBody>
-                    <a:bodyPr/>
-                    <a:lstStyle/>
-                    <a:p/>
-                  </a:txBody>
-                  <a:tcPr>
-                    <a:solidFill>
-                      <a:srgbClr val="D3D3D3"/>
-                    </a:solidFill>
-                  </a:tcPr>
-                </a:tc>
-                <a:tc>
-                  <a:txBody>
-                    <a:bodyPr/>
-                    <a:lstStyle/>
-                    <a:p>
-                      <a:r>
-                        <a:rPr sz="1000">
-                          <a:solidFill>
-                            <a:srgbClr val="000000"/>
-                          </a:solidFill>
-                        </a:rPr>
-                        <a:t>Database</a:t>
-                      </a:r>
-                    </a:p>
-                  </a:txBody>
-                  <a:tcPr>
-                    <a:solidFill>
-                      <a:srgbClr val="DCDCDC"/>
-                    </a:solidFill>
-                  </a:tcPr>
-                </a:tc>
-                <a:tc>
-                  <a:txBody>
-                    <a:bodyPr/>
-                    <a:lstStyle/>
-                    <a:p>
-                      <a:r>
-                        <a:rPr sz="1000">
-                          <a:solidFill>
-                            <a:srgbClr val="000000"/>
-                          </a:solidFill>
-                        </a:rPr>
-                        <a:t>9E+1 days</a:t>
-                      </a:r>
-                    </a:p>
-                  </a:txBody>
-                  <a:tcPr>
-                    <a:solidFill>
-                      <a:srgbClr val="FFBF00"/>
-                    </a:solidFill>
-                  </a:tcPr>
-                </a:tc>
-                <a:tc>
-                  <a:txBody>
-                    <a:bodyPr/>
-                    <a:lstStyle/>
-                    <a:p>
-                      <a:r>
-                        <a:rPr sz="1000">
-                          <a:solidFill>
-                            <a:srgbClr val="000000"/>
-                          </a:solidFill>
-                        </a:rPr>
-                        <a:t>78 days</a:t>
-                      </a:r>
-                    </a:p>
-                  </a:txBody>
-                  <a:tcPr>
-                    <a:solidFill>
-                      <a:srgbClr val="9ACD32"/>
-                    </a:solidFill>
-                  </a:tcPr>
-                </a:tc>
-                <a:tc>
-                  <a:txBody>
-                    <a:bodyPr/>
-                    <a:lstStyle/>
-                    <a:p/>
-                  </a:txBody>
-                  <a:tcPr/>
-                </a:tc>
-              </a:tr>
-              <a:tr h="1828">
-                <a:tc>
-                  <a:txBody>
-                    <a:bodyPr/>
-                    <a:lstStyle/>
-                    <a:p/>
-                  </a:txBody>
-                  <a:tcPr>
-                    <a:solidFill>
-                      <a:srgbClr val="FE0005"/>
-                    </a:solidFill>
-                  </a:tcPr>
-                </a:tc>
-                <a:tc>
-                  <a:txBody>
-                    <a:bodyPr/>
-                    <a:lstStyle/>
-                    <a:p/>
-                  </a:txBody>
-                  <a:tcPr>
-                    <a:solidFill>
-                      <a:srgbClr val="D3D3D3"/>
-                    </a:solidFill>
-                  </a:tcPr>
-                </a:tc>
-                <a:tc>
-                  <a:txBody>
-                    <a:bodyPr/>
-                    <a:lstStyle/>
-                    <a:p>
-                      <a:r>
-                        <a:rPr sz="1000">
-                          <a:solidFill>
-                            <a:srgbClr val="000000"/>
-                          </a:solidFill>
-                        </a:rPr>
-                        <a:t>Applications</a:t>
-                      </a:r>
-                    </a:p>
-                  </a:txBody>
-                  <a:tcPr>
-                    <a:solidFill>
-                      <a:srgbClr val="DCDCDC"/>
-                    </a:solidFill>
-                  </a:tcPr>
-                </a:tc>
-                <a:tc>
-                  <a:txBody>
-                    <a:bodyPr/>
-                    <a:lstStyle/>
-                    <a:p>
-                      <a:r>
-                        <a:rPr sz="1000">
-                          <a:solidFill>
-                            <a:srgbClr val="000000"/>
-                          </a:solidFill>
-                        </a:rPr>
-                        <a:t>23 days</a:t>
-                      </a:r>
-                    </a:p>
-                  </a:txBody>
-                  <a:tcPr>
-                    <a:solidFill>
-                      <a:srgbClr val="9ACD32"/>
-                    </a:solidFill>
-                  </a:tcPr>
-                </a:tc>
-                <a:tc>
-                  <a:txBody>
-                    <a:bodyPr/>
-                    <a:lstStyle/>
-                    <a:p>
-                      <a:r>
-                        <a:rPr sz="1000">
-                          <a:solidFill>
-                            <a:srgbClr val="000000"/>
-                          </a:solidFill>
-                        </a:rPr>
-                        <a:t>56 days</a:t>
-                      </a:r>
-                    </a:p>
-                  </a:txBody>
-                  <a:tcPr>
-                    <a:solidFill>
-                      <a:srgbClr val="9ACD32"/>
-                    </a:solidFill>
-                  </a:tcPr>
-                </a:tc>
-                <a:tc>
-                  <a:txBody>
-                    <a:bodyPr/>
-                    <a:lstStyle/>
-                    <a:p/>
-                  </a:txBody>
-                  <a:tcPr/>
-                </a:tc>
-              </a:tr>
-              <a:tr h="1828">
-                <a:tc>
-                  <a:txBody>
-                    <a:bodyPr/>
-                    <a:lstStyle/>
-                    <a:p>
-                      <a:r>
-                        <a:rPr b="1" sz="1000">
-                          <a:solidFill>
-                            <a:srgbClr val="000000"/>
-                          </a:solidFill>
-                        </a:rPr>
-                        <a:t>Monitoring</a:t>
-                      </a:r>
-                    </a:p>
-                  </a:txBody>
-                  <a:tcPr>
-                    <a:solidFill>
-                      <a:srgbClr val="FE0005"/>
-                    </a:solidFill>
-                  </a:tcPr>
-                </a:tc>
-                <a:tc>
-                  <a:txBody>
-                    <a:bodyPr/>
-                    <a:lstStyle/>
-                    <a:p>
-                      <a:r>
-                        <a:rPr b="1" sz="1000">
-                          <a:solidFill>
-                            <a:srgbClr val="000000"/>
-                          </a:solidFill>
-                        </a:rPr>
-                        <a:t>Measure of assets not monitored</a:t>
-                      </a:r>
-                    </a:p>
-                  </a:txBody>
-                  <a:tcPr>
-                    <a:solidFill>
-                      <a:srgbClr val="D3D3D3"/>
-                    </a:solidFill>
-                  </a:tcPr>
-                </a:tc>
-                <a:tc>
-                  <a:txBody>
-                    <a:bodyPr/>
-                    <a:lstStyle/>
-                    <a:p>
-                      <a:r>
-                        <a:rPr sz="1000">
-                          <a:solidFill>
-                            <a:srgbClr val="000000"/>
-                          </a:solidFill>
-                        </a:rPr>
-                        <a:t>% of Assets not being monitored</a:t>
-                      </a:r>
-                    </a:p>
-                  </a:txBody>
-                  <a:tcPr>
-                    <a:solidFill>
-                      <a:srgbClr val="DCDCDC"/>
-                    </a:solidFill>
-                  </a:tcPr>
-                </a:tc>
-                <a:tc>
-                  <a:txBody>
-                    <a:bodyPr/>
-                    <a:lstStyle/>
-                    <a:p/>
-                  </a:txBody>
-                  <a:tcPr>
-                    <a:solidFill>
-                      <a:srgbClr val="DCDCDC"/>
-                    </a:solidFill>
-                  </a:tcPr>
-                </a:tc>
-                <a:tc>
-                  <a:txBody>
-                    <a:bodyPr/>
-                    <a:lstStyle/>
-                    <a:p/>
-                  </a:txBody>
-                  <a:tcPr>
-                    <a:solidFill>
-                      <a:srgbClr val="DCDCDC"/>
-                    </a:solidFill>
-                  </a:tcPr>
-                </a:tc>
-                <a:tc>
-                  <a:txBody>
-                    <a:bodyPr/>
-                    <a:lstStyle/>
-                    <a:p/>
-                  </a:txBody>
-                  <a:tcPr>
-                    <a:solidFill>
-                      <a:srgbClr val="DCDCDC"/>
-                    </a:solidFill>
-                  </a:tcPr>
-                </a:tc>
-              </a:tr>
-              <a:tr h="1840">
-                <a:tc>
-                  <a:txBody>
-                    <a:bodyPr/>
-                    <a:lstStyle/>
-                    <a:p/>
-                  </a:txBody>
-                  <a:tcPr>
-                    <a:solidFill>
-                      <a:srgbClr val="FE0005"/>
-                    </a:solidFill>
-                  </a:tcPr>
-                </a:tc>
-                <a:tc>
-                  <a:txBody>
-                    <a:bodyPr/>
-                    <a:lstStyle/>
-                    <a:p/>
-                  </a:txBody>
-                  <a:tcPr>
-                    <a:solidFill>
-                      <a:srgbClr val="D3D3D3"/>
-                    </a:solidFill>
-                  </a:tcPr>
-                </a:tc>
-                <a:tc>
-                  <a:txBody>
-                    <a:bodyPr/>
-                    <a:lstStyle/>
-                    <a:p>
-                      <a:r>
-                        <a:rPr sz="1000">
-                          <a:solidFill>
-                            <a:srgbClr val="000000"/>
-                          </a:solidFill>
-                        </a:rPr>
-                        <a:t>Networks</a:t>
-                      </a:r>
-                    </a:p>
-                  </a:txBody>
-                  <a:tcPr>
-                    <a:solidFill>
-                      <a:srgbClr val="DCDCDC"/>
-                    </a:solidFill>
-                  </a:tcPr>
-                </a:tc>
-                <a:tc>
-                  <a:txBody>
-                    <a:bodyPr/>
-                    <a:lstStyle/>
-                    <a:p>
-                      <a:r>
-                        <a:rPr sz="1000">
-                          <a:solidFill>
-                            <a:srgbClr val="000000"/>
-                          </a:solidFill>
-                        </a:rPr>
-                        <a:t>34%</a:t>
-                      </a:r>
-                    </a:p>
-                  </a:txBody>
-                  <a:tcPr>
-                    <a:solidFill>
-                      <a:srgbClr val="FE0005"/>
-                    </a:solidFill>
-                  </a:tcPr>
-                </a:tc>
-                <a:tc>
-                  <a:txBody>
-                    <a:bodyPr/>
-                    <a:lstStyle/>
-                    <a:p>
-                      <a:r>
-                        <a:rPr sz="1000">
-                          <a:solidFill>
-                            <a:srgbClr val="000000"/>
-                          </a:solidFill>
-                        </a:rPr>
-                        <a:t>56%</a:t>
+                    <a:p>
+                      <a:r>
+                        <a:rPr sz="1000">
+                          <a:solidFill>
+                            <a:srgbClr val="000000"/>
+                          </a:solidFill>
+                        </a:rPr>
+                        <a:t>25%</a:t>
                       </a:r>
                     </a:p>
                   </a:txBody>
@@ -8958,7 +8626,7 @@
                 <a:gridCol w="914400"/>
                 <a:gridCol w="914400"/>
               </a:tblGrid>
-              <a:tr h="5486">
+              <a:tr h="1828">
                 <a:tc>
                   <a:txBody>
                     <a:bodyPr/>
@@ -9338,7 +9006,7 @@
                   </a:tcPr>
                 </a:tc>
               </a:tr>
-              <a:tr h="5486">
+              <a:tr h="1828">
                 <a:tc>
                   <a:txBody>
                     <a:bodyPr/>
@@ -9350,13 +9018,1230 @@
                             <a:srgbClr val="000000"/>
                           </a:solidFill>
                         </a:rPr>
+                        <a:t>Vulnerability Landscape</a:t>
+                      </a:r>
+                    </a:p>
+                  </a:txBody>
+                  <a:tcPr>
+                    <a:solidFill>
+                      <a:srgbClr val="FE0005"/>
+                    </a:solidFill>
+                  </a:tcPr>
+                </a:tc>
+                <a:tc>
+                  <a:txBody>
+                    <a:bodyPr/>
+                    <a:lstStyle/>
+                    <a:p>
+                      <a:r>
+                        <a:rPr b="1" sz="1000">
+                          <a:solidFill>
+                            <a:srgbClr val="000000"/>
+                          </a:solidFill>
+                        </a:rPr>
+                        <a:t>Are we in Control ?</a:t>
+                      </a:r>
+                    </a:p>
+                  </a:txBody>
+                  <a:tcPr>
+                    <a:solidFill>
+                      <a:srgbClr val="D3D3D3"/>
+                    </a:solidFill>
+                  </a:tcPr>
+                </a:tc>
+                <a:tc>
+                  <a:txBody>
+                    <a:bodyPr/>
+                    <a:lstStyle/>
+                    <a:p>
+                      <a:r>
+                        <a:rPr sz="1000">
+                          <a:solidFill>
+                            <a:srgbClr val="000000"/>
+                          </a:solidFill>
+                        </a:rPr>
+                        <a:t>Average Time to Remediate last cycle (in # of days)</a:t>
+                      </a:r>
+                    </a:p>
+                  </a:txBody>
+                  <a:tcPr>
+                    <a:solidFill>
+                      <a:srgbClr val="DCDCDC"/>
+                    </a:solidFill>
+                  </a:tcPr>
+                </a:tc>
+                <a:tc>
+                  <a:txBody>
+                    <a:bodyPr/>
+                    <a:lstStyle/>
+                    <a:p>
+                      <a:r>
+                        <a:rPr sz="1000">
+                          <a:solidFill>
+                            <a:srgbClr val="000000"/>
+                          </a:solidFill>
+                        </a:rPr>
+                        <a:t> </a:t>
+                      </a:r>
+                    </a:p>
+                  </a:txBody>
+                  <a:tcPr>
+                    <a:solidFill>
+                      <a:srgbClr val="DCDCDC"/>
+                    </a:solidFill>
+                  </a:tcPr>
+                </a:tc>
+                <a:tc>
+                  <a:txBody>
+                    <a:bodyPr/>
+                    <a:lstStyle/>
+                    <a:p>
+                      <a:r>
+                        <a:rPr sz="1000">
+                          <a:solidFill>
+                            <a:srgbClr val="000000"/>
+                          </a:solidFill>
+                        </a:rPr>
+                        <a:t> </a:t>
+                      </a:r>
+                    </a:p>
+                  </a:txBody>
+                  <a:tcPr>
+                    <a:solidFill>
+                      <a:srgbClr val="DCDCDC"/>
+                    </a:solidFill>
+                  </a:tcPr>
+                </a:tc>
+                <a:tc>
+                  <a:txBody>
+                    <a:bodyPr/>
+                    <a:lstStyle/>
+                    <a:p>
+                      <a:r>
+                        <a:rPr sz="1000">
+                          <a:solidFill>
+                            <a:srgbClr val="000000"/>
+                          </a:solidFill>
+                        </a:rPr>
+                        <a:t> </a:t>
+                      </a:r>
+                    </a:p>
+                  </a:txBody>
+                  <a:tcPr>
+                    <a:solidFill>
+                      <a:srgbClr val="DCDCDC"/>
+                    </a:solidFill>
+                  </a:tcPr>
+                </a:tc>
+              </a:tr>
+              <a:tr h="1828">
+                <a:tc>
+                  <a:txBody>
+                    <a:bodyPr/>
+                    <a:lstStyle/>
+                    <a:p/>
+                  </a:txBody>
+                  <a:tcPr>
+                    <a:solidFill>
+                      <a:srgbClr val="FE0005"/>
+                    </a:solidFill>
+                  </a:tcPr>
+                </a:tc>
+                <a:tc>
+                  <a:txBody>
+                    <a:bodyPr/>
+                    <a:lstStyle/>
+                    <a:p/>
+                  </a:txBody>
+                  <a:tcPr>
+                    <a:solidFill>
+                      <a:srgbClr val="D3D3D3"/>
+                    </a:solidFill>
+                  </a:tcPr>
+                </a:tc>
+                <a:tc>
+                  <a:txBody>
+                    <a:bodyPr/>
+                    <a:lstStyle/>
+                    <a:p>
+                      <a:r>
+                        <a:rPr sz="1000">
+                          <a:solidFill>
+                            <a:srgbClr val="000000"/>
+                          </a:solidFill>
+                        </a:rPr>
+                        <a:t>Networks</a:t>
+                      </a:r>
+                    </a:p>
+                  </a:txBody>
+                  <a:tcPr>
+                    <a:solidFill>
+                      <a:srgbClr val="DCDCDC"/>
+                    </a:solidFill>
+                  </a:tcPr>
+                </a:tc>
+                <a:tc>
+                  <a:txBody>
+                    <a:bodyPr/>
+                    <a:lstStyle/>
+                    <a:p>
+                      <a:r>
+                        <a:rPr sz="1000">
+                          <a:solidFill>
+                            <a:srgbClr val="000000"/>
+                          </a:solidFill>
+                        </a:rPr>
+                        <a:t>45 days</a:t>
+                      </a:r>
+                    </a:p>
+                  </a:txBody>
+                  <a:tcPr>
+                    <a:solidFill>
+                      <a:srgbClr val="9ACD32"/>
+                    </a:solidFill>
+                  </a:tcPr>
+                </a:tc>
+                <a:tc>
+                  <a:txBody>
+                    <a:bodyPr/>
+                    <a:lstStyle/>
+                    <a:p>
+                      <a:r>
+                        <a:rPr sz="1000">
+                          <a:solidFill>
+                            <a:srgbClr val="000000"/>
+                          </a:solidFill>
+                        </a:rPr>
+                        <a:t>54 days</a:t>
+                      </a:r>
+                    </a:p>
+                  </a:txBody>
+                  <a:tcPr>
+                    <a:solidFill>
+                      <a:srgbClr val="9ACD32"/>
+                    </a:solidFill>
+                  </a:tcPr>
+                </a:tc>
+                <a:tc>
+                  <a:txBody>
+                    <a:bodyPr/>
+                    <a:lstStyle/>
+                    <a:p/>
+                  </a:txBody>
+                  <a:tcPr/>
+                </a:tc>
+              </a:tr>
+              <a:tr h="1828">
+                <a:tc>
+                  <a:txBody>
+                    <a:bodyPr/>
+                    <a:lstStyle/>
+                    <a:p/>
+                  </a:txBody>
+                  <a:tcPr>
+                    <a:solidFill>
+                      <a:srgbClr val="FE0005"/>
+                    </a:solidFill>
+                  </a:tcPr>
+                </a:tc>
+                <a:tc>
+                  <a:txBody>
+                    <a:bodyPr/>
+                    <a:lstStyle/>
+                    <a:p/>
+                  </a:txBody>
+                  <a:tcPr>
+                    <a:solidFill>
+                      <a:srgbClr val="D3D3D3"/>
+                    </a:solidFill>
+                  </a:tcPr>
+                </a:tc>
+                <a:tc>
+                  <a:txBody>
+                    <a:bodyPr/>
+                    <a:lstStyle/>
+                    <a:p>
+                      <a:r>
+                        <a:rPr sz="1000">
+                          <a:solidFill>
+                            <a:srgbClr val="000000"/>
+                          </a:solidFill>
+                        </a:rPr>
+                        <a:t>Servers</a:t>
+                      </a:r>
+                    </a:p>
+                  </a:txBody>
+                  <a:tcPr>
+                    <a:solidFill>
+                      <a:srgbClr val="DCDCDC"/>
+                    </a:solidFill>
+                  </a:tcPr>
+                </a:tc>
+                <a:tc>
+                  <a:txBody>
+                    <a:bodyPr/>
+                    <a:lstStyle/>
+                    <a:p>
+                      <a:r>
+                        <a:rPr sz="1000">
+                          <a:solidFill>
+                            <a:srgbClr val="000000"/>
+                          </a:solidFill>
+                        </a:rPr>
+                        <a:t>56 days</a:t>
+                      </a:r>
+                    </a:p>
+                  </a:txBody>
+                  <a:tcPr>
+                    <a:solidFill>
+                      <a:srgbClr val="9ACD32"/>
+                    </a:solidFill>
+                  </a:tcPr>
+                </a:tc>
+                <a:tc>
+                  <a:txBody>
+                    <a:bodyPr/>
+                    <a:lstStyle/>
+                    <a:p>
+                      <a:r>
+                        <a:rPr sz="1000">
+                          <a:solidFill>
+                            <a:srgbClr val="000000"/>
+                          </a:solidFill>
+                        </a:rPr>
+                        <a:t>25 days</a:t>
+                      </a:r>
+                    </a:p>
+                  </a:txBody>
+                  <a:tcPr>
+                    <a:solidFill>
+                      <a:srgbClr val="9ACD32"/>
+                    </a:solidFill>
+                  </a:tcPr>
+                </a:tc>
+                <a:tc>
+                  <a:txBody>
+                    <a:bodyPr/>
+                    <a:lstStyle/>
+                    <a:p/>
+                  </a:txBody>
+                  <a:tcPr/>
+                </a:tc>
+              </a:tr>
+              <a:tr h="1828">
+                <a:tc>
+                  <a:txBody>
+                    <a:bodyPr/>
+                    <a:lstStyle/>
+                    <a:p/>
+                  </a:txBody>
+                  <a:tcPr>
+                    <a:solidFill>
+                      <a:srgbClr val="FE0005"/>
+                    </a:solidFill>
+                  </a:tcPr>
+                </a:tc>
+                <a:tc>
+                  <a:txBody>
+                    <a:bodyPr/>
+                    <a:lstStyle/>
+                    <a:p/>
+                  </a:txBody>
+                  <a:tcPr>
+                    <a:solidFill>
+                      <a:srgbClr val="D3D3D3"/>
+                    </a:solidFill>
+                  </a:tcPr>
+                </a:tc>
+                <a:tc>
+                  <a:txBody>
+                    <a:bodyPr/>
+                    <a:lstStyle/>
+                    <a:p>
+                      <a:r>
+                        <a:rPr sz="1000">
+                          <a:solidFill>
+                            <a:srgbClr val="000000"/>
+                          </a:solidFill>
+                        </a:rPr>
+                        <a:t>Endpoints</a:t>
+                      </a:r>
+                    </a:p>
+                  </a:txBody>
+                  <a:tcPr>
+                    <a:solidFill>
+                      <a:srgbClr val="DCDCDC"/>
+                    </a:solidFill>
+                  </a:tcPr>
+                </a:tc>
+                <a:tc>
+                  <a:txBody>
+                    <a:bodyPr/>
+                    <a:lstStyle/>
+                    <a:p>
+                      <a:r>
+                        <a:rPr sz="1000">
+                          <a:solidFill>
+                            <a:srgbClr val="000000"/>
+                          </a:solidFill>
+                        </a:rPr>
+                        <a:t>76 days</a:t>
+                      </a:r>
+                    </a:p>
+                  </a:txBody>
+                  <a:tcPr>
+                    <a:solidFill>
+                      <a:srgbClr val="FFBF00"/>
+                    </a:solidFill>
+                  </a:tcPr>
+                </a:tc>
+                <a:tc>
+                  <a:txBody>
+                    <a:bodyPr/>
+                    <a:lstStyle/>
+                    <a:p>
+                      <a:r>
+                        <a:rPr sz="1000">
+                          <a:solidFill>
+                            <a:srgbClr val="000000"/>
+                          </a:solidFill>
+                        </a:rPr>
+                        <a:t>86 days</a:t>
+                      </a:r>
+                    </a:p>
+                  </a:txBody>
+                  <a:tcPr>
+                    <a:solidFill>
+                      <a:srgbClr val="FFBF00"/>
+                    </a:solidFill>
+                  </a:tcPr>
+                </a:tc>
+                <a:tc>
+                  <a:txBody>
+                    <a:bodyPr/>
+                    <a:lstStyle/>
+                    <a:p/>
+                  </a:txBody>
+                  <a:tcPr/>
+                </a:tc>
+              </a:tr>
+              <a:tr h="1828">
+                <a:tc>
+                  <a:txBody>
+                    <a:bodyPr/>
+                    <a:lstStyle/>
+                    <a:p/>
+                  </a:txBody>
+                  <a:tcPr>
+                    <a:solidFill>
+                      <a:srgbClr val="FE0005"/>
+                    </a:solidFill>
+                  </a:tcPr>
+                </a:tc>
+                <a:tc>
+                  <a:txBody>
+                    <a:bodyPr/>
+                    <a:lstStyle/>
+                    <a:p/>
+                  </a:txBody>
+                  <a:tcPr>
+                    <a:solidFill>
+                      <a:srgbClr val="D3D3D3"/>
+                    </a:solidFill>
+                  </a:tcPr>
+                </a:tc>
+                <a:tc>
+                  <a:txBody>
+                    <a:bodyPr/>
+                    <a:lstStyle/>
+                    <a:p>
+                      <a:r>
+                        <a:rPr sz="1000">
+                          <a:solidFill>
+                            <a:srgbClr val="000000"/>
+                          </a:solidFill>
+                        </a:rPr>
+                        <a:t>Database</a:t>
+                      </a:r>
+                    </a:p>
+                  </a:txBody>
+                  <a:tcPr>
+                    <a:solidFill>
+                      <a:srgbClr val="DCDCDC"/>
+                    </a:solidFill>
+                  </a:tcPr>
+                </a:tc>
+                <a:tc>
+                  <a:txBody>
+                    <a:bodyPr/>
+                    <a:lstStyle/>
+                    <a:p>
+                      <a:r>
+                        <a:rPr sz="1000">
+                          <a:solidFill>
+                            <a:srgbClr val="000000"/>
+                          </a:solidFill>
+                        </a:rPr>
+                        <a:t>65 days</a:t>
+                      </a:r>
+                    </a:p>
+                  </a:txBody>
+                  <a:tcPr>
+                    <a:solidFill>
+                      <a:srgbClr val="FFBF00"/>
+                    </a:solidFill>
+                  </a:tcPr>
+                </a:tc>
+                <a:tc>
+                  <a:txBody>
+                    <a:bodyPr/>
+                    <a:lstStyle/>
+                    <a:p>
+                      <a:r>
+                        <a:rPr sz="1000">
+                          <a:solidFill>
+                            <a:srgbClr val="000000"/>
+                          </a:solidFill>
+                        </a:rPr>
+                        <a:t>24 days</a:t>
+                      </a:r>
+                    </a:p>
+                  </a:txBody>
+                  <a:tcPr>
+                    <a:solidFill>
+                      <a:srgbClr val="9ACD32"/>
+                    </a:solidFill>
+                  </a:tcPr>
+                </a:tc>
+                <a:tc>
+                  <a:txBody>
+                    <a:bodyPr/>
+                    <a:lstStyle/>
+                    <a:p/>
+                  </a:txBody>
+                  <a:tcPr/>
+                </a:tc>
+              </a:tr>
+              <a:tr h="1828">
+                <a:tc>
+                  <a:txBody>
+                    <a:bodyPr/>
+                    <a:lstStyle/>
+                    <a:p/>
+                  </a:txBody>
+                  <a:tcPr>
+                    <a:solidFill>
+                      <a:srgbClr val="FE0005"/>
+                    </a:solidFill>
+                  </a:tcPr>
+                </a:tc>
+                <a:tc>
+                  <a:txBody>
+                    <a:bodyPr/>
+                    <a:lstStyle/>
+                    <a:p/>
+                  </a:txBody>
+                  <a:tcPr>
+                    <a:solidFill>
+                      <a:srgbClr val="D3D3D3"/>
+                    </a:solidFill>
+                  </a:tcPr>
+                </a:tc>
+                <a:tc>
+                  <a:txBody>
+                    <a:bodyPr/>
+                    <a:lstStyle/>
+                    <a:p>
+                      <a:r>
+                        <a:rPr sz="1000">
+                          <a:solidFill>
+                            <a:srgbClr val="000000"/>
+                          </a:solidFill>
+                        </a:rPr>
+                        <a:t>Applications</a:t>
+                      </a:r>
+                    </a:p>
+                  </a:txBody>
+                  <a:tcPr>
+                    <a:solidFill>
+                      <a:srgbClr val="DCDCDC"/>
+                    </a:solidFill>
+                  </a:tcPr>
+                </a:tc>
+                <a:tc>
+                  <a:txBody>
+                    <a:bodyPr/>
+                    <a:lstStyle/>
+                    <a:p>
+                      <a:r>
+                        <a:rPr sz="1000">
+                          <a:solidFill>
+                            <a:srgbClr val="000000"/>
+                          </a:solidFill>
+                        </a:rPr>
+                        <a:t>54 days</a:t>
+                      </a:r>
+                    </a:p>
+                  </a:txBody>
+                  <a:tcPr>
+                    <a:solidFill>
+                      <a:srgbClr val="9ACD32"/>
+                    </a:solidFill>
+                  </a:tcPr>
+                </a:tc>
+                <a:tc>
+                  <a:txBody>
+                    <a:bodyPr/>
+                    <a:lstStyle/>
+                    <a:p>
+                      <a:r>
+                        <a:rPr sz="1000">
+                          <a:solidFill>
+                            <a:srgbClr val="000000"/>
+                          </a:solidFill>
+                        </a:rPr>
+                        <a:t>86 days</a:t>
+                      </a:r>
+                    </a:p>
+                  </a:txBody>
+                  <a:tcPr>
+                    <a:solidFill>
+                      <a:srgbClr val="FFBF00"/>
+                    </a:solidFill>
+                  </a:tcPr>
+                </a:tc>
+                <a:tc>
+                  <a:txBody>
+                    <a:bodyPr/>
+                    <a:lstStyle/>
+                    <a:p/>
+                  </a:txBody>
+                  <a:tcPr/>
+                </a:tc>
+              </a:tr>
+              <a:tr h="1828">
+                <a:tc>
+                  <a:txBody>
+                    <a:bodyPr/>
+                    <a:lstStyle/>
+                    <a:p/>
+                  </a:txBody>
+                  <a:tcPr>
+                    <a:solidFill>
+                      <a:srgbClr val="FE0005"/>
+                    </a:solidFill>
+                  </a:tcPr>
+                </a:tc>
+                <a:tc>
+                  <a:txBody>
+                    <a:bodyPr/>
+                    <a:lstStyle/>
+                    <a:p>
+                      <a:r>
+                        <a:rPr b="1" sz="1000">
+                          <a:solidFill>
+                            <a:srgbClr val="000000"/>
+                          </a:solidFill>
+                        </a:rPr>
+                        <a:t>What is our Risk ?</a:t>
+                      </a:r>
+                    </a:p>
+                  </a:txBody>
+                  <a:tcPr>
+                    <a:solidFill>
+                      <a:srgbClr val="D3D3D3"/>
+                    </a:solidFill>
+                  </a:tcPr>
+                </a:tc>
+                <a:tc>
+                  <a:txBody>
+                    <a:bodyPr/>
+                    <a:lstStyle/>
+                    <a:p>
+                      <a:r>
+                        <a:rPr sz="1000">
+                          <a:solidFill>
+                            <a:srgbClr val="000000"/>
+                          </a:solidFill>
+                        </a:rPr>
+                        <a:t>Average Age of Open Vulnerabilities (in # of days)</a:t>
+                      </a:r>
+                    </a:p>
+                  </a:txBody>
+                  <a:tcPr>
+                    <a:solidFill>
+                      <a:srgbClr val="DCDCDC"/>
+                    </a:solidFill>
+                  </a:tcPr>
+                </a:tc>
+                <a:tc>
+                  <a:txBody>
+                    <a:bodyPr/>
+                    <a:lstStyle/>
+                    <a:p>
+                      <a:r>
+                        <a:rPr sz="1000">
+                          <a:solidFill>
+                            <a:srgbClr val="000000"/>
+                          </a:solidFill>
+                        </a:rPr>
+                        <a:t> </a:t>
+                      </a:r>
+                    </a:p>
+                  </a:txBody>
+                  <a:tcPr>
+                    <a:solidFill>
+                      <a:srgbClr val="DCDCDC"/>
+                    </a:solidFill>
+                  </a:tcPr>
+                </a:tc>
+                <a:tc>
+                  <a:txBody>
+                    <a:bodyPr/>
+                    <a:lstStyle/>
+                    <a:p>
+                      <a:r>
+                        <a:rPr sz="1000">
+                          <a:solidFill>
+                            <a:srgbClr val="000000"/>
+                          </a:solidFill>
+                        </a:rPr>
+                        <a:t> </a:t>
+                      </a:r>
+                    </a:p>
+                  </a:txBody>
+                  <a:tcPr>
+                    <a:solidFill>
+                      <a:srgbClr val="DCDCDC"/>
+                    </a:solidFill>
+                  </a:tcPr>
+                </a:tc>
+                <a:tc>
+                  <a:txBody>
+                    <a:bodyPr/>
+                    <a:lstStyle/>
+                    <a:p>
+                      <a:r>
+                        <a:rPr sz="1000">
+                          <a:solidFill>
+                            <a:srgbClr val="000000"/>
+                          </a:solidFill>
+                        </a:rPr>
+                        <a:t> </a:t>
+                      </a:r>
+                    </a:p>
+                  </a:txBody>
+                  <a:tcPr>
+                    <a:solidFill>
+                      <a:srgbClr val="DCDCDC"/>
+                    </a:solidFill>
+                  </a:tcPr>
+                </a:tc>
+              </a:tr>
+              <a:tr h="1828">
+                <a:tc>
+                  <a:txBody>
+                    <a:bodyPr/>
+                    <a:lstStyle/>
+                    <a:p/>
+                  </a:txBody>
+                  <a:tcPr>
+                    <a:solidFill>
+                      <a:srgbClr val="FE0005"/>
+                    </a:solidFill>
+                  </a:tcPr>
+                </a:tc>
+                <a:tc>
+                  <a:txBody>
+                    <a:bodyPr/>
+                    <a:lstStyle/>
+                    <a:p/>
+                  </a:txBody>
+                  <a:tcPr>
+                    <a:solidFill>
+                      <a:srgbClr val="D3D3D3"/>
+                    </a:solidFill>
+                  </a:tcPr>
+                </a:tc>
+                <a:tc>
+                  <a:txBody>
+                    <a:bodyPr/>
+                    <a:lstStyle/>
+                    <a:p>
+                      <a:r>
+                        <a:rPr sz="1000">
+                          <a:solidFill>
+                            <a:srgbClr val="000000"/>
+                          </a:solidFill>
+                        </a:rPr>
+                        <a:t>Networks</a:t>
+                      </a:r>
+                    </a:p>
+                  </a:txBody>
+                  <a:tcPr>
+                    <a:solidFill>
+                      <a:srgbClr val="DCDCDC"/>
+                    </a:solidFill>
+                  </a:tcPr>
+                </a:tc>
+                <a:tc>
+                  <a:txBody>
+                    <a:bodyPr/>
+                    <a:lstStyle/>
+                    <a:p>
+                      <a:r>
+                        <a:rPr sz="1000">
+                          <a:solidFill>
+                            <a:srgbClr val="000000"/>
+                          </a:solidFill>
+                        </a:rPr>
+                        <a:t>89 days</a:t>
+                      </a:r>
+                    </a:p>
+                  </a:txBody>
+                  <a:tcPr>
+                    <a:solidFill>
+                      <a:srgbClr val="9ACD32"/>
+                    </a:solidFill>
+                  </a:tcPr>
+                </a:tc>
+                <a:tc>
+                  <a:txBody>
+                    <a:bodyPr/>
+                    <a:lstStyle/>
+                    <a:p>
+                      <a:r>
+                        <a:rPr sz="1000">
+                          <a:solidFill>
+                            <a:srgbClr val="000000"/>
+                          </a:solidFill>
+                        </a:rPr>
+                        <a:t>24 days</a:t>
+                      </a:r>
+                    </a:p>
+                  </a:txBody>
+                  <a:tcPr>
+                    <a:solidFill>
+                      <a:srgbClr val="9ACD32"/>
+                    </a:solidFill>
+                  </a:tcPr>
+                </a:tc>
+                <a:tc>
+                  <a:txBody>
+                    <a:bodyPr/>
+                    <a:lstStyle/>
+                    <a:p/>
+                  </a:txBody>
+                  <a:tcPr/>
+                </a:tc>
+              </a:tr>
+              <a:tr h="1828">
+                <a:tc>
+                  <a:txBody>
+                    <a:bodyPr/>
+                    <a:lstStyle/>
+                    <a:p/>
+                  </a:txBody>
+                  <a:tcPr>
+                    <a:solidFill>
+                      <a:srgbClr val="FE0005"/>
+                    </a:solidFill>
+                  </a:tcPr>
+                </a:tc>
+                <a:tc>
+                  <a:txBody>
+                    <a:bodyPr/>
+                    <a:lstStyle/>
+                    <a:p/>
+                  </a:txBody>
+                  <a:tcPr>
+                    <a:solidFill>
+                      <a:srgbClr val="D3D3D3"/>
+                    </a:solidFill>
+                  </a:tcPr>
+                </a:tc>
+                <a:tc>
+                  <a:txBody>
+                    <a:bodyPr/>
+                    <a:lstStyle/>
+                    <a:p>
+                      <a:r>
+                        <a:rPr sz="1000">
+                          <a:solidFill>
+                            <a:srgbClr val="000000"/>
+                          </a:solidFill>
+                        </a:rPr>
+                        <a:t>Servers</a:t>
+                      </a:r>
+                    </a:p>
+                  </a:txBody>
+                  <a:tcPr>
+                    <a:solidFill>
+                      <a:srgbClr val="DCDCDC"/>
+                    </a:solidFill>
+                  </a:tcPr>
+                </a:tc>
+                <a:tc>
+                  <a:txBody>
+                    <a:bodyPr/>
+                    <a:lstStyle/>
+                    <a:p>
+                      <a:r>
+                        <a:rPr sz="1000">
+                          <a:solidFill>
+                            <a:srgbClr val="000000"/>
+                          </a:solidFill>
+                        </a:rPr>
+                        <a:t>77 days</a:t>
+                      </a:r>
+                    </a:p>
+                  </a:txBody>
+                  <a:tcPr>
+                    <a:solidFill>
+                      <a:srgbClr val="9ACD32"/>
+                    </a:solidFill>
+                  </a:tcPr>
+                </a:tc>
+                <a:tc>
+                  <a:txBody>
+                    <a:bodyPr/>
+                    <a:lstStyle/>
+                    <a:p>
+                      <a:r>
+                        <a:rPr sz="1000">
+                          <a:solidFill>
+                            <a:srgbClr val="000000"/>
+                          </a:solidFill>
+                        </a:rPr>
+                        <a:t>98 days</a:t>
+                      </a:r>
+                    </a:p>
+                  </a:txBody>
+                  <a:tcPr>
+                    <a:solidFill>
+                      <a:srgbClr val="FFBF00"/>
+                    </a:solidFill>
+                  </a:tcPr>
+                </a:tc>
+                <a:tc>
+                  <a:txBody>
+                    <a:bodyPr/>
+                    <a:lstStyle/>
+                    <a:p/>
+                  </a:txBody>
+                  <a:tcPr/>
+                </a:tc>
+              </a:tr>
+              <a:tr h="1828">
+                <a:tc>
+                  <a:txBody>
+                    <a:bodyPr/>
+                    <a:lstStyle/>
+                    <a:p/>
+                  </a:txBody>
+                  <a:tcPr>
+                    <a:solidFill>
+                      <a:srgbClr val="FE0005"/>
+                    </a:solidFill>
+                  </a:tcPr>
+                </a:tc>
+                <a:tc>
+                  <a:txBody>
+                    <a:bodyPr/>
+                    <a:lstStyle/>
+                    <a:p/>
+                  </a:txBody>
+                  <a:tcPr>
+                    <a:solidFill>
+                      <a:srgbClr val="D3D3D3"/>
+                    </a:solidFill>
+                  </a:tcPr>
+                </a:tc>
+                <a:tc>
+                  <a:txBody>
+                    <a:bodyPr/>
+                    <a:lstStyle/>
+                    <a:p>
+                      <a:r>
+                        <a:rPr sz="1000">
+                          <a:solidFill>
+                            <a:srgbClr val="000000"/>
+                          </a:solidFill>
+                        </a:rPr>
+                        <a:t>Endpoints</a:t>
+                      </a:r>
+                    </a:p>
+                  </a:txBody>
+                  <a:tcPr>
+                    <a:solidFill>
+                      <a:srgbClr val="DCDCDC"/>
+                    </a:solidFill>
+                  </a:tcPr>
+                </a:tc>
+                <a:tc>
+                  <a:txBody>
+                    <a:bodyPr/>
+                    <a:lstStyle/>
+                    <a:p>
+                      <a:r>
+                        <a:rPr sz="1000">
+                          <a:solidFill>
+                            <a:srgbClr val="000000"/>
+                          </a:solidFill>
+                        </a:rPr>
+                        <a:t>45 days</a:t>
+                      </a:r>
+                    </a:p>
+                  </a:txBody>
+                  <a:tcPr>
+                    <a:solidFill>
+                      <a:srgbClr val="9ACD32"/>
+                    </a:solidFill>
+                  </a:tcPr>
+                </a:tc>
+                <a:tc>
+                  <a:txBody>
+                    <a:bodyPr/>
+                    <a:lstStyle/>
+                    <a:p>
+                      <a:r>
+                        <a:rPr sz="1000">
+                          <a:solidFill>
+                            <a:srgbClr val="000000"/>
+                          </a:solidFill>
+                        </a:rPr>
+                        <a:t>86 days</a:t>
+                      </a:r>
+                    </a:p>
+                  </a:txBody>
+                  <a:tcPr>
+                    <a:solidFill>
+                      <a:srgbClr val="9ACD32"/>
+                    </a:solidFill>
+                  </a:tcPr>
+                </a:tc>
+                <a:tc>
+                  <a:txBody>
+                    <a:bodyPr/>
+                    <a:lstStyle/>
+                    <a:p/>
+                  </a:txBody>
+                  <a:tcPr/>
+                </a:tc>
+              </a:tr>
+              <a:tr h="1828">
+                <a:tc>
+                  <a:txBody>
+                    <a:bodyPr/>
+                    <a:lstStyle/>
+                    <a:p/>
+                  </a:txBody>
+                  <a:tcPr>
+                    <a:solidFill>
+                      <a:srgbClr val="FE0005"/>
+                    </a:solidFill>
+                  </a:tcPr>
+                </a:tc>
+                <a:tc>
+                  <a:txBody>
+                    <a:bodyPr/>
+                    <a:lstStyle/>
+                    <a:p/>
+                  </a:txBody>
+                  <a:tcPr>
+                    <a:solidFill>
+                      <a:srgbClr val="D3D3D3"/>
+                    </a:solidFill>
+                  </a:tcPr>
+                </a:tc>
+                <a:tc>
+                  <a:txBody>
+                    <a:bodyPr/>
+                    <a:lstStyle/>
+                    <a:p>
+                      <a:r>
+                        <a:rPr sz="1000">
+                          <a:solidFill>
+                            <a:srgbClr val="000000"/>
+                          </a:solidFill>
+                        </a:rPr>
+                        <a:t>Database</a:t>
+                      </a:r>
+                    </a:p>
+                  </a:txBody>
+                  <a:tcPr>
+                    <a:solidFill>
+                      <a:srgbClr val="DCDCDC"/>
+                    </a:solidFill>
+                  </a:tcPr>
+                </a:tc>
+                <a:tc>
+                  <a:txBody>
+                    <a:bodyPr/>
+                    <a:lstStyle/>
+                    <a:p>
+                      <a:r>
+                        <a:rPr sz="1000">
+                          <a:solidFill>
+                            <a:srgbClr val="000000"/>
+                          </a:solidFill>
+                        </a:rPr>
+                        <a:t>9E+1 days</a:t>
+                      </a:r>
+                    </a:p>
+                  </a:txBody>
+                  <a:tcPr>
+                    <a:solidFill>
+                      <a:srgbClr val="FFBF00"/>
+                    </a:solidFill>
+                  </a:tcPr>
+                </a:tc>
+                <a:tc>
+                  <a:txBody>
+                    <a:bodyPr/>
+                    <a:lstStyle/>
+                    <a:p>
+                      <a:r>
+                        <a:rPr sz="1000">
+                          <a:solidFill>
+                            <a:srgbClr val="000000"/>
+                          </a:solidFill>
+                        </a:rPr>
+                        <a:t>78 days</a:t>
+                      </a:r>
+                    </a:p>
+                  </a:txBody>
+                  <a:tcPr>
+                    <a:solidFill>
+                      <a:srgbClr val="9ACD32"/>
+                    </a:solidFill>
+                  </a:tcPr>
+                </a:tc>
+                <a:tc>
+                  <a:txBody>
+                    <a:bodyPr/>
+                    <a:lstStyle/>
+                    <a:p/>
+                  </a:txBody>
+                  <a:tcPr/>
+                </a:tc>
+              </a:tr>
+              <a:tr h="1828">
+                <a:tc>
+                  <a:txBody>
+                    <a:bodyPr/>
+                    <a:lstStyle/>
+                    <a:p/>
+                  </a:txBody>
+                  <a:tcPr>
+                    <a:solidFill>
+                      <a:srgbClr val="FE0005"/>
+                    </a:solidFill>
+                  </a:tcPr>
+                </a:tc>
+                <a:tc>
+                  <a:txBody>
+                    <a:bodyPr/>
+                    <a:lstStyle/>
+                    <a:p/>
+                  </a:txBody>
+                  <a:tcPr>
+                    <a:solidFill>
+                      <a:srgbClr val="D3D3D3"/>
+                    </a:solidFill>
+                  </a:tcPr>
+                </a:tc>
+                <a:tc>
+                  <a:txBody>
+                    <a:bodyPr/>
+                    <a:lstStyle/>
+                    <a:p>
+                      <a:r>
+                        <a:rPr sz="1000">
+                          <a:solidFill>
+                            <a:srgbClr val="000000"/>
+                          </a:solidFill>
+                        </a:rPr>
+                        <a:t>Applications</a:t>
+                      </a:r>
+                    </a:p>
+                  </a:txBody>
+                  <a:tcPr>
+                    <a:solidFill>
+                      <a:srgbClr val="DCDCDC"/>
+                    </a:solidFill>
+                  </a:tcPr>
+                </a:tc>
+                <a:tc>
+                  <a:txBody>
+                    <a:bodyPr/>
+                    <a:lstStyle/>
+                    <a:p>
+                      <a:r>
+                        <a:rPr sz="1000">
+                          <a:solidFill>
+                            <a:srgbClr val="000000"/>
+                          </a:solidFill>
+                        </a:rPr>
+                        <a:t>23 days</a:t>
+                      </a:r>
+                    </a:p>
+                  </a:txBody>
+                  <a:tcPr>
+                    <a:solidFill>
+                      <a:srgbClr val="9ACD32"/>
+                    </a:solidFill>
+                  </a:tcPr>
+                </a:tc>
+                <a:tc>
+                  <a:txBody>
+                    <a:bodyPr/>
+                    <a:lstStyle/>
+                    <a:p>
+                      <a:r>
+                        <a:rPr sz="1000">
+                          <a:solidFill>
+                            <a:srgbClr val="000000"/>
+                          </a:solidFill>
+                        </a:rPr>
+                        <a:t>56 days</a:t>
+                      </a:r>
+                    </a:p>
+                  </a:txBody>
+                  <a:tcPr>
+                    <a:solidFill>
+                      <a:srgbClr val="9ACD32"/>
+                    </a:solidFill>
+                  </a:tcPr>
+                </a:tc>
+                <a:tc>
+                  <a:txBody>
+                    <a:bodyPr/>
+                    <a:lstStyle/>
+                    <a:p/>
+                  </a:txBody>
+                  <a:tcPr/>
+                </a:tc>
+              </a:tr>
+              <a:tr h="1828">
+                <a:tc>
+                  <a:txBody>
+                    <a:bodyPr/>
+                    <a:lstStyle/>
+                    <a:p>
+                      <a:r>
+                        <a:rPr b="1" sz="1000">
+                          <a:solidFill>
+                            <a:srgbClr val="000000"/>
+                          </a:solidFill>
+                        </a:rPr>
                         <a:t>Monitoring</a:t>
                       </a:r>
                     </a:p>
                   </a:txBody>
                   <a:tcPr>
                     <a:solidFill>
-                      <a:srgbClr val="9ACD32"/>
+                      <a:srgbClr val="FE0005"/>
                     </a:solidFill>
                   </a:tcPr>
                 </a:tc>
@@ -9392,7 +10277,7 @@
                             <a:srgbClr val="000000"/>
                           </a:solidFill>
                         </a:rPr>
-                        <a:t>Servers</a:t>
+                        <a:t>% of Assets not being monitored</a:t>
                       </a:r>
                     </a:p>
                   </a:txBody>
@@ -9406,16 +10291,45 @@
                   <a:txBody>
                     <a:bodyPr/>
                     <a:lstStyle/>
-                    <a:p>
-                      <a:r>
-                        <a:rPr sz="1000">
-                          <a:solidFill>
-                            <a:srgbClr val="000000"/>
-                          </a:solidFill>
-                        </a:rPr>
-                        <a:t>87%</a:t>
-                      </a:r>
-                    </a:p>
+                    <a:p/>
+                  </a:txBody>
+                  <a:tcPr>
+                    <a:solidFill>
+                      <a:srgbClr val="DCDCDC"/>
+                    </a:solidFill>
+                  </a:tcPr>
+                </a:tc>
+                <a:tc>
+                  <a:txBody>
+                    <a:bodyPr/>
+                    <a:lstStyle/>
+                    <a:p/>
+                  </a:txBody>
+                  <a:tcPr>
+                    <a:solidFill>
+                      <a:srgbClr val="DCDCDC"/>
+                    </a:solidFill>
+                  </a:tcPr>
+                </a:tc>
+                <a:tc>
+                  <a:txBody>
+                    <a:bodyPr/>
+                    <a:lstStyle/>
+                    <a:p/>
+                  </a:txBody>
+                  <a:tcPr>
+                    <a:solidFill>
+                      <a:srgbClr val="DCDCDC"/>
+                    </a:solidFill>
+                  </a:tcPr>
+                </a:tc>
+              </a:tr>
+              <a:tr h="1840">
+                <a:tc>
+                  <a:txBody>
+                    <a:bodyPr/>
+                    <a:lstStyle/>
+                    <a:p/>
                   </a:txBody>
                   <a:tcPr>
                     <a:solidFill>
@@ -9427,14 +10341,47 @@
                   <a:txBody>
                     <a:bodyPr/>
                     <a:lstStyle/>
-                    <a:p>
-                      <a:r>
-                        <a:rPr sz="1000">
-                          <a:solidFill>
-                            <a:srgbClr val="000000"/>
-                          </a:solidFill>
-                        </a:rPr>
-                        <a:t>25%</a:t>
+                    <a:p/>
+                  </a:txBody>
+                  <a:tcPr>
+                    <a:solidFill>
+                      <a:srgbClr val="D3D3D3"/>
+                    </a:solidFill>
+                  </a:tcPr>
+                </a:tc>
+                <a:tc>
+                  <a:txBody>
+                    <a:bodyPr/>
+                    <a:lstStyle/>
+                    <a:p>
+                      <a:r>
+                        <a:rPr sz="1000">
+                          <a:solidFill>
+                            <a:srgbClr val="000000"/>
+                          </a:solidFill>
+                        </a:rPr>
+                        <a:t>Networks</a:t>
+                      </a:r>
+                    </a:p>
+                  </a:txBody>
+                  <a:tcPr>
+                    <a:solidFill>
+                      <a:srgbClr val="DCDCDC"/>
+                    </a:solidFill>
+                  </a:tcPr>
+                </a:tc>
+                <a:tc>
+                  <a:txBody>
+                    <a:bodyPr/>
+                    <a:lstStyle/>
+                    <a:p>
+                      <a:r>
+                        <a:rPr sz="1000">
+                          <a:solidFill>
+                            <a:srgbClr val="000000"/>
+                          </a:solidFill>
+                        </a:rPr>
+                        <a:t>34%</a:t>
                       </a:r>
                     </a:p>
                   </a:txBody>
@@ -9448,284 +10395,14 @@
                   <a:txBody>
                     <a:bodyPr/>
                     <a:lstStyle/>
-                    <a:p/>
-                  </a:txBody>
-                  <a:tcPr/>
-                </a:tc>
-              </a:tr>
-              <a:tr h="5486">
-                <a:tc>
-                  <a:txBody>
-                    <a:bodyPr/>
-                    <a:lstStyle/>
-                    <a:p/>
-                  </a:txBody>
-                  <a:tcPr>
-                    <a:solidFill>
-                      <a:srgbClr val="9ACD32"/>
-                    </a:solidFill>
-                  </a:tcPr>
-                </a:tc>
-                <a:tc>
-                  <a:txBody>
-                    <a:bodyPr/>
-                    <a:lstStyle/>
-                    <a:p/>
-                  </a:txBody>
-                  <a:tcPr>
-                    <a:solidFill>
-                      <a:srgbClr val="D3D3D3"/>
-                    </a:solidFill>
-                  </a:tcPr>
-                </a:tc>
-                <a:tc>
-                  <a:txBody>
-                    <a:bodyPr/>
-                    <a:lstStyle/>
-                    <a:p>
-                      <a:r>
-                        <a:rPr sz="1000">
-                          <a:solidFill>
-                            <a:srgbClr val="000000"/>
-                          </a:solidFill>
-                        </a:rPr>
-                        <a:t>Endpoints</a:t>
-                      </a:r>
-                    </a:p>
-                  </a:txBody>
-                  <a:tcPr>
-                    <a:solidFill>
-                      <a:srgbClr val="DCDCDC"/>
-                    </a:solidFill>
-                  </a:tcPr>
-                </a:tc>
-                <a:tc>
-                  <a:txBody>
-                    <a:bodyPr/>
-                    <a:lstStyle/>
-                    <a:p>
-                      <a:r>
-                        <a:rPr sz="1000">
-                          <a:solidFill>
-                            <a:srgbClr val="000000"/>
-                          </a:solidFill>
-                        </a:rPr>
-                        <a:t>9E+1%</a:t>
-                      </a:r>
-                    </a:p>
-                  </a:txBody>
-                  <a:tcPr>
-                    <a:solidFill>
-                      <a:srgbClr val="FE0005"/>
-                    </a:solidFill>
-                  </a:tcPr>
-                </a:tc>
-                <a:tc>
-                  <a:txBody>
-                    <a:bodyPr/>
-                    <a:lstStyle/>
-                    <a:p>
-                      <a:r>
-                        <a:rPr sz="1000">
-                          <a:solidFill>
-                            <a:srgbClr val="000000"/>
-                          </a:solidFill>
-                        </a:rPr>
-                        <a:t>12%</a:t>
-                      </a:r>
-                    </a:p>
-                  </a:txBody>
-                  <a:tcPr>
-                    <a:solidFill>
-                      <a:srgbClr val="FFBF00"/>
-                    </a:solidFill>
-                  </a:tcPr>
-                </a:tc>
-                <a:tc>
-                  <a:txBody>
-                    <a:bodyPr/>
-                    <a:lstStyle/>
-                    <a:p/>
-                  </a:txBody>
-                  <a:tcPr/>
-                </a:tc>
-              </a:tr>
-              <a:tr h="5486">
-                <a:tc>
-                  <a:txBody>
-                    <a:bodyPr/>
-                    <a:lstStyle/>
-                    <a:p/>
-                  </a:txBody>
-                  <a:tcPr>
-                    <a:solidFill>
-                      <a:srgbClr val="9ACD32"/>
-                    </a:solidFill>
-                  </a:tcPr>
-                </a:tc>
-                <a:tc>
-                  <a:txBody>
-                    <a:bodyPr/>
-                    <a:lstStyle/>
-                    <a:p/>
-                  </a:txBody>
-                  <a:tcPr>
-                    <a:solidFill>
-                      <a:srgbClr val="D3D3D3"/>
-                    </a:solidFill>
-                  </a:tcPr>
-                </a:tc>
-                <a:tc>
-                  <a:txBody>
-                    <a:bodyPr/>
-                    <a:lstStyle/>
-                    <a:p>
-                      <a:r>
-                        <a:rPr sz="1000">
-                          <a:solidFill>
-                            <a:srgbClr val="000000"/>
-                          </a:solidFill>
-                        </a:rPr>
-                        <a:t>Database</a:t>
-                      </a:r>
-                    </a:p>
-                  </a:txBody>
-                  <a:tcPr>
-                    <a:solidFill>
-                      <a:srgbClr val="DCDCDC"/>
-                    </a:solidFill>
-                  </a:tcPr>
-                </a:tc>
-                <a:tc>
-                  <a:txBody>
-                    <a:bodyPr/>
-                    <a:lstStyle/>
-                    <a:p>
-                      <a:r>
-                        <a:rPr sz="1000">
-                          <a:solidFill>
-                            <a:srgbClr val="000000"/>
-                          </a:solidFill>
-                        </a:rPr>
-                        <a:t>67%</a:t>
-                      </a:r>
-                    </a:p>
-                  </a:txBody>
-                  <a:tcPr>
-                    <a:solidFill>
-                      <a:srgbClr val="FE0005"/>
-                    </a:solidFill>
-                  </a:tcPr>
-                </a:tc>
-                <a:tc>
-                  <a:txBody>
-                    <a:bodyPr/>
-                    <a:lstStyle/>
-                    <a:p>
-                      <a:r>
-                        <a:rPr sz="1000">
-                          <a:solidFill>
-                            <a:srgbClr val="000000"/>
-                          </a:solidFill>
-                        </a:rPr>
-                        <a:t>23%</a:t>
-                      </a:r>
-                    </a:p>
-                  </a:txBody>
-                  <a:tcPr>
-                    <a:solidFill>
-                      <a:srgbClr val="FE0005"/>
-                    </a:solidFill>
-                  </a:tcPr>
-                </a:tc>
-                <a:tc>
-                  <a:txBody>
-                    <a:bodyPr/>
-                    <a:lstStyle/>
-                    <a:p/>
-                  </a:txBody>
-                  <a:tcPr/>
-                </a:tc>
-              </a:tr>
-              <a:tr h="5488">
-                <a:tc>
-                  <a:txBody>
-                    <a:bodyPr/>
-                    <a:lstStyle/>
-                    <a:p/>
-                  </a:txBody>
-                  <a:tcPr>
-                    <a:solidFill>
-                      <a:srgbClr val="9ACD32"/>
-                    </a:solidFill>
-                  </a:tcPr>
-                </a:tc>
-                <a:tc>
-                  <a:txBody>
-                    <a:bodyPr/>
-                    <a:lstStyle/>
-                    <a:p/>
-                  </a:txBody>
-                  <a:tcPr>
-                    <a:solidFill>
-                      <a:srgbClr val="D3D3D3"/>
-                    </a:solidFill>
-                  </a:tcPr>
-                </a:tc>
-                <a:tc>
-                  <a:txBody>
-                    <a:bodyPr/>
-                    <a:lstStyle/>
-                    <a:p>
-                      <a:r>
-                        <a:rPr sz="1000">
-                          <a:solidFill>
-                            <a:srgbClr val="000000"/>
-                          </a:solidFill>
-                        </a:rPr>
-                        <a:t>Applications</a:t>
-                      </a:r>
-                    </a:p>
-                  </a:txBody>
-                  <a:tcPr>
-                    <a:solidFill>
-                      <a:srgbClr val="DCDCDC"/>
-                    </a:solidFill>
-                  </a:tcPr>
-                </a:tc>
-                <a:tc>
-                  <a:txBody>
-                    <a:bodyPr/>
-                    <a:lstStyle/>
-                    <a:p>
-                      <a:r>
-                        <a:rPr sz="1000">
-                          <a:solidFill>
-                            <a:srgbClr val="000000"/>
-                          </a:solidFill>
-                        </a:rPr>
-                        <a:t>23%</a:t>
-                      </a:r>
-                    </a:p>
-                  </a:txBody>
-                  <a:tcPr>
-                    <a:solidFill>
-                      <a:srgbClr val="FE0005"/>
-                    </a:solidFill>
-                  </a:tcPr>
-                </a:tc>
-                <a:tc>
-                  <a:txBody>
-                    <a:bodyPr/>
-                    <a:lstStyle/>
-                    <a:p>
-                      <a:r>
-                        <a:rPr sz="1000">
-                          <a:solidFill>
-                            <a:srgbClr val="000000"/>
-                          </a:solidFill>
-                        </a:rPr>
-                        <a:t>32%</a:t>
+                    <a:p>
+                      <a:r>
+                        <a:rPr sz="1000">
+                          <a:solidFill>
+                            <a:srgbClr val="000000"/>
+                          </a:solidFill>
+                        </a:rPr>
+                        <a:t>56%</a:t>
                       </a:r>
                     </a:p>
                   </a:txBody>
@@ -9757,6 +10434,881 @@
 </file>
 
 <file path=ppt/slides/slide6.xml><?xml version="1.0" encoding="utf-8"?>
+<p:sld xmlns:a="http://schemas.openxmlformats.org/drawingml/2006/main" xmlns:p="http://schemas.openxmlformats.org/presentationml/2006/main" xmlns:r="http://schemas.openxmlformats.org/officeDocument/2006/relationships">
+  <p:cSld>
+    <p:spTree>
+      <p:nvGrpSpPr>
+        <p:cNvPr id="1" name=""/>
+        <p:cNvGrpSpPr/>
+        <p:nvPr/>
+      </p:nvGrpSpPr>
+      <p:grpSpPr/>
+      <p:sp>
+        <p:nvSpPr>
+          <p:cNvPr id="2" name="Title 1"/>
+          <p:cNvSpPr>
+            <a:spLocks noGrp="1"/>
+          </p:cNvSpPr>
+          <p:nvPr>
+            <p:ph type="title"/>
+          </p:nvPr>
+        </p:nvSpPr>
+        <p:spPr/>
+        <p:txBody>
+          <a:bodyPr/>
+          <a:lstStyle/>
+          <a:p>
+            <a:r>
+              <a:rPr sz="2000" b="1">
+                <a:latin typeface="Verdana"/>
+              </a:rPr>
+              <a:t>Detailed Metrics - KRIs </a:t>
+            </a:r>
+          </a:p>
+        </p:txBody>
+      </p:sp>
+      <p:sp>
+        <p:nvSpPr>
+          <p:cNvPr id="3" name="Content Placeholder 2"/>
+          <p:cNvSpPr>
+            <a:spLocks noGrp="1"/>
+          </p:cNvSpPr>
+          <p:nvPr>
+            <p:ph idx="1"/>
+          </p:nvPr>
+        </p:nvSpPr>
+        <p:spPr/>
+        <p:txBody>
+          <a:bodyPr/>
+          <a:lstStyle/>
+          <a:p/>
+        </p:txBody>
+      </p:sp>
+      <p:graphicFrame>
+        <p:nvGraphicFramePr>
+          <p:cNvPr id="4" name="Table 3"/>
+          <p:cNvGraphicFramePr>
+            <a:graphicFrameLocks noGrp="1"/>
+          </p:cNvGraphicFramePr>
+          <p:nvPr/>
+        </p:nvGraphicFramePr>
+        <p:xfrm>
+          <a:off x="457200" y="1005840"/>
+          <a:ext cx="8229600" cy="27432"/>
+        </p:xfrm>
+        <a:graphic>
+          <a:graphicData uri="http://schemas.openxmlformats.org/drawingml/2006/table">
+            <a:tbl>
+              <a:tblPr firstRow="1" bandRow="1">
+                <a:tableStyleId>{5C22544A-7EE6-4342-B048-85BDC9FD1C3A}</a:tableStyleId>
+              </a:tblPr>
+              <a:tblGrid>
+                <a:gridCol w="1371600"/>
+                <a:gridCol w="1371600"/>
+                <a:gridCol w="2743200"/>
+                <a:gridCol w="914400"/>
+                <a:gridCol w="914400"/>
+                <a:gridCol w="914400"/>
+              </a:tblGrid>
+              <a:tr h="5486">
+                <a:tc>
+                  <a:txBody>
+                    <a:bodyPr/>
+                    <a:lstStyle/>
+                    <a:p>
+                      <a:r>
+                        <a:rPr b="1" sz="1000">
+                          <a:solidFill>
+                            <a:srgbClr val="000000"/>
+                          </a:solidFill>
+                        </a:rPr>
+                        <a:t>Category of KRI </a:t>
+                      </a:r>
+                    </a:p>
+                  </a:txBody>
+                  <a:tcPr>
+                    <a:lnL algn="ctr" cap="flat" cmpd="sng" w="12700">
+                      <a:solidFill>
+                        <a:srgbClr val="000000"/>
+                      </a:solidFill>
+                      <a:prstDash val="solid"/>
+                      <a:round/>
+                      <a:headEnd type="none" len="med" w="med"/>
+                      <a:tailEnd type="none" len="med" w="med"/>
+                    </a:lnL>
+                    <a:lnR algn="ctr" cap="flat" cmpd="sng" w="12700">
+                      <a:solidFill>
+                        <a:srgbClr val="000000"/>
+                      </a:solidFill>
+                      <a:prstDash val="solid"/>
+                      <a:round/>
+                      <a:headEnd type="none" len="med" w="med"/>
+                      <a:tailEnd type="none" len="med" w="med"/>
+                    </a:lnR>
+                    <a:lnT algn="ctr" cap="flat" cmpd="sng" w="12700">
+                      <a:solidFill>
+                        <a:srgbClr val="000000"/>
+                      </a:solidFill>
+                      <a:prstDash val="solid"/>
+                      <a:round/>
+                      <a:headEnd type="none" len="med" w="med"/>
+                      <a:tailEnd type="none" len="med" w="med"/>
+                    </a:lnT>
+                    <a:lnB algn="ctr" cap="flat" cmpd="sng" w="12700">
+                      <a:solidFill>
+                        <a:srgbClr val="000000"/>
+                      </a:solidFill>
+                      <a:prstDash val="solid"/>
+                      <a:round/>
+                      <a:headEnd type="none" len="med" w="med"/>
+                      <a:tailEnd type="none" len="med" w="med"/>
+                    </a:lnB>
+                    <a:solidFill>
+                      <a:srgbClr val="FFFFFF"/>
+                    </a:solidFill>
+                    <a:lnL algn="ctr" cap="flat" cmpd="sng" w="12700">
+                      <a:solidFill>
+                        <a:srgbClr val="000000"/>
+                      </a:solidFill>
+                      <a:prstDash val="solid"/>
+                      <a:round/>
+                      <a:headEnd type="none" len="med" w="med"/>
+                      <a:tailEnd type="none" len="med" w="med"/>
+                    </a:lnL>
+                    <a:lnR algn="ctr" cap="flat" cmpd="sng" w="12700">
+                      <a:solidFill>
+                        <a:srgbClr val="000000"/>
+                      </a:solidFill>
+                      <a:prstDash val="solid"/>
+                      <a:round/>
+                      <a:headEnd type="none" len="med" w="med"/>
+                      <a:tailEnd type="none" len="med" w="med"/>
+                    </a:lnR>
+                    <a:lnT algn="ctr" cap="flat" cmpd="sng" w="12700">
+                      <a:solidFill>
+                        <a:srgbClr val="000000"/>
+                      </a:solidFill>
+                      <a:prstDash val="solid"/>
+                      <a:round/>
+                      <a:headEnd type="none" len="med" w="med"/>
+                      <a:tailEnd type="none" len="med" w="med"/>
+                    </a:lnT>
+                    <a:lnB algn="ctr" cap="flat" cmpd="sng" w="12700">
+                      <a:solidFill>
+                        <a:srgbClr val="000000"/>
+                      </a:solidFill>
+                      <a:prstDash val="solid"/>
+                      <a:round/>
+                      <a:headEnd type="none" len="med" w="med"/>
+                      <a:tailEnd type="none" len="med" w="med"/>
+                    </a:lnB>
+                  </a:tcPr>
+                </a:tc>
+                <a:tc>
+                  <a:txBody>
+                    <a:bodyPr/>
+                    <a:lstStyle/>
+                    <a:p>
+                      <a:r>
+                        <a:rPr sz="1000">
+                          <a:solidFill>
+                            <a:srgbClr val="000000"/>
+                          </a:solidFill>
+                        </a:rPr>
+                        <a:t>Defintion</a:t>
+                      </a:r>
+                    </a:p>
+                  </a:txBody>
+                  <a:tcPr>
+                    <a:lnL algn="ctr" cap="flat" cmpd="sng" w="12700">
+                      <a:solidFill>
+                        <a:srgbClr val="000000"/>
+                      </a:solidFill>
+                      <a:prstDash val="solid"/>
+                      <a:round/>
+                      <a:headEnd type="none" len="med" w="med"/>
+                      <a:tailEnd type="none" len="med" w="med"/>
+                    </a:lnL>
+                    <a:lnR algn="ctr" cap="flat" cmpd="sng" w="12700">
+                      <a:solidFill>
+                        <a:srgbClr val="000000"/>
+                      </a:solidFill>
+                      <a:prstDash val="solid"/>
+                      <a:round/>
+                      <a:headEnd type="none" len="med" w="med"/>
+                      <a:tailEnd type="none" len="med" w="med"/>
+                    </a:lnR>
+                    <a:lnT algn="ctr" cap="flat" cmpd="sng" w="12700">
+                      <a:solidFill>
+                        <a:srgbClr val="000000"/>
+                      </a:solidFill>
+                      <a:prstDash val="solid"/>
+                      <a:round/>
+                      <a:headEnd type="none" len="med" w="med"/>
+                      <a:tailEnd type="none" len="med" w="med"/>
+                    </a:lnT>
+                    <a:lnB algn="ctr" cap="flat" cmpd="sng" w="12700">
+                      <a:solidFill>
+                        <a:srgbClr val="000000"/>
+                      </a:solidFill>
+                      <a:prstDash val="solid"/>
+                      <a:round/>
+                      <a:headEnd type="none" len="med" w="med"/>
+                      <a:tailEnd type="none" len="med" w="med"/>
+                    </a:lnB>
+                    <a:solidFill>
+                      <a:srgbClr val="FFFFFF"/>
+                    </a:solidFill>
+                  </a:tcPr>
+                </a:tc>
+                <a:tc>
+                  <a:txBody>
+                    <a:bodyPr/>
+                    <a:lstStyle/>
+                    <a:p>
+                      <a:r>
+                        <a:rPr sz="1000">
+                          <a:solidFill>
+                            <a:srgbClr val="000000"/>
+                          </a:solidFill>
+                        </a:rPr>
+                        <a:t>Measure</a:t>
+                      </a:r>
+                    </a:p>
+                  </a:txBody>
+                  <a:tcPr>
+                    <a:lnL algn="ctr" cap="flat" cmpd="sng" w="12700">
+                      <a:solidFill>
+                        <a:srgbClr val="000000"/>
+                      </a:solidFill>
+                      <a:prstDash val="solid"/>
+                      <a:round/>
+                      <a:headEnd type="none" len="med" w="med"/>
+                      <a:tailEnd type="none" len="med" w="med"/>
+                    </a:lnL>
+                    <a:lnR algn="ctr" cap="flat" cmpd="sng" w="12700">
+                      <a:solidFill>
+                        <a:srgbClr val="000000"/>
+                      </a:solidFill>
+                      <a:prstDash val="solid"/>
+                      <a:round/>
+                      <a:headEnd type="none" len="med" w="med"/>
+                      <a:tailEnd type="none" len="med" w="med"/>
+                    </a:lnR>
+                    <a:lnT algn="ctr" cap="flat" cmpd="sng" w="12700">
+                      <a:solidFill>
+                        <a:srgbClr val="000000"/>
+                      </a:solidFill>
+                      <a:prstDash val="solid"/>
+                      <a:round/>
+                      <a:headEnd type="none" len="med" w="med"/>
+                      <a:tailEnd type="none" len="med" w="med"/>
+                    </a:lnT>
+                    <a:lnB algn="ctr" cap="flat" cmpd="sng" w="12700">
+                      <a:solidFill>
+                        <a:srgbClr val="000000"/>
+                      </a:solidFill>
+                      <a:prstDash val="solid"/>
+                      <a:round/>
+                      <a:headEnd type="none" len="med" w="med"/>
+                      <a:tailEnd type="none" len="med" w="med"/>
+                    </a:lnB>
+                    <a:solidFill>
+                      <a:srgbClr val="FFFFFF"/>
+                    </a:solidFill>
+                  </a:tcPr>
+                </a:tc>
+                <a:tc>
+                  <a:txBody>
+                    <a:bodyPr/>
+                    <a:lstStyle/>
+                    <a:p>
+                      <a:r>
+                        <a:rPr sz="1000">
+                          <a:solidFill>
+                            <a:srgbClr val="000000"/>
+                          </a:solidFill>
+                        </a:rPr>
+                        <a:t>Previous Score</a:t>
+                      </a:r>
+                    </a:p>
+                  </a:txBody>
+                  <a:tcPr>
+                    <a:lnL algn="ctr" cap="flat" cmpd="sng" w="12700">
+                      <a:solidFill>
+                        <a:srgbClr val="000000"/>
+                      </a:solidFill>
+                      <a:prstDash val="solid"/>
+                      <a:round/>
+                      <a:headEnd type="none" len="med" w="med"/>
+                      <a:tailEnd type="none" len="med" w="med"/>
+                    </a:lnL>
+                    <a:lnR algn="ctr" cap="flat" cmpd="sng" w="12700">
+                      <a:solidFill>
+                        <a:srgbClr val="000000"/>
+                      </a:solidFill>
+                      <a:prstDash val="solid"/>
+                      <a:round/>
+                      <a:headEnd type="none" len="med" w="med"/>
+                      <a:tailEnd type="none" len="med" w="med"/>
+                    </a:lnR>
+                    <a:lnT algn="ctr" cap="flat" cmpd="sng" w="12700">
+                      <a:solidFill>
+                        <a:srgbClr val="000000"/>
+                      </a:solidFill>
+                      <a:prstDash val="solid"/>
+                      <a:round/>
+                      <a:headEnd type="none" len="med" w="med"/>
+                      <a:tailEnd type="none" len="med" w="med"/>
+                    </a:lnT>
+                    <a:lnB algn="ctr" cap="flat" cmpd="sng" w="12700">
+                      <a:solidFill>
+                        <a:srgbClr val="000000"/>
+                      </a:solidFill>
+                      <a:prstDash val="solid"/>
+                      <a:round/>
+                      <a:headEnd type="none" len="med" w="med"/>
+                      <a:tailEnd type="none" len="med" w="med"/>
+                    </a:lnB>
+                    <a:solidFill>
+                      <a:srgbClr val="FFFFFF"/>
+                    </a:solidFill>
+                  </a:tcPr>
+                </a:tc>
+                <a:tc>
+                  <a:txBody>
+                    <a:bodyPr/>
+                    <a:lstStyle/>
+                    <a:p>
+                      <a:r>
+                        <a:rPr sz="1000">
+                          <a:solidFill>
+                            <a:srgbClr val="000000"/>
+                          </a:solidFill>
+                        </a:rPr>
+                        <a:t>Current Score</a:t>
+                      </a:r>
+                    </a:p>
+                  </a:txBody>
+                  <a:tcPr>
+                    <a:lnL algn="ctr" cap="flat" cmpd="sng" w="12700">
+                      <a:solidFill>
+                        <a:srgbClr val="000000"/>
+                      </a:solidFill>
+                      <a:prstDash val="solid"/>
+                      <a:round/>
+                      <a:headEnd type="none" len="med" w="med"/>
+                      <a:tailEnd type="none" len="med" w="med"/>
+                    </a:lnL>
+                    <a:lnR algn="ctr" cap="flat" cmpd="sng" w="12700">
+                      <a:solidFill>
+                        <a:srgbClr val="000000"/>
+                      </a:solidFill>
+                      <a:prstDash val="solid"/>
+                      <a:round/>
+                      <a:headEnd type="none" len="med" w="med"/>
+                      <a:tailEnd type="none" len="med" w="med"/>
+                    </a:lnR>
+                    <a:lnT algn="ctr" cap="flat" cmpd="sng" w="12700">
+                      <a:solidFill>
+                        <a:srgbClr val="000000"/>
+                      </a:solidFill>
+                      <a:prstDash val="solid"/>
+                      <a:round/>
+                      <a:headEnd type="none" len="med" w="med"/>
+                      <a:tailEnd type="none" len="med" w="med"/>
+                    </a:lnT>
+                    <a:lnB algn="ctr" cap="flat" cmpd="sng" w="12700">
+                      <a:solidFill>
+                        <a:srgbClr val="000000"/>
+                      </a:solidFill>
+                      <a:prstDash val="solid"/>
+                      <a:round/>
+                      <a:headEnd type="none" len="med" w="med"/>
+                      <a:tailEnd type="none" len="med" w="med"/>
+                    </a:lnB>
+                    <a:solidFill>
+                      <a:srgbClr val="FFFFFF"/>
+                    </a:solidFill>
+                  </a:tcPr>
+                </a:tc>
+                <a:tc>
+                  <a:txBody>
+                    <a:bodyPr/>
+                    <a:lstStyle/>
+                    <a:p>
+                      <a:r>
+                        <a:rPr sz="1000">
+                          <a:solidFill>
+                            <a:srgbClr val="000000"/>
+                          </a:solidFill>
+                        </a:rPr>
+                        <a:t>Risk Trend</a:t>
+                      </a:r>
+                    </a:p>
+                  </a:txBody>
+                  <a:tcPr>
+                    <a:lnL algn="ctr" cap="flat" cmpd="sng" w="12700">
+                      <a:solidFill>
+                        <a:srgbClr val="000000"/>
+                      </a:solidFill>
+                      <a:prstDash val="solid"/>
+                      <a:round/>
+                      <a:headEnd type="none" len="med" w="med"/>
+                      <a:tailEnd type="none" len="med" w="med"/>
+                    </a:lnL>
+                    <a:lnR algn="ctr" cap="flat" cmpd="sng" w="12700">
+                      <a:solidFill>
+                        <a:srgbClr val="000000"/>
+                      </a:solidFill>
+                      <a:prstDash val="solid"/>
+                      <a:round/>
+                      <a:headEnd type="none" len="med" w="med"/>
+                      <a:tailEnd type="none" len="med" w="med"/>
+                    </a:lnR>
+                    <a:lnT algn="ctr" cap="flat" cmpd="sng" w="12700">
+                      <a:solidFill>
+                        <a:srgbClr val="000000"/>
+                      </a:solidFill>
+                      <a:prstDash val="solid"/>
+                      <a:round/>
+                      <a:headEnd type="none" len="med" w="med"/>
+                      <a:tailEnd type="none" len="med" w="med"/>
+                    </a:lnT>
+                    <a:lnB algn="ctr" cap="flat" cmpd="sng" w="12700">
+                      <a:solidFill>
+                        <a:srgbClr val="000000"/>
+                      </a:solidFill>
+                      <a:prstDash val="solid"/>
+                      <a:round/>
+                      <a:headEnd type="none" len="med" w="med"/>
+                      <a:tailEnd type="none" len="med" w="med"/>
+                    </a:lnB>
+                    <a:solidFill>
+                      <a:srgbClr val="FFFFFF"/>
+                    </a:solidFill>
+                  </a:tcPr>
+                </a:tc>
+              </a:tr>
+              <a:tr h="5486">
+                <a:tc>
+                  <a:txBody>
+                    <a:bodyPr/>
+                    <a:lstStyle/>
+                    <a:p>
+                      <a:r>
+                        <a:rPr b="1" sz="1000">
+                          <a:solidFill>
+                            <a:srgbClr val="000000"/>
+                          </a:solidFill>
+                        </a:rPr>
+                        <a:t>Monitoring</a:t>
+                      </a:r>
+                    </a:p>
+                  </a:txBody>
+                  <a:tcPr>
+                    <a:solidFill>
+                      <a:srgbClr val="9ACD32"/>
+                    </a:solidFill>
+                  </a:tcPr>
+                </a:tc>
+                <a:tc>
+                  <a:txBody>
+                    <a:bodyPr/>
+                    <a:lstStyle/>
+                    <a:p>
+                      <a:r>
+                        <a:rPr b="1" sz="1000">
+                          <a:solidFill>
+                            <a:srgbClr val="000000"/>
+                          </a:solidFill>
+                        </a:rPr>
+                        <a:t>Measure of assets not monitored</a:t>
+                      </a:r>
+                    </a:p>
+                  </a:txBody>
+                  <a:tcPr>
+                    <a:solidFill>
+                      <a:srgbClr val="D3D3D3"/>
+                    </a:solidFill>
+                  </a:tcPr>
+                </a:tc>
+                <a:tc>
+                  <a:txBody>
+                    <a:bodyPr/>
+                    <a:lstStyle/>
+                    <a:p>
+                      <a:r>
+                        <a:rPr sz="1000">
+                          <a:solidFill>
+                            <a:srgbClr val="000000"/>
+                          </a:solidFill>
+                        </a:rPr>
+                        <a:t>Servers</a:t>
+                      </a:r>
+                    </a:p>
+                  </a:txBody>
+                  <a:tcPr>
+                    <a:solidFill>
+                      <a:srgbClr val="DCDCDC"/>
+                    </a:solidFill>
+                  </a:tcPr>
+                </a:tc>
+                <a:tc>
+                  <a:txBody>
+                    <a:bodyPr/>
+                    <a:lstStyle/>
+                    <a:p>
+                      <a:r>
+                        <a:rPr sz="1000">
+                          <a:solidFill>
+                            <a:srgbClr val="000000"/>
+                          </a:solidFill>
+                        </a:rPr>
+                        <a:t>87%</a:t>
+                      </a:r>
+                    </a:p>
+                  </a:txBody>
+                  <a:tcPr>
+                    <a:solidFill>
+                      <a:srgbClr val="FE0005"/>
+                    </a:solidFill>
+                  </a:tcPr>
+                </a:tc>
+                <a:tc>
+                  <a:txBody>
+                    <a:bodyPr/>
+                    <a:lstStyle/>
+                    <a:p>
+                      <a:r>
+                        <a:rPr sz="1000">
+                          <a:solidFill>
+                            <a:srgbClr val="000000"/>
+                          </a:solidFill>
+                        </a:rPr>
+                        <a:t>25%</a:t>
+                      </a:r>
+                    </a:p>
+                  </a:txBody>
+                  <a:tcPr>
+                    <a:solidFill>
+                      <a:srgbClr val="FE0005"/>
+                    </a:solidFill>
+                  </a:tcPr>
+                </a:tc>
+                <a:tc>
+                  <a:txBody>
+                    <a:bodyPr/>
+                    <a:lstStyle/>
+                    <a:p/>
+                  </a:txBody>
+                  <a:tcPr/>
+                </a:tc>
+              </a:tr>
+              <a:tr h="5486">
+                <a:tc>
+                  <a:txBody>
+                    <a:bodyPr/>
+                    <a:lstStyle/>
+                    <a:p/>
+                  </a:txBody>
+                  <a:tcPr>
+                    <a:solidFill>
+                      <a:srgbClr val="9ACD32"/>
+                    </a:solidFill>
+                  </a:tcPr>
+                </a:tc>
+                <a:tc>
+                  <a:txBody>
+                    <a:bodyPr/>
+                    <a:lstStyle/>
+                    <a:p/>
+                  </a:txBody>
+                  <a:tcPr>
+                    <a:solidFill>
+                      <a:srgbClr val="D3D3D3"/>
+                    </a:solidFill>
+                  </a:tcPr>
+                </a:tc>
+                <a:tc>
+                  <a:txBody>
+                    <a:bodyPr/>
+                    <a:lstStyle/>
+                    <a:p>
+                      <a:r>
+                        <a:rPr sz="1000">
+                          <a:solidFill>
+                            <a:srgbClr val="000000"/>
+                          </a:solidFill>
+                        </a:rPr>
+                        <a:t>Endpoints</a:t>
+                      </a:r>
+                    </a:p>
+                  </a:txBody>
+                  <a:tcPr>
+                    <a:solidFill>
+                      <a:srgbClr val="DCDCDC"/>
+                    </a:solidFill>
+                  </a:tcPr>
+                </a:tc>
+                <a:tc>
+                  <a:txBody>
+                    <a:bodyPr/>
+                    <a:lstStyle/>
+                    <a:p>
+                      <a:r>
+                        <a:rPr sz="1000">
+                          <a:solidFill>
+                            <a:srgbClr val="000000"/>
+                          </a:solidFill>
+                        </a:rPr>
+                        <a:t>9E+1%</a:t>
+                      </a:r>
+                    </a:p>
+                  </a:txBody>
+                  <a:tcPr>
+                    <a:solidFill>
+                      <a:srgbClr val="FE0005"/>
+                    </a:solidFill>
+                  </a:tcPr>
+                </a:tc>
+                <a:tc>
+                  <a:txBody>
+                    <a:bodyPr/>
+                    <a:lstStyle/>
+                    <a:p>
+                      <a:r>
+                        <a:rPr sz="1000">
+                          <a:solidFill>
+                            <a:srgbClr val="000000"/>
+                          </a:solidFill>
+                        </a:rPr>
+                        <a:t>12%</a:t>
+                      </a:r>
+                    </a:p>
+                  </a:txBody>
+                  <a:tcPr>
+                    <a:solidFill>
+                      <a:srgbClr val="FFBF00"/>
+                    </a:solidFill>
+                  </a:tcPr>
+                </a:tc>
+                <a:tc>
+                  <a:txBody>
+                    <a:bodyPr/>
+                    <a:lstStyle/>
+                    <a:p/>
+                  </a:txBody>
+                  <a:tcPr/>
+                </a:tc>
+              </a:tr>
+              <a:tr h="5486">
+                <a:tc>
+                  <a:txBody>
+                    <a:bodyPr/>
+                    <a:lstStyle/>
+                    <a:p/>
+                  </a:txBody>
+                  <a:tcPr>
+                    <a:solidFill>
+                      <a:srgbClr val="9ACD32"/>
+                    </a:solidFill>
+                  </a:tcPr>
+                </a:tc>
+                <a:tc>
+                  <a:txBody>
+                    <a:bodyPr/>
+                    <a:lstStyle/>
+                    <a:p/>
+                  </a:txBody>
+                  <a:tcPr>
+                    <a:solidFill>
+                      <a:srgbClr val="D3D3D3"/>
+                    </a:solidFill>
+                  </a:tcPr>
+                </a:tc>
+                <a:tc>
+                  <a:txBody>
+                    <a:bodyPr/>
+                    <a:lstStyle/>
+                    <a:p>
+                      <a:r>
+                        <a:rPr sz="1000">
+                          <a:solidFill>
+                            <a:srgbClr val="000000"/>
+                          </a:solidFill>
+                        </a:rPr>
+                        <a:t>Database</a:t>
+                      </a:r>
+                    </a:p>
+                  </a:txBody>
+                  <a:tcPr>
+                    <a:solidFill>
+                      <a:srgbClr val="DCDCDC"/>
+                    </a:solidFill>
+                  </a:tcPr>
+                </a:tc>
+                <a:tc>
+                  <a:txBody>
+                    <a:bodyPr/>
+                    <a:lstStyle/>
+                    <a:p>
+                      <a:r>
+                        <a:rPr sz="1000">
+                          <a:solidFill>
+                            <a:srgbClr val="000000"/>
+                          </a:solidFill>
+                        </a:rPr>
+                        <a:t>67%</a:t>
+                      </a:r>
+                    </a:p>
+                  </a:txBody>
+                  <a:tcPr>
+                    <a:solidFill>
+                      <a:srgbClr val="FE0005"/>
+                    </a:solidFill>
+                  </a:tcPr>
+                </a:tc>
+                <a:tc>
+                  <a:txBody>
+                    <a:bodyPr/>
+                    <a:lstStyle/>
+                    <a:p>
+                      <a:r>
+                        <a:rPr sz="1000">
+                          <a:solidFill>
+                            <a:srgbClr val="000000"/>
+                          </a:solidFill>
+                        </a:rPr>
+                        <a:t>23%</a:t>
+                      </a:r>
+                    </a:p>
+                  </a:txBody>
+                  <a:tcPr>
+                    <a:solidFill>
+                      <a:srgbClr val="FE0005"/>
+                    </a:solidFill>
+                  </a:tcPr>
+                </a:tc>
+                <a:tc>
+                  <a:txBody>
+                    <a:bodyPr/>
+                    <a:lstStyle/>
+                    <a:p/>
+                  </a:txBody>
+                  <a:tcPr/>
+                </a:tc>
+              </a:tr>
+              <a:tr h="5488">
+                <a:tc>
+                  <a:txBody>
+                    <a:bodyPr/>
+                    <a:lstStyle/>
+                    <a:p/>
+                  </a:txBody>
+                  <a:tcPr>
+                    <a:solidFill>
+                      <a:srgbClr val="9ACD32"/>
+                    </a:solidFill>
+                  </a:tcPr>
+                </a:tc>
+                <a:tc>
+                  <a:txBody>
+                    <a:bodyPr/>
+                    <a:lstStyle/>
+                    <a:p/>
+                  </a:txBody>
+                  <a:tcPr>
+                    <a:solidFill>
+                      <a:srgbClr val="D3D3D3"/>
+                    </a:solidFill>
+                  </a:tcPr>
+                </a:tc>
+                <a:tc>
+                  <a:txBody>
+                    <a:bodyPr/>
+                    <a:lstStyle/>
+                    <a:p>
+                      <a:r>
+                        <a:rPr sz="1000">
+                          <a:solidFill>
+                            <a:srgbClr val="000000"/>
+                          </a:solidFill>
+                        </a:rPr>
+                        <a:t>Applications</a:t>
+                      </a:r>
+                    </a:p>
+                  </a:txBody>
+                  <a:tcPr>
+                    <a:solidFill>
+                      <a:srgbClr val="DCDCDC"/>
+                    </a:solidFill>
+                  </a:tcPr>
+                </a:tc>
+                <a:tc>
+                  <a:txBody>
+                    <a:bodyPr/>
+                    <a:lstStyle/>
+                    <a:p>
+                      <a:r>
+                        <a:rPr sz="1000">
+                          <a:solidFill>
+                            <a:srgbClr val="000000"/>
+                          </a:solidFill>
+                        </a:rPr>
+                        <a:t>23%</a:t>
+                      </a:r>
+                    </a:p>
+                  </a:txBody>
+                  <a:tcPr>
+                    <a:solidFill>
+                      <a:srgbClr val="FE0005"/>
+                    </a:solidFill>
+                  </a:tcPr>
+                </a:tc>
+                <a:tc>
+                  <a:txBody>
+                    <a:bodyPr/>
+                    <a:lstStyle/>
+                    <a:p>
+                      <a:r>
+                        <a:rPr sz="1000">
+                          <a:solidFill>
+                            <a:srgbClr val="000000"/>
+                          </a:solidFill>
+                        </a:rPr>
+                        <a:t>32%</a:t>
+                      </a:r>
+                    </a:p>
+                  </a:txBody>
+                  <a:tcPr>
+                    <a:solidFill>
+                      <a:srgbClr val="FE0005"/>
+                    </a:solidFill>
+                  </a:tcPr>
+                </a:tc>
+                <a:tc>
+                  <a:txBody>
+                    <a:bodyPr/>
+                    <a:lstStyle/>
+                    <a:p/>
+                  </a:txBody>
+                  <a:tcPr/>
+                </a:tc>
+              </a:tr>
+            </a:tbl>
+          </a:graphicData>
+        </a:graphic>
+      </p:graphicFrame>
+    </p:spTree>
+  </p:cSld>
+  <p:clrMapOvr>
+    <a:masterClrMapping/>
+  </p:clrMapOvr>
+</p:sld>
+</file>
+
+<file path=ppt/slides/slide7.xml><?xml version="1.0" encoding="utf-8"?>
 <p:sld xmlns:a="http://schemas.openxmlformats.org/drawingml/2006/main" xmlns:p="http://schemas.openxmlformats.org/presentationml/2006/main" xmlns:r="http://schemas.openxmlformats.org/officeDocument/2006/relationships">
   <p:cSld>
     <p:spTree>
@@ -9822,7 +11374,7 @@
 </p:sld>
 </file>
 
-<file path=ppt/slides/slide7.xml><?xml version="1.0" encoding="utf-8"?>
+<file path=ppt/slides/slide8.xml><?xml version="1.0" encoding="utf-8"?>
 <p:sld xmlns:a="http://schemas.openxmlformats.org/drawingml/2006/main" xmlns:p="http://schemas.openxmlformats.org/presentationml/2006/main" xmlns:r="http://schemas.openxmlformats.org/officeDocument/2006/relationships">
   <p:cSld>
     <p:spTree>
@@ -9888,7 +11440,7 @@
 </p:sld>
 </file>
 
-<file path=ppt/slides/slide8.xml><?xml version="1.0" encoding="utf-8"?>
+<file path=ppt/slides/slide9.xml><?xml version="1.0" encoding="utf-8"?>
 <p:sld xmlns:a="http://schemas.openxmlformats.org/drawingml/2006/main" xmlns:p="http://schemas.openxmlformats.org/presentationml/2006/main" xmlns:r="http://schemas.openxmlformats.org/officeDocument/2006/relationships">
   <p:cSld>
     <p:spTree>
@@ -9940,72 +11492,6 @@
           <a:xfrm>
             <a:off x="9144" y="68580"/>
             <a:ext cx="9144000" cy="6867485"/>
-          </a:xfrm>
-          <a:prstGeom prst="rect">
-            <a:avLst/>
-          </a:prstGeom>
-        </p:spPr>
-      </p:pic>
-    </p:spTree>
-  </p:cSld>
-  <p:clrMapOvr>
-    <a:masterClrMapping/>
-  </p:clrMapOvr>
-</p:sld>
-</file>
-
-<file path=ppt/slides/slide9.xml><?xml version="1.0" encoding="utf-8"?>
-<p:sld xmlns:a="http://schemas.openxmlformats.org/drawingml/2006/main" xmlns:p="http://schemas.openxmlformats.org/presentationml/2006/main" xmlns:r="http://schemas.openxmlformats.org/officeDocument/2006/relationships">
-  <p:cSld>
-    <p:spTree>
-      <p:nvGrpSpPr>
-        <p:cNvPr id="1" name=""/>
-        <p:cNvGrpSpPr/>
-        <p:nvPr/>
-      </p:nvGrpSpPr>
-      <p:grpSpPr/>
-      <p:sp>
-        <p:nvSpPr>
-          <p:cNvPr id="2" name="TextBox 1"/>
-          <p:cNvSpPr txBox="1"/>
-          <p:nvPr/>
-        </p:nvSpPr>
-        <p:spPr>
-          <a:xfrm>
-            <a:off x="0" y="0"/>
-            <a:ext cx="9144000" cy="34290"/>
-          </a:xfrm>
-          <a:prstGeom prst="rect">
-            <a:avLst/>
-          </a:prstGeom>
-          <a:noFill/>
-        </p:spPr>
-        <p:txBody>
-          <a:bodyPr wrap="none">
-            <a:spAutoFit/>
-          </a:bodyPr>
-          <a:lstStyle/>
-          <a:p/>
-        </p:txBody>
-      </p:sp>
-      <p:pic>
-        <p:nvPicPr>
-          <p:cNvPr id="3" name="Picture 2" descr="Capture4.PNG"/>
-          <p:cNvPicPr>
-            <a:picLocks noChangeAspect="1"/>
-          </p:cNvPicPr>
-          <p:nvPr/>
-        </p:nvPicPr>
-        <p:blipFill>
-          <a:blip r:embed="rId2"/>
-          <a:stretch>
-            <a:fillRect/>
-          </a:stretch>
-        </p:blipFill>
-        <p:spPr>
-          <a:xfrm>
-            <a:off x="9144" y="68580"/>
-            <a:ext cx="9144000" cy="6894142"/>
           </a:xfrm>
           <a:prstGeom prst="rect">
             <a:avLst/>
